--- a/resultanalysis presentation/resultAnalysis.pptx
+++ b/resultanalysis presentation/resultAnalysis.pptx
@@ -5,7 +5,7 @@
     <p:sldMasterId id="2147483648" r:id="rId1"/>
   </p:sldMasterIdLst>
   <p:notesMasterIdLst>
-    <p:notesMasterId r:id="rId21"/>
+    <p:notesMasterId r:id="rId24"/>
   </p:notesMasterIdLst>
   <p:sldIdLst>
     <p:sldId id="348" r:id="rId2"/>
@@ -14,19 +14,22 @@
     <p:sldId id="343" r:id="rId5"/>
     <p:sldId id="313" r:id="rId6"/>
     <p:sldId id="264" r:id="rId7"/>
-    <p:sldId id="288" r:id="rId8"/>
-    <p:sldId id="333" r:id="rId9"/>
-    <p:sldId id="349" r:id="rId10"/>
-    <p:sldId id="351" r:id="rId11"/>
-    <p:sldId id="352" r:id="rId12"/>
-    <p:sldId id="353" r:id="rId13"/>
-    <p:sldId id="354" r:id="rId14"/>
-    <p:sldId id="355" r:id="rId15"/>
-    <p:sldId id="356" r:id="rId16"/>
-    <p:sldId id="357" r:id="rId17"/>
-    <p:sldId id="346" r:id="rId18"/>
-    <p:sldId id="335" r:id="rId19"/>
-    <p:sldId id="323" r:id="rId20"/>
+    <p:sldId id="358" r:id="rId8"/>
+    <p:sldId id="359" r:id="rId9"/>
+    <p:sldId id="333" r:id="rId10"/>
+    <p:sldId id="349" r:id="rId11"/>
+    <p:sldId id="351" r:id="rId12"/>
+    <p:sldId id="352" r:id="rId13"/>
+    <p:sldId id="353" r:id="rId14"/>
+    <p:sldId id="354" r:id="rId15"/>
+    <p:sldId id="355" r:id="rId16"/>
+    <p:sldId id="356" r:id="rId17"/>
+    <p:sldId id="357" r:id="rId18"/>
+    <p:sldId id="346" r:id="rId19"/>
+    <p:sldId id="361" r:id="rId20"/>
+    <p:sldId id="360" r:id="rId21"/>
+    <p:sldId id="335" r:id="rId22"/>
+    <p:sldId id="323" r:id="rId23"/>
   </p:sldIdLst>
   <p:sldSz cx="9144000" cy="6858000" type="screen4x3"/>
   <p:notesSz cx="6858000" cy="9144000"/>
@@ -1048,7 +1051,7 @@
       </dgm:t>
     </dgm:pt>
     <dgm:pt modelId="{F36070F9-1EAA-4422-BD2E-956CE7DADEE5}">
-      <dgm:prSet phldrT="[Text]"/>
+      <dgm:prSet phldrT="[Text]" custT="1"/>
       <dgm:spPr>
         <a:solidFill>
           <a:srgbClr val="0099FF"/>
@@ -1058,7 +1061,20 @@
         <a:bodyPr/>
         <a:lstStyle/>
         <a:p>
-          <a:endParaRPr lang="en-GB" dirty="0"/>
+          <a:pPr algn="l"/>
+          <a:r>
+            <a:rPr lang="en-GB" sz="2400" b="1" dirty="0" smtClean="0">
+              <a:solidFill>
+                <a:srgbClr val="422C16"/>
+              </a:solidFill>
+            </a:rPr>
+            <a:t>Admin </a:t>
+          </a:r>
+          <a:endParaRPr lang="en-GB" sz="2400" b="1" dirty="0">
+            <a:solidFill>
+              <a:srgbClr val="422C16"/>
+            </a:solidFill>
+          </a:endParaRPr>
         </a:p>
       </dgm:t>
     </dgm:pt>
@@ -1084,55 +1100,8 @@
         </a:p>
       </dgm:t>
     </dgm:pt>
-    <dgm:pt modelId="{02C2E90F-6D01-4BB5-99C1-FE87B1E1D016}">
-      <dgm:prSet phldrT="[Text]"/>
-      <dgm:spPr>
-        <a:solidFill>
-          <a:srgbClr val="0099FF"/>
-        </a:solidFill>
-      </dgm:spPr>
-      <dgm:t>
-        <a:bodyPr/>
-        <a:lstStyle/>
-        <a:p>
-          <a:r>
-            <a:rPr lang="en-GB" dirty="0" smtClean="0">
-              <a:hlinkClick xmlns:r="http://schemas.openxmlformats.org/officeDocument/2006/relationships" r:id="rId1" action="ppaction://hlinkfile"/>
-            </a:rPr>
-            <a:t>Admin</a:t>
-          </a:r>
-          <a:r>
-            <a:rPr lang="en-GB" dirty="0" smtClean="0"/>
-            <a:t> </a:t>
-          </a:r>
-          <a:endParaRPr lang="en-GB" dirty="0"/>
-        </a:p>
-      </dgm:t>
-    </dgm:pt>
-    <dgm:pt modelId="{4C01C66F-6BD6-48DC-B68F-7E61A975893D}" type="parTrans" cxnId="{0DCB16F4-96B6-4B81-BD15-9AE4E8E02844}">
-      <dgm:prSet/>
-      <dgm:spPr/>
-      <dgm:t>
-        <a:bodyPr/>
-        <a:lstStyle/>
-        <a:p>
-          <a:endParaRPr lang="en-GB"/>
-        </a:p>
-      </dgm:t>
-    </dgm:pt>
-    <dgm:pt modelId="{E916FABC-45E3-4B31-A9F8-6F8261ECEBAF}" type="sibTrans" cxnId="{0DCB16F4-96B6-4B81-BD15-9AE4E8E02844}">
-      <dgm:prSet/>
-      <dgm:spPr/>
-      <dgm:t>
-        <a:bodyPr/>
-        <a:lstStyle/>
-        <a:p>
-          <a:endParaRPr lang="en-GB"/>
-        </a:p>
-      </dgm:t>
-    </dgm:pt>
     <dgm:pt modelId="{EFD7A879-DE0E-4575-A108-8252ECD9E0BA}">
-      <dgm:prSet phldrT="[Text]">
+      <dgm:prSet phldrT="[Text]" custT="1">
         <dgm:style>
           <a:lnRef idx="1">
             <a:schemeClr val="accent2"/>
@@ -1153,7 +1122,20 @@
         <a:bodyPr/>
         <a:lstStyle/>
         <a:p>
-          <a:endParaRPr lang="en-GB" dirty="0"/>
+          <a:pPr algn="l"/>
+          <a:r>
+            <a:rPr lang="en-GB" sz="2400" b="1" dirty="0" smtClean="0">
+              <a:solidFill>
+                <a:srgbClr val="422C16"/>
+              </a:solidFill>
+            </a:rPr>
+            <a:t>Institute</a:t>
+          </a:r>
+          <a:endParaRPr lang="en-GB" sz="2400" b="1" dirty="0">
+            <a:solidFill>
+              <a:srgbClr val="422C16"/>
+            </a:solidFill>
+          </a:endParaRPr>
         </a:p>
       </dgm:t>
     </dgm:pt>
@@ -1169,67 +1151,6 @@
       </dgm:t>
     </dgm:pt>
     <dgm:pt modelId="{D46795D4-F3F9-4271-BEED-75D28AB3A7A7}" type="parTrans" cxnId="{7735B399-E859-4DED-BE5A-058F79AF3AB1}">
-      <dgm:prSet/>
-      <dgm:spPr/>
-      <dgm:t>
-        <a:bodyPr/>
-        <a:lstStyle/>
-        <a:p>
-          <a:endParaRPr lang="en-GB"/>
-        </a:p>
-      </dgm:t>
-    </dgm:pt>
-    <dgm:pt modelId="{9192FE55-B325-46FE-8937-138295F24FD2}">
-      <dgm:prSet phldrT="[Text]">
-        <dgm:style>
-          <a:lnRef idx="1">
-            <a:schemeClr val="accent2"/>
-          </a:lnRef>
-          <a:fillRef idx="2">
-            <a:schemeClr val="accent2"/>
-          </a:fillRef>
-          <a:effectRef idx="1">
-            <a:schemeClr val="accent2"/>
-          </a:effectRef>
-          <a:fontRef idx="minor">
-            <a:schemeClr val="dk1"/>
-          </a:fontRef>
-        </dgm:style>
-      </dgm:prSet>
-      <dgm:spPr/>
-      <dgm:t>
-        <a:bodyPr/>
-        <a:lstStyle/>
-        <a:p>
-          <a:r>
-            <a:rPr lang="en-GB" dirty="0" smtClean="0">
-              <a:solidFill>
-                <a:schemeClr val="bg1"/>
-              </a:solidFill>
-              <a:hlinkClick xmlns:r="http://schemas.openxmlformats.org/officeDocument/2006/relationships" r:id="rId2" action="ppaction://hlinkfile"/>
-            </a:rPr>
-            <a:t>Institute</a:t>
-          </a:r>
-          <a:endParaRPr lang="en-GB" dirty="0">
-            <a:solidFill>
-              <a:schemeClr val="bg1"/>
-            </a:solidFill>
-          </a:endParaRPr>
-        </a:p>
-      </dgm:t>
-    </dgm:pt>
-    <dgm:pt modelId="{8A9691A2-16BC-4072-88DF-06B61FB3981B}" type="sibTrans" cxnId="{7668EB88-FB0F-475B-85E5-EC5A6AA83502}">
-      <dgm:prSet/>
-      <dgm:spPr/>
-      <dgm:t>
-        <a:bodyPr/>
-        <a:lstStyle/>
-        <a:p>
-          <a:endParaRPr lang="en-GB"/>
-        </a:p>
-      </dgm:t>
-    </dgm:pt>
-    <dgm:pt modelId="{33E4F3A2-DE1A-4A1E-9BBF-6829F332D923}" type="parTrans" cxnId="{7668EB88-FB0F-475B-85E5-EC5A6AA83502}">
       <dgm:prSet/>
       <dgm:spPr/>
       <dgm:t>
@@ -1274,20 +1195,16 @@
             <a:t>   </a:t>
           </a:r>
           <a:r>
-            <a:rPr lang="en-GB" sz="1800" b="1" dirty="0" smtClean="0">
+            <a:rPr lang="en-GB" sz="2400" b="1" dirty="0" smtClean="0">
               <a:solidFill>
-                <a:schemeClr val="accent6">
-                  <a:lumMod val="75000"/>
-                </a:schemeClr>
+                <a:srgbClr val="422C16"/>
               </a:solidFill>
             </a:rPr>
             <a:t>Students</a:t>
           </a:r>
-          <a:endParaRPr lang="en-GB" sz="1800" b="1" dirty="0">
+          <a:endParaRPr lang="en-GB" sz="2400" b="1" dirty="0">
             <a:solidFill>
-              <a:schemeClr val="accent6">
-                <a:lumMod val="75000"/>
-              </a:schemeClr>
+              <a:srgbClr val="422C16"/>
             </a:solidFill>
           </a:endParaRPr>
         </a:p>
@@ -1346,7 +1263,7 @@
       <dgm:prSet presAssocID="{F36070F9-1EAA-4422-BD2E-956CE7DADEE5}" presName="imgShp" presStyleLbl="fgImgPlace1" presStyleIdx="0" presStyleCnt="3" custScaleX="85535" custScaleY="85640"/>
       <dgm:spPr>
         <a:blipFill rotWithShape="0">
-          <a:blip xmlns:r="http://schemas.openxmlformats.org/officeDocument/2006/relationships" r:embed="rId3"/>
+          <a:blip xmlns:r="http://schemas.openxmlformats.org/officeDocument/2006/relationships" r:embed="rId1"/>
           <a:stretch>
             <a:fillRect/>
           </a:stretch>
@@ -1401,7 +1318,7 @@
       <dgm:prSet presAssocID="{EFD7A879-DE0E-4575-A108-8252ECD9E0BA}" presName="imgShp" presStyleLbl="fgImgPlace1" presStyleIdx="1" presStyleCnt="3" custLinFactNeighborX="-1509" custLinFactNeighborY="-15086"/>
       <dgm:spPr>
         <a:blipFill rotWithShape="0">
-          <a:blip xmlns:r="http://schemas.openxmlformats.org/officeDocument/2006/relationships" r:embed="rId4"/>
+          <a:blip xmlns:r="http://schemas.openxmlformats.org/officeDocument/2006/relationships" r:embed="rId2"/>
           <a:stretch>
             <a:fillRect/>
           </a:stretch>
@@ -1442,7 +1359,7 @@
       <dgm:prSet presAssocID="{BF398D5A-9A4F-46FB-A5E4-C9C2716F8811}" presName="imgShp" presStyleLbl="fgImgPlace1" presStyleIdx="2" presStyleCnt="3"/>
       <dgm:spPr>
         <a:blipFill rotWithShape="0">
-          <a:blip xmlns:r="http://schemas.openxmlformats.org/officeDocument/2006/relationships" r:embed="rId5"/>
+          <a:blip xmlns:r="http://schemas.openxmlformats.org/officeDocument/2006/relationships" r:embed="rId3"/>
           <a:stretch>
             <a:fillRect/>
           </a:stretch>
@@ -1473,15 +1390,11 @@
     </dgm:pt>
   </dgm:ptLst>
   <dgm:cxnLst>
-    <dgm:cxn modelId="{0DCB16F4-96B6-4B81-BD15-9AE4E8E02844}" srcId="{F36070F9-1EAA-4422-BD2E-956CE7DADEE5}" destId="{02C2E90F-6D01-4BB5-99C1-FE87B1E1D016}" srcOrd="0" destOrd="0" parTransId="{4C01C66F-6BD6-48DC-B68F-7E61A975893D}" sibTransId="{E916FABC-45E3-4B31-A9F8-6F8261ECEBAF}"/>
     <dgm:cxn modelId="{FD6EEBC5-37D4-42A7-801D-F617450BDB9A}" srcId="{A5D7A8E2-4B30-49FC-AA42-C46D580CF19C}" destId="{BF398D5A-9A4F-46FB-A5E4-C9C2716F8811}" srcOrd="2" destOrd="0" parTransId="{20A59F62-8352-479B-A675-0D8722EF53E3}" sibTransId="{86E6F147-33B3-425F-9F18-491EE2F1264E}"/>
     <dgm:cxn modelId="{D85ECE1B-1A1B-44F7-A905-DBCC7CF517CF}" type="presOf" srcId="{EFD7A879-DE0E-4575-A108-8252ECD9E0BA}" destId="{1E36D4BA-AB27-447F-A625-C256C7876169}" srcOrd="0" destOrd="0" presId="urn:microsoft.com/office/officeart/2005/8/layout/vList3"/>
+    <dgm:cxn modelId="{3827DC56-27BC-4AA1-B3B5-F314A9F079D8}" type="presOf" srcId="{F36070F9-1EAA-4422-BD2E-956CE7DADEE5}" destId="{11FCE99F-4718-493B-99A8-D7FAA2C69AD5}" srcOrd="0" destOrd="0" presId="urn:microsoft.com/office/officeart/2005/8/layout/vList3"/>
     <dgm:cxn modelId="{7735B399-E859-4DED-BE5A-058F79AF3AB1}" srcId="{A5D7A8E2-4B30-49FC-AA42-C46D580CF19C}" destId="{EFD7A879-DE0E-4575-A108-8252ECD9E0BA}" srcOrd="1" destOrd="0" parTransId="{D46795D4-F3F9-4271-BEED-75D28AB3A7A7}" sibTransId="{78D23337-FA75-43CB-8CD4-154FB3C326BE}"/>
-    <dgm:cxn modelId="{3827DC56-27BC-4AA1-B3B5-F314A9F079D8}" type="presOf" srcId="{F36070F9-1EAA-4422-BD2E-956CE7DADEE5}" destId="{11FCE99F-4718-493B-99A8-D7FAA2C69AD5}" srcOrd="0" destOrd="0" presId="urn:microsoft.com/office/officeart/2005/8/layout/vList3"/>
     <dgm:cxn modelId="{6389065B-DC6E-41C0-8D08-C9CFA186C0E1}" type="presOf" srcId="{A5D7A8E2-4B30-49FC-AA42-C46D580CF19C}" destId="{DCFAE8F1-2EB8-4068-8404-722AA8F9A8EB}" srcOrd="0" destOrd="0" presId="urn:microsoft.com/office/officeart/2005/8/layout/vList3"/>
-    <dgm:cxn modelId="{4B9589D8-70D8-49DF-82D1-23F2BC97208F}" type="presOf" srcId="{02C2E90F-6D01-4BB5-99C1-FE87B1E1D016}" destId="{11FCE99F-4718-493B-99A8-D7FAA2C69AD5}" srcOrd="0" destOrd="1" presId="urn:microsoft.com/office/officeart/2005/8/layout/vList3"/>
-    <dgm:cxn modelId="{48B648DA-DDC5-406D-8120-5E1E91C46CAC}" type="presOf" srcId="{9192FE55-B325-46FE-8937-138295F24FD2}" destId="{1E36D4BA-AB27-447F-A625-C256C7876169}" srcOrd="0" destOrd="1" presId="urn:microsoft.com/office/officeart/2005/8/layout/vList3"/>
-    <dgm:cxn modelId="{7668EB88-FB0F-475B-85E5-EC5A6AA83502}" srcId="{EFD7A879-DE0E-4575-A108-8252ECD9E0BA}" destId="{9192FE55-B325-46FE-8937-138295F24FD2}" srcOrd="0" destOrd="0" parTransId="{33E4F3A2-DE1A-4A1E-9BBF-6829F332D923}" sibTransId="{8A9691A2-16BC-4072-88DF-06B61FB3981B}"/>
     <dgm:cxn modelId="{46363341-8903-4A86-8EA8-EC4166A41BAF}" type="presOf" srcId="{BF398D5A-9A4F-46FB-A5E4-C9C2716F8811}" destId="{18349B9D-0482-472A-A58D-1CF293B79EDB}" srcOrd="0" destOrd="0" presId="urn:microsoft.com/office/officeart/2005/8/layout/vList3"/>
     <dgm:cxn modelId="{B91B0791-4138-4AA6-B1E7-0E7FF5A60D4E}" srcId="{A5D7A8E2-4B30-49FC-AA42-C46D580CF19C}" destId="{F36070F9-1EAA-4422-BD2E-956CE7DADEE5}" srcOrd="0" destOrd="0" parTransId="{9AE6A1E7-F72C-45DA-84EB-EFDC236D5D49}" sibTransId="{A3204D85-43A6-4E45-9A31-7F60B074D2E4}"/>
     <dgm:cxn modelId="{646F4AAC-1C6A-4249-924C-735925E13B2F}" type="presParOf" srcId="{DCFAE8F1-2EB8-4068-8404-722AA8F9A8EB}" destId="{40D5BE45-3B9D-493E-A420-CCBD0CF66C09}" srcOrd="0" destOrd="0" presId="urn:microsoft.com/office/officeart/2005/8/layout/vList3"/>
@@ -1502,7 +1415,7 @@
   <dgm:whole/>
   <dgm:extLst>
     <a:ext uri="http://schemas.microsoft.com/office/drawing/2008/diagram">
-      <dsp:dataModelExt xmlns:dsp="http://schemas.microsoft.com/office/drawing/2008/diagram" xmlns="" relId="rId7" minVer="http://schemas.openxmlformats.org/drawingml/2006/diagram"/>
+      <dsp:dataModelExt xmlns="" xmlns:dsp="http://schemas.microsoft.com/office/drawing/2008/diagram" relId="rId7" minVer="http://schemas.openxmlformats.org/drawingml/2006/diagram"/>
     </a:ext>
   </dgm:extLst>
 </dgm:dataModel>
@@ -2806,7 +2719,7 @@
               <a:pPr>
                 <a:defRPr/>
               </a:pPr>
-              <a:t>3/23/2019</a:t>
+              <a:t>3/25/2019</a:t>
             </a:fld>
             <a:endParaRPr lang="en-US"/>
           </a:p>
@@ -6806,20 +6719,6 @@
               </a:rPr>
               <a:t> of “Result Analysis”</a:t>
             </a:r>
-            <a:endParaRPr lang="en-US" sz="4400" b="1" i="1" spc="50" dirty="0" smtClean="0">
-              <a:ln w="11430"/>
-              <a:solidFill>
-                <a:srgbClr val="00B0F0"/>
-              </a:solidFill>
-              <a:effectLst>
-                <a:outerShdw blurRad="76200" dist="50800" dir="5400000" algn="tl" rotWithShape="0">
-                  <a:srgbClr val="000000">
-                    <a:alpha val="65000"/>
-                  </a:srgbClr>
-                </a:outerShdw>
-              </a:effectLst>
-              <a:hlinkClick r:id="rId2" action="ppaction://hlinkfile"/>
-            </a:endParaRPr>
           </a:p>
           <a:p>
             <a:pPr algn="ctr"/>
@@ -6865,7 +6764,7 @@
         <p:spPr>
           <a:xfrm>
             <a:off x="152400" y="1981200"/>
-            <a:ext cx="3470822" cy="400110"/>
+            <a:ext cx="1266693" cy="400110"/>
           </a:xfrm>
           <a:prstGeom prst="rect">
             <a:avLst/>
@@ -6914,81 +6813,7 @@
                   </a:innerShdw>
                 </a:effectLst>
               </a:rPr>
-              <a:t>(</a:t>
-            </a:r>
-            <a:r>
-              <a:rPr lang="en-US" sz="2000" b="1" dirty="0" smtClean="0">
-                <a:ln w="1905"/>
-                <a:gradFill>
-                  <a:gsLst>
-                    <a:gs pos="0">
-                      <a:schemeClr val="accent6">
-                        <a:shade val="20000"/>
-                        <a:satMod val="200000"/>
-                      </a:schemeClr>
-                    </a:gs>
-                    <a:gs pos="78000">
-                      <a:schemeClr val="accent6">
-                        <a:tint val="90000"/>
-                        <a:shade val="89000"/>
-                        <a:satMod val="220000"/>
-                      </a:schemeClr>
-                    </a:gs>
-                    <a:gs pos="100000">
-                      <a:schemeClr val="accent6">
-                        <a:tint val="12000"/>
-                        <a:satMod val="255000"/>
-                      </a:schemeClr>
-                    </a:gs>
-                  </a:gsLst>
-                  <a:lin ang="5400000"/>
-                </a:gradFill>
-                <a:effectLst>
-                  <a:innerShdw blurRad="69850" dist="43180" dir="5400000">
-                    <a:srgbClr val="000000">
-                      <a:alpha val="65000"/>
-                    </a:srgbClr>
-                  </a:innerShdw>
-                </a:effectLst>
-              </a:rPr>
-              <a:t>2</a:t>
-            </a:r>
-            <a:r>
-              <a:rPr lang="en-US" sz="2000" b="1" dirty="0" smtClean="0">
-                <a:ln w="1905"/>
-                <a:gradFill>
-                  <a:gsLst>
-                    <a:gs pos="0">
-                      <a:schemeClr val="accent6">
-                        <a:shade val="20000"/>
-                        <a:satMod val="200000"/>
-                      </a:schemeClr>
-                    </a:gs>
-                    <a:gs pos="78000">
-                      <a:schemeClr val="accent6">
-                        <a:tint val="90000"/>
-                        <a:shade val="89000"/>
-                        <a:satMod val="220000"/>
-                      </a:schemeClr>
-                    </a:gs>
-                    <a:gs pos="100000">
-                      <a:schemeClr val="accent6">
-                        <a:tint val="12000"/>
-                        <a:satMod val="255000"/>
-                      </a:schemeClr>
-                    </a:gs>
-                  </a:gsLst>
-                  <a:lin ang="5400000"/>
-                </a:gradFill>
-                <a:effectLst>
-                  <a:innerShdw blurRad="69850" dist="43180" dir="5400000">
-                    <a:srgbClr val="000000">
-                      <a:alpha val="65000"/>
-                    </a:srgbClr>
-                  </a:innerShdw>
-                </a:effectLst>
-              </a:rPr>
-              <a:t>) GTU wise result search.</a:t>
+              <a:t>(1) Login</a:t>
             </a:r>
             <a:endParaRPr lang="en-US" sz="2000" b="0" cap="none" spc="0" dirty="0">
               <a:ln w="18415" cmpd="sng">
@@ -7013,7 +6838,7 @@
       </p:sp>
       <p:pic>
         <p:nvPicPr>
-          <p:cNvPr id="3075" name="Picture 3" descr="C:\Users\LENOVO\Desktop\Resultanalysis Screenshot'\Gtu wisr.JPG"/>
+          <p:cNvPr id="2050" name="Picture 2" descr="C:\Users\LENOVO\Desktop\Resultanalysis Screenshot'\Login.JPG"/>
           <p:cNvPicPr>
             <a:picLocks noChangeAspect="1" noChangeArrowheads="1"/>
           </p:cNvPicPr>
@@ -7028,13 +6853,22 @@
         </p:blipFill>
         <p:spPr bwMode="auto">
           <a:xfrm>
-            <a:off x="330857" y="2590800"/>
-            <a:ext cx="8279743" cy="3733800"/>
+            <a:off x="304800" y="2590800"/>
+            <a:ext cx="8457907" cy="3429000"/>
           </a:xfrm>
           <a:prstGeom prst="rect">
             <a:avLst/>
           </a:prstGeom>
-          <a:noFill/>
+          <a:ln>
+            <a:noFill/>
+          </a:ln>
+          <a:effectLst>
+            <a:outerShdw blurRad="292100" dist="139700" dir="2700000" algn="tl" rotWithShape="0">
+              <a:srgbClr val="333333">
+                <a:alpha val="65000"/>
+              </a:srgbClr>
+            </a:outerShdw>
+          </a:effectLst>
         </p:spPr>
       </p:pic>
     </p:spTree>
@@ -7143,20 +6977,6 @@
               </a:rPr>
               <a:t> of “Result Analysis”</a:t>
             </a:r>
-            <a:endParaRPr lang="en-US" sz="4400" b="1" i="1" spc="50" dirty="0" smtClean="0">
-              <a:ln w="11430"/>
-              <a:solidFill>
-                <a:srgbClr val="00B0F0"/>
-              </a:solidFill>
-              <a:effectLst>
-                <a:outerShdw blurRad="76200" dist="50800" dir="5400000" algn="tl" rotWithShape="0">
-                  <a:srgbClr val="000000">
-                    <a:alpha val="65000"/>
-                  </a:srgbClr>
-                </a:outerShdw>
-              </a:effectLst>
-              <a:hlinkClick r:id="rId2" action="ppaction://hlinkfile"/>
-            </a:endParaRPr>
           </a:p>
           <a:p>
             <a:pPr algn="ctr"/>
@@ -7202,7 +7022,7 @@
         <p:spPr>
           <a:xfrm>
             <a:off x="152400" y="1981200"/>
-            <a:ext cx="3924472" cy="400110"/>
+            <a:ext cx="3470822" cy="400110"/>
           </a:xfrm>
           <a:prstGeom prst="rect">
             <a:avLst/>
@@ -7251,7 +7071,7 @@
                   </a:innerShdw>
                 </a:effectLst>
               </a:rPr>
-              <a:t>(3) Institute wise result search.</a:t>
+              <a:t>(2) GTU wise result search.</a:t>
             </a:r>
             <a:endParaRPr lang="en-US" sz="2000" b="0" cap="none" spc="0" dirty="0">
               <a:ln w="18415" cmpd="sng">
@@ -7276,7 +7096,7 @@
       </p:sp>
       <p:pic>
         <p:nvPicPr>
-          <p:cNvPr id="4098" name="Picture 2" descr="C:\Users\LENOVO\Desktop\Resultanalysis Screenshot'\Institute wise.JPG"/>
+          <p:cNvPr id="3075" name="Picture 3" descr="C:\Users\LENOVO\Desktop\Resultanalysis Screenshot'\Gtu wisr.JPG"/>
           <p:cNvPicPr>
             <a:picLocks noChangeAspect="1" noChangeArrowheads="1"/>
           </p:cNvPicPr>
@@ -7291,8 +7111,8 @@
         </p:blipFill>
         <p:spPr bwMode="auto">
           <a:xfrm>
-            <a:off x="304801" y="2514600"/>
-            <a:ext cx="8534400" cy="3810000"/>
+            <a:off x="330857" y="2590800"/>
+            <a:ext cx="8279743" cy="3733800"/>
           </a:xfrm>
           <a:prstGeom prst="rect">
             <a:avLst/>
@@ -7406,20 +7226,6 @@
               </a:rPr>
               <a:t> of “Result Analysis”</a:t>
             </a:r>
-            <a:endParaRPr lang="en-US" sz="4400" b="1" i="1" spc="50" dirty="0" smtClean="0">
-              <a:ln w="11430"/>
-              <a:solidFill>
-                <a:srgbClr val="00B0F0"/>
-              </a:solidFill>
-              <a:effectLst>
-                <a:outerShdw blurRad="76200" dist="50800" dir="5400000" algn="tl" rotWithShape="0">
-                  <a:srgbClr val="000000">
-                    <a:alpha val="65000"/>
-                  </a:srgbClr>
-                </a:outerShdw>
-              </a:effectLst>
-              <a:hlinkClick r:id="rId2" action="ppaction://hlinkfile"/>
-            </a:endParaRPr>
           </a:p>
           <a:p>
             <a:pPr algn="ctr"/>
@@ -7465,7 +7271,7 @@
         <p:spPr>
           <a:xfrm>
             <a:off x="152400" y="1981200"/>
-            <a:ext cx="3643946" cy="400110"/>
+            <a:ext cx="3924472" cy="400110"/>
           </a:xfrm>
           <a:prstGeom prst="rect">
             <a:avLst/>
@@ -7514,7 +7320,7 @@
                   </a:innerShdw>
                 </a:effectLst>
               </a:rPr>
-              <a:t>(4) Manage Students details.</a:t>
+              <a:t>(3) Institute wise result search.</a:t>
             </a:r>
             <a:endParaRPr lang="en-US" sz="2000" b="0" cap="none" spc="0" dirty="0">
               <a:ln w="18415" cmpd="sng">
@@ -7539,7 +7345,7 @@
       </p:sp>
       <p:pic>
         <p:nvPicPr>
-          <p:cNvPr id="5122" name="Picture 2" descr="C:\Users\LENOVO\Desktop\Resultanalysis Screenshot'\ManageStudent dtails.JPG"/>
+          <p:cNvPr id="4098" name="Picture 2" descr="C:\Users\LENOVO\Desktop\Resultanalysis Screenshot'\Institute wise.JPG"/>
           <p:cNvPicPr>
             <a:picLocks noChangeAspect="1" noChangeArrowheads="1"/>
           </p:cNvPicPr>
@@ -7554,8 +7360,8 @@
         </p:blipFill>
         <p:spPr bwMode="auto">
           <a:xfrm>
-            <a:off x="228600" y="2486025"/>
-            <a:ext cx="8534400" cy="3838575"/>
+            <a:off x="304801" y="2514600"/>
+            <a:ext cx="8534400" cy="3810000"/>
           </a:xfrm>
           <a:prstGeom prst="rect">
             <a:avLst/>
@@ -7669,20 +7475,6 @@
               </a:rPr>
               <a:t> of “Result Analysis”</a:t>
             </a:r>
-            <a:endParaRPr lang="en-US" sz="4400" b="1" i="1" spc="50" dirty="0" smtClean="0">
-              <a:ln w="11430"/>
-              <a:solidFill>
-                <a:srgbClr val="00B0F0"/>
-              </a:solidFill>
-              <a:effectLst>
-                <a:outerShdw blurRad="76200" dist="50800" dir="5400000" algn="tl" rotWithShape="0">
-                  <a:srgbClr val="000000">
-                    <a:alpha val="65000"/>
-                  </a:srgbClr>
-                </a:outerShdw>
-              </a:effectLst>
-              <a:hlinkClick r:id="rId2" action="ppaction://hlinkfile"/>
-            </a:endParaRPr>
           </a:p>
           <a:p>
             <a:pPr algn="ctr"/>
@@ -7728,7 +7520,7 @@
         <p:spPr>
           <a:xfrm>
             <a:off x="152400" y="1981200"/>
-            <a:ext cx="3558988" cy="400110"/>
+            <a:ext cx="3643946" cy="400110"/>
           </a:xfrm>
           <a:prstGeom prst="rect">
             <a:avLst/>
@@ -7777,7 +7569,7 @@
                   </a:innerShdw>
                 </a:effectLst>
               </a:rPr>
-              <a:t>(5) Update Students details.</a:t>
+              <a:t>(4) Manage Students details.</a:t>
             </a:r>
             <a:endParaRPr lang="en-US" sz="2000" b="0" cap="none" spc="0" dirty="0">
               <a:ln w="18415" cmpd="sng">
@@ -7802,7 +7594,7 @@
       </p:sp>
       <p:pic>
         <p:nvPicPr>
-          <p:cNvPr id="6146" name="Picture 2" descr="C:\Users\LENOVO\Desktop\Resultanalysis Screenshot'\Edit student detail.JPG"/>
+          <p:cNvPr id="5122" name="Picture 2" descr="C:\Users\LENOVO\Desktop\Resultanalysis Screenshot'\ManageStudent dtails.JPG"/>
           <p:cNvPicPr>
             <a:picLocks noChangeAspect="1" noChangeArrowheads="1"/>
           </p:cNvPicPr>
@@ -7817,8 +7609,8 @@
         </p:blipFill>
         <p:spPr bwMode="auto">
           <a:xfrm>
-            <a:off x="304800" y="2590800"/>
-            <a:ext cx="8305800" cy="3644900"/>
+            <a:off x="228600" y="2486025"/>
+            <a:ext cx="8534400" cy="3838575"/>
           </a:xfrm>
           <a:prstGeom prst="rect">
             <a:avLst/>
@@ -7932,20 +7724,6 @@
               </a:rPr>
               <a:t> of “Result Analysis”</a:t>
             </a:r>
-            <a:endParaRPr lang="en-US" sz="4400" b="1" i="1" spc="50" dirty="0" smtClean="0">
-              <a:ln w="11430"/>
-              <a:solidFill>
-                <a:srgbClr val="00B0F0"/>
-              </a:solidFill>
-              <a:effectLst>
-                <a:outerShdw blurRad="76200" dist="50800" dir="5400000" algn="tl" rotWithShape="0">
-                  <a:srgbClr val="000000">
-                    <a:alpha val="65000"/>
-                  </a:srgbClr>
-                </a:outerShdw>
-              </a:effectLst>
-              <a:hlinkClick r:id="rId2" action="ppaction://hlinkfile"/>
-            </a:endParaRPr>
           </a:p>
           <a:p>
             <a:pPr algn="ctr"/>
@@ -7991,7 +7769,7 @@
         <p:spPr>
           <a:xfrm>
             <a:off x="152400" y="1981200"/>
-            <a:ext cx="2518639" cy="400110"/>
+            <a:ext cx="3558988" cy="400110"/>
           </a:xfrm>
           <a:prstGeom prst="rect">
             <a:avLst/>
@@ -8040,7 +7818,7 @@
                   </a:innerShdw>
                 </a:effectLst>
               </a:rPr>
-              <a:t>(5) Backlog details.</a:t>
+              <a:t>(5) Update Students details.</a:t>
             </a:r>
             <a:endParaRPr lang="en-US" sz="2000" b="0" cap="none" spc="0" dirty="0">
               <a:ln w="18415" cmpd="sng">
@@ -8065,7 +7843,7 @@
       </p:sp>
       <p:pic>
         <p:nvPicPr>
-          <p:cNvPr id="7171" name="Picture 3" descr="C:\Users\LENOVO\Desktop\Resultanalysis Screenshot'\Backlog detail.JPG"/>
+          <p:cNvPr id="6146" name="Picture 2" descr="C:\Users\LENOVO\Desktop\Resultanalysis Screenshot'\Edit student detail.JPG"/>
           <p:cNvPicPr>
             <a:picLocks noChangeAspect="1" noChangeArrowheads="1"/>
           </p:cNvPicPr>
@@ -8080,8 +7858,8 @@
         </p:blipFill>
         <p:spPr bwMode="auto">
           <a:xfrm>
-            <a:off x="304800" y="2667000"/>
-            <a:ext cx="8534400" cy="3587750"/>
+            <a:off x="304800" y="2590800"/>
+            <a:ext cx="8305800" cy="3644900"/>
           </a:xfrm>
           <a:prstGeom prst="rect">
             <a:avLst/>
@@ -8195,20 +7973,6 @@
               </a:rPr>
               <a:t> of “Result Analysis”</a:t>
             </a:r>
-            <a:endParaRPr lang="en-US" sz="4400" b="1" i="1" spc="50" dirty="0" smtClean="0">
-              <a:ln w="11430"/>
-              <a:solidFill>
-                <a:srgbClr val="00B0F0"/>
-              </a:solidFill>
-              <a:effectLst>
-                <a:outerShdw blurRad="76200" dist="50800" dir="5400000" algn="tl" rotWithShape="0">
-                  <a:srgbClr val="000000">
-                    <a:alpha val="65000"/>
-                  </a:srgbClr>
-                </a:outerShdw>
-              </a:effectLst>
-              <a:hlinkClick r:id="rId2" action="ppaction://hlinkfile"/>
-            </a:endParaRPr>
           </a:p>
           <a:p>
             <a:pPr algn="ctr"/>
@@ -8254,7 +8018,7 @@
         <p:spPr>
           <a:xfrm>
             <a:off x="152400" y="1981200"/>
-            <a:ext cx="2260555" cy="400110"/>
+            <a:ext cx="2518639" cy="400110"/>
           </a:xfrm>
           <a:prstGeom prst="rect">
             <a:avLst/>
@@ -8303,81 +8067,7 @@
                   </a:innerShdw>
                 </a:effectLst>
               </a:rPr>
-              <a:t>(</a:t>
-            </a:r>
-            <a:r>
-              <a:rPr lang="en-US" sz="2000" b="1" dirty="0" smtClean="0">
-                <a:ln w="1905"/>
-                <a:gradFill>
-                  <a:gsLst>
-                    <a:gs pos="0">
-                      <a:schemeClr val="accent6">
-                        <a:shade val="20000"/>
-                        <a:satMod val="200000"/>
-                      </a:schemeClr>
-                    </a:gs>
-                    <a:gs pos="78000">
-                      <a:schemeClr val="accent6">
-                        <a:tint val="90000"/>
-                        <a:shade val="89000"/>
-                        <a:satMod val="220000"/>
-                      </a:schemeClr>
-                    </a:gs>
-                    <a:gs pos="100000">
-                      <a:schemeClr val="accent6">
-                        <a:tint val="12000"/>
-                        <a:satMod val="255000"/>
-                      </a:schemeClr>
-                    </a:gs>
-                  </a:gsLst>
-                  <a:lin ang="5400000"/>
-                </a:gradFill>
-                <a:effectLst>
-                  <a:innerShdw blurRad="69850" dist="43180" dir="5400000">
-                    <a:srgbClr val="000000">
-                      <a:alpha val="65000"/>
-                    </a:srgbClr>
-                  </a:innerShdw>
-                </a:effectLst>
-              </a:rPr>
-              <a:t>6</a:t>
-            </a:r>
-            <a:r>
-              <a:rPr lang="en-US" sz="2000" b="1" dirty="0" smtClean="0">
-                <a:ln w="1905"/>
-                <a:gradFill>
-                  <a:gsLst>
-                    <a:gs pos="0">
-                      <a:schemeClr val="accent6">
-                        <a:shade val="20000"/>
-                        <a:satMod val="200000"/>
-                      </a:schemeClr>
-                    </a:gs>
-                    <a:gs pos="78000">
-                      <a:schemeClr val="accent6">
-                        <a:tint val="90000"/>
-                        <a:shade val="89000"/>
-                        <a:satMod val="220000"/>
-                      </a:schemeClr>
-                    </a:gs>
-                    <a:gs pos="100000">
-                      <a:schemeClr val="accent6">
-                        <a:tint val="12000"/>
-                        <a:satMod val="255000"/>
-                      </a:schemeClr>
-                    </a:gs>
-                  </a:gsLst>
-                  <a:lin ang="5400000"/>
-                </a:gradFill>
-                <a:effectLst>
-                  <a:innerShdw blurRad="69850" dist="43180" dir="5400000">
-                    <a:srgbClr val="000000">
-                      <a:alpha val="65000"/>
-                    </a:srgbClr>
-                  </a:innerShdw>
-                </a:effectLst>
-              </a:rPr>
-              <a:t>) Marks details.</a:t>
+              <a:t>(5) Backlog details.</a:t>
             </a:r>
             <a:endParaRPr lang="en-US" sz="2000" b="0" cap="none" spc="0" dirty="0">
               <a:ln w="18415" cmpd="sng">
@@ -8402,7 +8092,7 @@
       </p:sp>
       <p:pic>
         <p:nvPicPr>
-          <p:cNvPr id="8194" name="Picture 2" descr="C:\Users\LENOVO\Desktop\Resultanalysis Screenshot'\result.JPG"/>
+          <p:cNvPr id="7171" name="Picture 3" descr="C:\Users\LENOVO\Desktop\Resultanalysis Screenshot'\Backlog detail.JPG"/>
           <p:cNvPicPr>
             <a:picLocks noChangeAspect="1" noChangeArrowheads="1"/>
           </p:cNvPicPr>
@@ -8417,8 +8107,8 @@
         </p:blipFill>
         <p:spPr bwMode="auto">
           <a:xfrm>
-            <a:off x="304800" y="2419350"/>
-            <a:ext cx="8382000" cy="3981450"/>
+            <a:off x="304800" y="2667000"/>
+            <a:ext cx="8534400" cy="3587750"/>
           </a:xfrm>
           <a:prstGeom prst="rect">
             <a:avLst/>
@@ -8532,20 +8222,6 @@
               </a:rPr>
               <a:t> of “Result Analysis”</a:t>
             </a:r>
-            <a:endParaRPr lang="en-US" sz="4400" b="1" i="1" spc="50" dirty="0" smtClean="0">
-              <a:ln w="11430"/>
-              <a:solidFill>
-                <a:srgbClr val="00B0F0"/>
-              </a:solidFill>
-              <a:effectLst>
-                <a:outerShdw blurRad="76200" dist="50800" dir="5400000" algn="tl" rotWithShape="0">
-                  <a:srgbClr val="000000">
-                    <a:alpha val="65000"/>
-                  </a:srgbClr>
-                </a:outerShdw>
-              </a:effectLst>
-              <a:hlinkClick r:id="rId2" action="ppaction://hlinkfile"/>
-            </a:endParaRPr>
           </a:p>
           <a:p>
             <a:pPr algn="ctr"/>
@@ -8591,7 +8267,7 @@
         <p:spPr>
           <a:xfrm>
             <a:off x="152400" y="1981200"/>
-            <a:ext cx="2448107" cy="400110"/>
+            <a:ext cx="2260555" cy="400110"/>
           </a:xfrm>
           <a:prstGeom prst="rect">
             <a:avLst/>
@@ -8640,81 +8316,7 @@
                   </a:innerShdw>
                 </a:effectLst>
               </a:rPr>
-              <a:t>(7</a:t>
-            </a:r>
-            <a:r>
-              <a:rPr lang="en-US" sz="2000" b="1" smtClean="0">
-                <a:ln w="1905"/>
-                <a:gradFill>
-                  <a:gsLst>
-                    <a:gs pos="0">
-                      <a:schemeClr val="accent6">
-                        <a:shade val="20000"/>
-                        <a:satMod val="200000"/>
-                      </a:schemeClr>
-                    </a:gs>
-                    <a:gs pos="78000">
-                      <a:schemeClr val="accent6">
-                        <a:tint val="90000"/>
-                        <a:shade val="89000"/>
-                        <a:satMod val="220000"/>
-                      </a:schemeClr>
-                    </a:gs>
-                    <a:gs pos="100000">
-                      <a:schemeClr val="accent6">
-                        <a:tint val="12000"/>
-                        <a:satMod val="255000"/>
-                      </a:schemeClr>
-                    </a:gs>
-                  </a:gsLst>
-                  <a:lin ang="5400000"/>
-                </a:gradFill>
-                <a:effectLst>
-                  <a:innerShdw blurRad="69850" dist="43180" dir="5400000">
-                    <a:srgbClr val="000000">
-                      <a:alpha val="65000"/>
-                    </a:srgbClr>
-                  </a:innerShdw>
-                </a:effectLst>
-              </a:rPr>
-              <a:t>) Give Feedback</a:t>
-            </a:r>
-            <a:r>
-              <a:rPr lang="en-US" sz="2000" b="1" dirty="0" smtClean="0">
-                <a:ln w="1905"/>
-                <a:gradFill>
-                  <a:gsLst>
-                    <a:gs pos="0">
-                      <a:schemeClr val="accent6">
-                        <a:shade val="20000"/>
-                        <a:satMod val="200000"/>
-                      </a:schemeClr>
-                    </a:gs>
-                    <a:gs pos="78000">
-                      <a:schemeClr val="accent6">
-                        <a:tint val="90000"/>
-                        <a:shade val="89000"/>
-                        <a:satMod val="220000"/>
-                      </a:schemeClr>
-                    </a:gs>
-                    <a:gs pos="100000">
-                      <a:schemeClr val="accent6">
-                        <a:tint val="12000"/>
-                        <a:satMod val="255000"/>
-                      </a:schemeClr>
-                    </a:gs>
-                  </a:gsLst>
-                  <a:lin ang="5400000"/>
-                </a:gradFill>
-                <a:effectLst>
-                  <a:innerShdw blurRad="69850" dist="43180" dir="5400000">
-                    <a:srgbClr val="000000">
-                      <a:alpha val="65000"/>
-                    </a:srgbClr>
-                  </a:innerShdw>
-                </a:effectLst>
-              </a:rPr>
-              <a:t>.</a:t>
+              <a:t>(6) Marks details.</a:t>
             </a:r>
             <a:endParaRPr lang="en-US" sz="2000" b="0" cap="none" spc="0" dirty="0">
               <a:ln w="18415" cmpd="sng">
@@ -8739,7 +8341,7 @@
       </p:sp>
       <p:pic>
         <p:nvPicPr>
-          <p:cNvPr id="9218" name="Picture 2" descr="C:\Users\LENOVO\Desktop\Resultanalysis Screenshot'\facultyfeedback.JPG"/>
+          <p:cNvPr id="8194" name="Picture 2" descr="C:\Users\LENOVO\Desktop\Resultanalysis Screenshot'\result.JPG"/>
           <p:cNvPicPr>
             <a:picLocks noChangeAspect="1" noChangeArrowheads="1"/>
           </p:cNvPicPr>
@@ -8754,8 +8356,8 @@
         </p:blipFill>
         <p:spPr bwMode="auto">
           <a:xfrm>
-            <a:off x="304800" y="2590800"/>
-            <a:ext cx="8305800" cy="3657600"/>
+            <a:off x="304800" y="2419350"/>
+            <a:ext cx="8382000" cy="3981450"/>
           </a:xfrm>
           <a:prstGeom prst="rect">
             <a:avLst/>
@@ -8806,43 +8408,28 @@
         </p:nvSpPr>
         <p:spPr>
           <a:xfrm>
-            <a:off x="580737" y="533400"/>
-            <a:ext cx="8446416" cy="769441"/>
+            <a:off x="0" y="381000"/>
+            <a:ext cx="9144000" cy="1446550"/>
           </a:xfrm>
           <a:prstGeom prst="rect">
             <a:avLst/>
           </a:prstGeom>
+          <a:noFill/>
         </p:spPr>
-        <p:style>
-          <a:lnRef idx="0">
-            <a:schemeClr val="accent6"/>
-          </a:lnRef>
-          <a:fillRef idx="3">
-            <a:schemeClr val="accent6"/>
-          </a:fillRef>
-          <a:effectRef idx="3">
-            <a:schemeClr val="accent6"/>
-          </a:effectRef>
-          <a:fontRef idx="minor">
-            <a:schemeClr val="lt1"/>
-          </a:fontRef>
-        </p:style>
         <p:txBody>
-          <a:bodyPr wrap="none" lIns="91440" tIns="45720" rIns="91440" bIns="45720">
+          <a:bodyPr wrap="square" lIns="91440" tIns="45720" rIns="91440" bIns="45720">
             <a:spAutoFit/>
             <a:scene3d>
-              <a:camera prst="orthographicFront">
+              <a:camera prst="orthographicFront"/>
+              <a:lightRig rig="soft" dir="tl">
                 <a:rot lat="0" lon="0" rev="0"/>
-              </a:camera>
-              <a:lightRig rig="glow" dir="t">
-                <a:rot lat="0" lon="0" rev="3600000"/>
               </a:lightRig>
             </a:scene3d>
-            <a:sp3d prstMaterial="softEdge">
-              <a:bevelT w="29210" h="16510"/>
+            <a:sp3d contourW="25400" prstMaterial="matte">
+              <a:bevelT w="25400" h="55880" prst="artDeco"/>
               <a:contourClr>
-                <a:schemeClr val="accent4">
-                  <a:alpha val="95000"/>
+                <a:schemeClr val="accent2">
+                  <a:tint val="20000"/>
                 </a:schemeClr>
               </a:contourClr>
             </a:sp3d>
@@ -8851,265 +8438,291 @@
           <a:p>
             <a:pPr algn="ctr"/>
             <a:r>
-              <a:rPr lang="en-US" sz="4400" b="1" dirty="0" smtClean="0">
-                <a:ln>
-                  <a:prstDash val="solid"/>
-                </a:ln>
-                <a:gradFill rotWithShape="1">
+              <a:rPr lang="en-US" sz="4400" b="1" i="1" spc="50" dirty="0" err="1" smtClean="0">
+                <a:ln w="11430"/>
+                <a:solidFill>
+                  <a:srgbClr val="00B0F0"/>
+                </a:solidFill>
+                <a:effectLst>
+                  <a:outerShdw blurRad="76200" dist="50800" dir="5400000" algn="tl" rotWithShape="0">
+                    <a:srgbClr val="000000">
+                      <a:alpha val="65000"/>
+                    </a:srgbClr>
+                  </a:outerShdw>
+                </a:effectLst>
+                <a:hlinkClick r:id="rId2" action="ppaction://hlinkfile"/>
+              </a:rPr>
+              <a:t>Glimps</a:t>
+            </a:r>
+            <a:r>
+              <a:rPr lang="en-US" sz="4400" b="1" i="1" spc="50" dirty="0" smtClean="0">
+                <a:ln w="11430"/>
+                <a:solidFill>
+                  <a:srgbClr val="00B0F0"/>
+                </a:solidFill>
+                <a:effectLst>
+                  <a:outerShdw blurRad="76200" dist="50800" dir="5400000" algn="tl" rotWithShape="0">
+                    <a:srgbClr val="000000">
+                      <a:alpha val="65000"/>
+                    </a:srgbClr>
+                  </a:outerShdw>
+                </a:effectLst>
+                <a:hlinkClick r:id="rId2" action="ppaction://hlinkfile"/>
+              </a:rPr>
+              <a:t> of “Result Analysis”</a:t>
+            </a:r>
+          </a:p>
+          <a:p>
+            <a:pPr algn="ctr"/>
+            <a:r>
+              <a:rPr lang="en-US" sz="4400" b="1" i="1" spc="50" dirty="0" smtClean="0">
+                <a:ln w="11430"/>
+                <a:solidFill>
+                  <a:srgbClr val="00B0F0"/>
+                </a:solidFill>
+                <a:effectLst>
+                  <a:outerShdw blurRad="76200" dist="50800" dir="5400000" algn="tl" rotWithShape="0">
+                    <a:srgbClr val="000000">
+                      <a:alpha val="65000"/>
+                    </a:srgbClr>
+                  </a:outerShdw>
+                </a:effectLst>
+                <a:hlinkClick r:id="rId2" action="ppaction://hlinkfile"/>
+              </a:rPr>
+              <a:t> </a:t>
+            </a:r>
+            <a:endParaRPr lang="en-US" sz="4400" b="1" i="1" cap="none" spc="50" dirty="0">
+              <a:ln w="11430"/>
+              <a:solidFill>
+                <a:srgbClr val="00B0F0"/>
+              </a:solidFill>
+              <a:effectLst>
+                <a:outerShdw blurRad="76200" dist="50800" dir="5400000" algn="tl" rotWithShape="0">
+                  <a:srgbClr val="000000">
+                    <a:alpha val="65000"/>
+                  </a:srgbClr>
+                </a:outerShdw>
+              </a:effectLst>
+            </a:endParaRPr>
+          </a:p>
+        </p:txBody>
+      </p:sp>
+      <p:sp>
+        <p:nvSpPr>
+          <p:cNvPr id="3" name="Rectangle 2"/>
+          <p:cNvSpPr/>
+          <p:nvPr/>
+        </p:nvSpPr>
+        <p:spPr>
+          <a:xfrm>
+            <a:off x="152400" y="1981200"/>
+            <a:ext cx="2448107" cy="400110"/>
+          </a:xfrm>
+          <a:prstGeom prst="rect">
+            <a:avLst/>
+          </a:prstGeom>
+          <a:noFill/>
+        </p:spPr>
+        <p:txBody>
+          <a:bodyPr wrap="none" lIns="91440" tIns="45720" rIns="91440" bIns="45720">
+            <a:spAutoFit/>
+          </a:bodyPr>
+          <a:lstStyle/>
+          <a:p>
+            <a:pPr algn="ctr"/>
+            <a:r>
+              <a:rPr lang="en-US" sz="2000" b="1" dirty="0" smtClean="0">
+                <a:ln w="1905"/>
+                <a:gradFill>
                   <a:gsLst>
                     <a:gs pos="0">
-                      <a:schemeClr val="accent4">
-                        <a:tint val="70000"/>
+                      <a:schemeClr val="accent6">
+                        <a:shade val="20000"/>
                         <a:satMod val="200000"/>
                       </a:schemeClr>
                     </a:gs>
-                    <a:gs pos="40000">
-                      <a:schemeClr val="accent4">
+                    <a:gs pos="78000">
+                      <a:schemeClr val="accent6">
                         <a:tint val="90000"/>
-                        <a:satMod val="130000"/>
-                      </a:schemeClr>
-                    </a:gs>
-                    <a:gs pos="50000">
-                      <a:schemeClr val="accent4">
-                        <a:tint val="90000"/>
-                        <a:satMod val="130000"/>
-                      </a:schemeClr>
-                    </a:gs>
-                    <a:gs pos="68000">
-                      <a:schemeClr val="accent4">
-                        <a:tint val="90000"/>
-                        <a:satMod val="130000"/>
+                        <a:shade val="89000"/>
+                        <a:satMod val="220000"/>
                       </a:schemeClr>
                     </a:gs>
                     <a:gs pos="100000">
-                      <a:schemeClr val="accent4">
-                        <a:tint val="70000"/>
-                        <a:satMod val="200000"/>
+                      <a:schemeClr val="accent6">
+                        <a:tint val="12000"/>
+                        <a:satMod val="255000"/>
                       </a:schemeClr>
                     </a:gs>
                   </a:gsLst>
                   <a:lin ang="5400000"/>
                 </a:gradFill>
                 <a:effectLst>
-                  <a:outerShdw blurRad="88000" dist="50800" dir="5040000" algn="tl">
-                    <a:schemeClr val="accent4">
-                      <a:tint val="80000"/>
-                      <a:satMod val="250000"/>
-                      <a:alpha val="45000"/>
-                    </a:schemeClr>
-                  </a:outerShdw>
+                  <a:innerShdw blurRad="69850" dist="43180" dir="5400000">
+                    <a:srgbClr val="000000">
+                      <a:alpha val="65000"/>
+                    </a:srgbClr>
+                  </a:innerShdw>
                 </a:effectLst>
               </a:rPr>
-              <a:t>	 Features of </a:t>
-            </a:r>
-            <a:r>
-              <a:rPr lang="en-US" sz="4400" b="1" dirty="0" smtClean="0">
-                <a:ln>
-                  <a:prstDash val="solid"/>
-                </a:ln>
-                <a:gradFill rotWithShape="1">
+              <a:t>(7</a:t>
+            </a:r>
+            <a:r>
+              <a:rPr lang="en-US" sz="2000" b="1" smtClean="0">
+                <a:ln w="1905"/>
+                <a:gradFill>
                   <a:gsLst>
                     <a:gs pos="0">
-                      <a:schemeClr val="accent4">
-                        <a:tint val="70000"/>
+                      <a:schemeClr val="accent6">
+                        <a:shade val="20000"/>
                         <a:satMod val="200000"/>
                       </a:schemeClr>
                     </a:gs>
-                    <a:gs pos="40000">
-                      <a:schemeClr val="accent4">
+                    <a:gs pos="78000">
+                      <a:schemeClr val="accent6">
                         <a:tint val="90000"/>
-                        <a:satMod val="130000"/>
-                      </a:schemeClr>
-                    </a:gs>
-                    <a:gs pos="50000">
-                      <a:schemeClr val="accent4">
-                        <a:tint val="90000"/>
-                        <a:satMod val="130000"/>
-                      </a:schemeClr>
-                    </a:gs>
-                    <a:gs pos="68000">
-                      <a:schemeClr val="accent4">
-                        <a:tint val="90000"/>
-                        <a:satMod val="130000"/>
+                        <a:shade val="89000"/>
+                        <a:satMod val="220000"/>
                       </a:schemeClr>
                     </a:gs>
                     <a:gs pos="100000">
-                      <a:schemeClr val="accent4">
-                        <a:tint val="70000"/>
-                        <a:satMod val="200000"/>
+                      <a:schemeClr val="accent6">
+                        <a:tint val="12000"/>
+                        <a:satMod val="255000"/>
                       </a:schemeClr>
                     </a:gs>
                   </a:gsLst>
                   <a:lin ang="5400000"/>
                 </a:gradFill>
                 <a:effectLst>
-                  <a:outerShdw blurRad="88000" dist="50800" dir="5040000" algn="tl">
-                    <a:schemeClr val="accent4">
-                      <a:tint val="80000"/>
-                      <a:satMod val="250000"/>
-                      <a:alpha val="45000"/>
-                    </a:schemeClr>
-                  </a:outerShdw>
+                  <a:innerShdw blurRad="69850" dist="43180" dir="5400000">
+                    <a:srgbClr val="000000">
+                      <a:alpha val="65000"/>
+                    </a:srgbClr>
+                  </a:innerShdw>
                 </a:effectLst>
               </a:rPr>
-              <a:t>“</a:t>
-            </a:r>
-            <a:r>
-              <a:rPr lang="en-US" sz="4400" b="1" u="sng" dirty="0" smtClean="0">
-                <a:ln>
-                  <a:prstDash val="solid"/>
-                </a:ln>
-                <a:gradFill rotWithShape="1">
+              <a:t>) Give Feedback</a:t>
+            </a:r>
+            <a:r>
+              <a:rPr lang="en-US" sz="2000" b="1" dirty="0" smtClean="0">
+                <a:ln w="1905"/>
+                <a:gradFill>
                   <a:gsLst>
                     <a:gs pos="0">
-                      <a:schemeClr val="accent4">
-                        <a:tint val="70000"/>
+                      <a:schemeClr val="accent6">
+                        <a:shade val="20000"/>
                         <a:satMod val="200000"/>
                       </a:schemeClr>
                     </a:gs>
-                    <a:gs pos="40000">
-                      <a:schemeClr val="accent4">
+                    <a:gs pos="78000">
+                      <a:schemeClr val="accent6">
                         <a:tint val="90000"/>
-                        <a:satMod val="130000"/>
-                      </a:schemeClr>
-                    </a:gs>
-                    <a:gs pos="50000">
-                      <a:schemeClr val="accent4">
-                        <a:tint val="90000"/>
-                        <a:satMod val="130000"/>
-                      </a:schemeClr>
-                    </a:gs>
-                    <a:gs pos="68000">
-                      <a:schemeClr val="accent4">
-                        <a:tint val="90000"/>
-                        <a:satMod val="130000"/>
+                        <a:shade val="89000"/>
+                        <a:satMod val="220000"/>
                       </a:schemeClr>
                     </a:gs>
                     <a:gs pos="100000">
-                      <a:schemeClr val="accent4">
-                        <a:tint val="70000"/>
-                        <a:satMod val="200000"/>
+                      <a:schemeClr val="accent6">
+                        <a:tint val="12000"/>
+                        <a:satMod val="255000"/>
                       </a:schemeClr>
                     </a:gs>
                   </a:gsLst>
                   <a:lin ang="5400000"/>
                 </a:gradFill>
                 <a:effectLst>
-                  <a:outerShdw blurRad="88000" dist="50800" dir="5040000" algn="tl">
-                    <a:schemeClr val="accent4">
-                      <a:tint val="80000"/>
-                      <a:satMod val="250000"/>
-                      <a:alpha val="45000"/>
-                    </a:schemeClr>
-                  </a:outerShdw>
+                  <a:innerShdw blurRad="69850" dist="43180" dir="5400000">
+                    <a:srgbClr val="000000">
+                      <a:alpha val="65000"/>
+                    </a:srgbClr>
+                  </a:innerShdw>
                 </a:effectLst>
               </a:rPr>
-              <a:t>Result Analysis</a:t>
-            </a:r>
-            <a:r>
-              <a:rPr lang="en-US" sz="4400" b="1" dirty="0" smtClean="0">
-                <a:ln>
-                  <a:prstDash val="solid"/>
-                </a:ln>
-                <a:gradFill rotWithShape="1">
-                  <a:gsLst>
-                    <a:gs pos="0">
-                      <a:schemeClr val="accent4">
-                        <a:tint val="70000"/>
-                        <a:satMod val="200000"/>
-                      </a:schemeClr>
-                    </a:gs>
-                    <a:gs pos="40000">
-                      <a:schemeClr val="accent4">
-                        <a:tint val="90000"/>
-                        <a:satMod val="130000"/>
-                      </a:schemeClr>
-                    </a:gs>
-                    <a:gs pos="50000">
-                      <a:schemeClr val="accent4">
-                        <a:tint val="90000"/>
-                        <a:satMod val="130000"/>
-                      </a:schemeClr>
-                    </a:gs>
-                    <a:gs pos="68000">
-                      <a:schemeClr val="accent4">
-                        <a:tint val="90000"/>
-                        <a:satMod val="130000"/>
-                      </a:schemeClr>
-                    </a:gs>
-                    <a:gs pos="100000">
-                      <a:schemeClr val="accent4">
-                        <a:tint val="70000"/>
-                        <a:satMod val="200000"/>
-                      </a:schemeClr>
-                    </a:gs>
-                  </a:gsLst>
-                  <a:lin ang="5400000"/>
-                </a:gradFill>
-                <a:effectLst>
-                  <a:outerShdw blurRad="88000" dist="50800" dir="5040000" algn="tl">
-                    <a:schemeClr val="accent4">
-                      <a:tint val="80000"/>
-                      <a:satMod val="250000"/>
-                      <a:alpha val="45000"/>
-                    </a:schemeClr>
-                  </a:outerShdw>
-                </a:effectLst>
-              </a:rPr>
-              <a:t>”</a:t>
-            </a:r>
-            <a:endParaRPr lang="en-US" sz="4400" b="1" dirty="0">
-              <a:ln>
+              <a:t>.</a:t>
+            </a:r>
+            <a:endParaRPr lang="en-US" sz="2000" b="0" cap="none" spc="0" dirty="0">
+              <a:ln w="18415" cmpd="sng">
+                <a:solidFill>
+                  <a:srgbClr val="FFFFFF"/>
+                </a:solidFill>
                 <a:prstDash val="solid"/>
               </a:ln>
-              <a:gradFill rotWithShape="1">
-                <a:gsLst>
-                  <a:gs pos="0">
-                    <a:schemeClr val="accent4">
-                      <a:tint val="70000"/>
-                      <a:satMod val="200000"/>
-                    </a:schemeClr>
-                  </a:gs>
-                  <a:gs pos="40000">
-                    <a:schemeClr val="accent4">
-                      <a:tint val="90000"/>
-                      <a:satMod val="130000"/>
-                    </a:schemeClr>
-                  </a:gs>
-                  <a:gs pos="50000">
-                    <a:schemeClr val="accent4">
-                      <a:tint val="90000"/>
-                      <a:satMod val="130000"/>
-                    </a:schemeClr>
-                  </a:gs>
-                  <a:gs pos="68000">
-                    <a:schemeClr val="accent4">
-                      <a:tint val="90000"/>
-                      <a:satMod val="130000"/>
-                    </a:schemeClr>
-                  </a:gs>
-                  <a:gs pos="100000">
-                    <a:schemeClr val="accent4">
-                      <a:tint val="70000"/>
-                      <a:satMod val="200000"/>
-                    </a:schemeClr>
-                  </a:gs>
-                </a:gsLst>
-                <a:lin ang="5400000"/>
-              </a:gradFill>
+              <a:solidFill>
+                <a:srgbClr val="FFFFFF"/>
+              </a:solidFill>
               <a:effectLst>
-                <a:outerShdw blurRad="88000" dist="50800" dir="5040000" algn="tl">
-                  <a:schemeClr val="accent4">
-                    <a:tint val="80000"/>
-                    <a:satMod val="250000"/>
-                    <a:alpha val="45000"/>
-                  </a:schemeClr>
+                <a:outerShdw blurRad="63500" dir="3600000" algn="tl" rotWithShape="0">
+                  <a:srgbClr val="000000">
+                    <a:alpha val="70000"/>
+                  </a:srgbClr>
                 </a:outerShdw>
               </a:effectLst>
             </a:endParaRPr>
           </a:p>
         </p:txBody>
       </p:sp>
+      <p:pic>
+        <p:nvPicPr>
+          <p:cNvPr id="9218" name="Picture 2" descr="C:\Users\LENOVO\Desktop\Resultanalysis Screenshot'\facultyfeedback.JPG"/>
+          <p:cNvPicPr>
+            <a:picLocks noChangeAspect="1" noChangeArrowheads="1"/>
+          </p:cNvPicPr>
+          <p:nvPr/>
+        </p:nvPicPr>
+        <p:blipFill>
+          <a:blip r:embed="rId3"/>
+          <a:srcRect/>
+          <a:stretch>
+            <a:fillRect/>
+          </a:stretch>
+        </p:blipFill>
+        <p:spPr bwMode="auto">
+          <a:xfrm>
+            <a:off x="304800" y="2590800"/>
+            <a:ext cx="8305800" cy="3657600"/>
+          </a:xfrm>
+          <a:prstGeom prst="rect">
+            <a:avLst/>
+          </a:prstGeom>
+          <a:noFill/>
+        </p:spPr>
+      </p:pic>
+    </p:spTree>
+  </p:cSld>
+  <p:clrMapOvr>
+    <a:masterClrMapping/>
+  </p:clrMapOvr>
+  <p:transition advTm="9000">
+    <p:wipe dir="u"/>
+  </p:transition>
+  <p:timing>
+    <p:tnLst>
+      <p:par>
+        <p:cTn id="1" dur="indefinite" restart="never" nodeType="tmRoot"/>
+      </p:par>
+    </p:tnLst>
+  </p:timing>
+</p:sld>
+</file>
+
+<file path=ppt/slides/slide18.xml><?xml version="1.0" encoding="utf-8"?>
+<p:sld xmlns:a="http://schemas.openxmlformats.org/drawingml/2006/main" xmlns:r="http://schemas.openxmlformats.org/officeDocument/2006/relationships" xmlns:p="http://schemas.openxmlformats.org/presentationml/2006/main">
+  <p:cSld>
+    <p:spTree>
+      <p:nvGrpSpPr>
+        <p:cNvPr id="1" name=""/>
+        <p:cNvGrpSpPr/>
+        <p:nvPr/>
+      </p:nvGrpSpPr>
+      <p:grpSpPr>
+        <a:xfrm>
+          <a:off x="0" y="0"/>
+          <a:ext cx="0" cy="0"/>
+          <a:chOff x="0" y="0"/>
+          <a:chExt cx="0" cy="0"/>
+        </a:xfrm>
+      </p:grpSpPr>
       <p:sp>
         <p:nvSpPr>
           <p:cNvPr id="8" name="Chevron 4"/>
@@ -9346,11 +8959,7 @@
           <a:p>
             <a:r>
               <a:rPr lang="en-US" b="1" dirty="0" smtClean="0"/>
-              <a:t>To </a:t>
-            </a:r>
-            <a:r>
-              <a:rPr lang="en-US" b="1" dirty="0" smtClean="0"/>
-              <a:t>improve student’s performance by comparing each other’s result</a:t>
+              <a:t>To improve student’s performance by comparing each other’s result</a:t>
             </a:r>
             <a:r>
               <a:rPr lang="es-ES" b="1" dirty="0" smtClean="0">
@@ -9518,11 +9127,7 @@
             <a:pPr lvl="0"/>
             <a:r>
               <a:rPr lang="en-US" b="1" dirty="0" smtClean="0"/>
-              <a:t>To refine data stored in database and generate various analysis </a:t>
-            </a:r>
-            <a:r>
-              <a:rPr lang="en-US" b="1" dirty="0" smtClean="0"/>
-              <a:t>reports</a:t>
+              <a:t>To refine data stored in database and generate various analysis reports</a:t>
             </a:r>
             <a:r>
               <a:rPr lang="es-ES" b="1" dirty="0" smtClean="0">
@@ -9567,15 +9172,7 @@
           <a:p>
             <a:r>
               <a:rPr lang="en-US" b="1" dirty="0" smtClean="0"/>
-              <a:t>Automatically calculate </a:t>
-            </a:r>
-            <a:r>
-              <a:rPr lang="en-US" b="1" dirty="0" smtClean="0"/>
-              <a:t>percentage of student’s </a:t>
-            </a:r>
-            <a:r>
-              <a:rPr lang="en-US" b="1" dirty="0" smtClean="0"/>
-              <a:t>result</a:t>
+              <a:t>Automatically calculate percentage of student’s result</a:t>
             </a:r>
             <a:r>
               <a:rPr lang="es-ES" b="1" dirty="0" smtClean="0">
@@ -9864,11 +9461,7 @@
           <a:p>
             <a:r>
               <a:rPr lang="en-US" b="1" dirty="0" smtClean="0"/>
-              <a:t>We will generate reports based on analysis of institute result set and suggest where the department should focus on improvement on particular subject too</a:t>
-            </a:r>
-            <a:r>
-              <a:rPr lang="en-US" b="1" dirty="0" smtClean="0"/>
-              <a:t>.</a:t>
+              <a:t>We will generate reports based on analysis of institute result set and suggest where the department should focus on improvement on particular subject too.</a:t>
             </a:r>
             <a:endParaRPr lang="es-ES" b="1" dirty="0">
               <a:solidFill>
@@ -9876,6 +9469,61 @@
               </a:solidFill>
               <a:latin typeface="Times New Roman" pitchFamily="18" charset="0"/>
               <a:cs typeface="Times New Roman" pitchFamily="18" charset="0"/>
+            </a:endParaRPr>
+          </a:p>
+        </p:txBody>
+      </p:sp>
+      <p:sp>
+        <p:nvSpPr>
+          <p:cNvPr id="33" name="Rectangle 32"/>
+          <p:cNvSpPr/>
+          <p:nvPr/>
+        </p:nvSpPr>
+        <p:spPr>
+          <a:xfrm>
+            <a:off x="152400" y="449759"/>
+            <a:ext cx="8763000" cy="769441"/>
+          </a:xfrm>
+          <a:prstGeom prst="rect">
+            <a:avLst/>
+          </a:prstGeom>
+        </p:spPr>
+        <p:txBody>
+          <a:bodyPr wrap="square">
+            <a:spAutoFit/>
+          </a:bodyPr>
+          <a:lstStyle/>
+          <a:p>
+            <a:pPr algn="ctr"/>
+            <a:r>
+              <a:rPr lang="en-US" sz="4400" i="1" spc="50" dirty="0" smtClean="0">
+                <a:ln w="11430"/>
+                <a:solidFill>
+                  <a:srgbClr val="00B0F0"/>
+                </a:solidFill>
+                <a:effectLst>
+                  <a:outerShdw blurRad="76200" dist="50800" dir="5400000" algn="tl" rotWithShape="0">
+                    <a:srgbClr val="000000">
+                      <a:alpha val="65000"/>
+                    </a:srgbClr>
+                  </a:outerShdw>
+                </a:effectLst>
+                <a:hlinkClick r:id="rId2" action="ppaction://hlinkfile"/>
+              </a:rPr>
+              <a:t>Features of “Result Analysis” </a:t>
+            </a:r>
+            <a:endParaRPr lang="en-US" sz="4400" i="1" spc="50" dirty="0">
+              <a:ln w="11430"/>
+              <a:solidFill>
+                <a:srgbClr val="00B0F0"/>
+              </a:solidFill>
+              <a:effectLst>
+                <a:outerShdw blurRad="76200" dist="50800" dir="5400000" algn="tl" rotWithShape="0">
+                  <a:srgbClr val="000000">
+                    <a:alpha val="65000"/>
+                  </a:srgbClr>
+                </a:outerShdw>
+              </a:effectLst>
             </a:endParaRPr>
           </a:p>
         </p:txBody>
@@ -9898,7 +9546,1662 @@
 </p:sld>
 </file>
 
-<file path=ppt/slides/slide18.xml><?xml version="1.0" encoding="utf-8"?>
+<file path=ppt/slides/slide19.xml><?xml version="1.0" encoding="utf-8"?>
+<p:sld xmlns:a="http://schemas.openxmlformats.org/drawingml/2006/main" xmlns:r="http://schemas.openxmlformats.org/officeDocument/2006/relationships" xmlns:p="http://schemas.openxmlformats.org/presentationml/2006/main">
+  <p:cSld>
+    <p:spTree>
+      <p:nvGrpSpPr>
+        <p:cNvPr id="1" name=""/>
+        <p:cNvGrpSpPr/>
+        <p:nvPr/>
+      </p:nvGrpSpPr>
+      <p:grpSpPr>
+        <a:xfrm>
+          <a:off x="0" y="0"/>
+          <a:ext cx="0" cy="0"/>
+          <a:chOff x="0" y="0"/>
+          <a:chExt cx="0" cy="0"/>
+        </a:xfrm>
+      </p:grpSpPr>
+      <p:sp>
+        <p:nvSpPr>
+          <p:cNvPr id="8" name="Chevron 4"/>
+          <p:cNvSpPr/>
+          <p:nvPr/>
+        </p:nvSpPr>
+        <p:spPr>
+          <a:xfrm>
+            <a:off x="1066800" y="4038600"/>
+            <a:ext cx="405663" cy="525475"/>
+          </a:xfrm>
+          <a:prstGeom prst="rect">
+            <a:avLst/>
+          </a:prstGeom>
+        </p:spPr>
+        <p:style>
+          <a:lnRef idx="0">
+            <a:scrgbClr r="0" g="0" b="0"/>
+          </a:lnRef>
+          <a:fillRef idx="0">
+            <a:scrgbClr r="0" g="0" b="0"/>
+          </a:fillRef>
+          <a:effectRef idx="0">
+            <a:scrgbClr r="0" g="0" b="0"/>
+          </a:effectRef>
+          <a:fontRef idx="minor">
+            <a:schemeClr val="lt1"/>
+          </a:fontRef>
+        </p:style>
+        <p:txBody>
+          <a:bodyPr spcFirstLastPara="0" vert="horz" wrap="square" lIns="17780" tIns="8890" rIns="0" bIns="8890" numCol="1" spcCol="1270" anchor="ctr" anchorCtr="0">
+            <a:noAutofit/>
+          </a:bodyPr>
+          <a:lstStyle/>
+          <a:p>
+            <a:pPr lvl="0" algn="ctr" defTabSz="622300">
+              <a:lnSpc>
+                <a:spcPct val="90000"/>
+              </a:lnSpc>
+              <a:spcBef>
+                <a:spcPct val="0"/>
+              </a:spcBef>
+              <a:spcAft>
+                <a:spcPct val="35000"/>
+              </a:spcAft>
+            </a:pPr>
+            <a:endParaRPr lang="en-US" sz="1400" b="1" kern="1200" cap="all" spc="0">
+              <a:ln w="9000" cmpd="sng">
+                <a:solidFill>
+                  <a:schemeClr val="accent4">
+                    <a:shade val="50000"/>
+                    <a:satMod val="120000"/>
+                  </a:schemeClr>
+                </a:solidFill>
+                <a:prstDash val="solid"/>
+              </a:ln>
+              <a:gradFill>
+                <a:gsLst>
+                  <a:gs pos="0">
+                    <a:schemeClr val="accent4">
+                      <a:shade val="20000"/>
+                      <a:satMod val="245000"/>
+                    </a:schemeClr>
+                  </a:gs>
+                  <a:gs pos="43000">
+                    <a:schemeClr val="accent4">
+                      <a:satMod val="255000"/>
+                    </a:schemeClr>
+                  </a:gs>
+                  <a:gs pos="48000">
+                    <a:schemeClr val="accent4">
+                      <a:shade val="85000"/>
+                      <a:satMod val="255000"/>
+                    </a:schemeClr>
+                  </a:gs>
+                  <a:gs pos="100000">
+                    <a:schemeClr val="accent4">
+                      <a:shade val="20000"/>
+                      <a:satMod val="245000"/>
+                    </a:schemeClr>
+                  </a:gs>
+                </a:gsLst>
+                <a:lin ang="5400000"/>
+              </a:gradFill>
+              <a:effectLst>
+                <a:reflection blurRad="12700" stA="28000" endPos="45000" dist="1000" dir="5400000" sy="-100000" algn="bl" rotWithShape="0"/>
+              </a:effectLst>
+            </a:endParaRPr>
+          </a:p>
+        </p:txBody>
+      </p:sp>
+      <p:grpSp>
+        <p:nvGrpSpPr>
+          <p:cNvPr id="3" name="Group 10"/>
+          <p:cNvGrpSpPr/>
+          <p:nvPr/>
+        </p:nvGrpSpPr>
+        <p:grpSpPr>
+          <a:xfrm>
+            <a:off x="304800" y="2438400"/>
+            <a:ext cx="838200" cy="612274"/>
+            <a:chOff x="0" y="48125"/>
+            <a:chExt cx="838200" cy="612274"/>
+          </a:xfrm>
+        </p:grpSpPr>
+        <p:sp>
+          <p:nvSpPr>
+            <p:cNvPr id="12" name="Chevron 11"/>
+            <p:cNvSpPr/>
+            <p:nvPr/>
+          </p:nvSpPr>
+          <p:spPr>
+            <a:xfrm>
+              <a:off x="0" y="48125"/>
+              <a:ext cx="838200" cy="612274"/>
+            </a:xfrm>
+            <a:prstGeom prst="chevron">
+              <a:avLst/>
+            </a:prstGeom>
+          </p:spPr>
+          <p:style>
+            <a:lnRef idx="2">
+              <a:schemeClr val="lt1">
+                <a:hueOff val="0"/>
+                <a:satOff val="0"/>
+                <a:lumOff val="0"/>
+                <a:alphaOff val="0"/>
+              </a:schemeClr>
+            </a:lnRef>
+            <a:fillRef idx="1">
+              <a:schemeClr val="accent1">
+                <a:hueOff val="0"/>
+                <a:satOff val="0"/>
+                <a:lumOff val="0"/>
+                <a:alphaOff val="0"/>
+              </a:schemeClr>
+            </a:fillRef>
+            <a:effectRef idx="0">
+              <a:schemeClr val="accent1">
+                <a:hueOff val="0"/>
+                <a:satOff val="0"/>
+                <a:lumOff val="0"/>
+                <a:alphaOff val="0"/>
+              </a:schemeClr>
+            </a:effectRef>
+            <a:fontRef idx="minor">
+              <a:schemeClr val="lt1"/>
+            </a:fontRef>
+          </p:style>
+        </p:sp>
+        <p:sp>
+          <p:nvSpPr>
+            <p:cNvPr id="13" name="Chevron 4"/>
+            <p:cNvSpPr/>
+            <p:nvPr/>
+          </p:nvSpPr>
+          <p:spPr>
+            <a:xfrm>
+              <a:off x="306136" y="48125"/>
+              <a:ext cx="303463" cy="612274"/>
+            </a:xfrm>
+            <a:prstGeom prst="rect">
+              <a:avLst/>
+            </a:prstGeom>
+          </p:spPr>
+          <p:style>
+            <a:lnRef idx="0">
+              <a:scrgbClr r="0" g="0" b="0"/>
+            </a:lnRef>
+            <a:fillRef idx="0">
+              <a:scrgbClr r="0" g="0" b="0"/>
+            </a:fillRef>
+            <a:effectRef idx="0">
+              <a:scrgbClr r="0" g="0" b="0"/>
+            </a:effectRef>
+            <a:fontRef idx="minor">
+              <a:schemeClr val="lt1"/>
+            </a:fontRef>
+          </p:style>
+          <p:txBody>
+            <a:bodyPr spcFirstLastPara="0" vert="horz" wrap="square" lIns="56007" tIns="18669" rIns="18669" bIns="18669" numCol="1" spcCol="1270" anchor="ctr" anchorCtr="0">
+              <a:noAutofit/>
+            </a:bodyPr>
+            <a:lstStyle/>
+            <a:p>
+              <a:pPr lvl="0" algn="ctr" defTabSz="622300">
+                <a:lnSpc>
+                  <a:spcPct val="90000"/>
+                </a:lnSpc>
+                <a:spcBef>
+                  <a:spcPct val="0"/>
+                </a:spcBef>
+                <a:spcAft>
+                  <a:spcPct val="35000"/>
+                </a:spcAft>
+              </a:pPr>
+              <a:r>
+                <a:rPr lang="en-US" sz="1400" dirty="0" smtClean="0">
+                  <a:solidFill>
+                    <a:schemeClr val="tx1"/>
+                  </a:solidFill>
+                </a:rPr>
+                <a:t>1.</a:t>
+              </a:r>
+              <a:endParaRPr lang="en-US" sz="1400" kern="1200" dirty="0">
+                <a:solidFill>
+                  <a:schemeClr val="tx1"/>
+                </a:solidFill>
+              </a:endParaRPr>
+            </a:p>
+          </p:txBody>
+        </p:sp>
+      </p:grpSp>
+      <p:sp>
+        <p:nvSpPr>
+          <p:cNvPr id="20" name="Rectangle 19"/>
+          <p:cNvSpPr/>
+          <p:nvPr/>
+        </p:nvSpPr>
+        <p:spPr>
+          <a:xfrm>
+            <a:off x="1219200" y="2514600"/>
+            <a:ext cx="7391400" cy="369332"/>
+          </a:xfrm>
+          <a:prstGeom prst="rect">
+            <a:avLst/>
+          </a:prstGeom>
+        </p:spPr>
+        <p:txBody>
+          <a:bodyPr wrap="square">
+            <a:spAutoFit/>
+          </a:bodyPr>
+          <a:lstStyle/>
+          <a:p>
+            <a:r>
+              <a:rPr lang="es-ES" b="1" dirty="0" err="1" smtClean="0">
+                <a:latin typeface="Times New Roman" pitchFamily="18" charset="0"/>
+                <a:cs typeface="Times New Roman" pitchFamily="18" charset="0"/>
+              </a:rPr>
+              <a:t>Learning</a:t>
+            </a:r>
+            <a:r>
+              <a:rPr lang="es-ES" b="1" dirty="0" smtClean="0">
+                <a:latin typeface="Times New Roman" pitchFamily="18" charset="0"/>
+                <a:cs typeface="Times New Roman" pitchFamily="18" charset="0"/>
+              </a:rPr>
+              <a:t> ASP.NET  </a:t>
+            </a:r>
+            <a:r>
+              <a:rPr lang="es-ES" b="1" dirty="0" err="1" smtClean="0">
+                <a:latin typeface="Times New Roman" pitchFamily="18" charset="0"/>
+                <a:cs typeface="Times New Roman" pitchFamily="18" charset="0"/>
+              </a:rPr>
+              <a:t>mvc</a:t>
+            </a:r>
+            <a:r>
+              <a:rPr lang="es-ES" b="1" dirty="0" smtClean="0">
+                <a:latin typeface="Times New Roman" pitchFamily="18" charset="0"/>
+                <a:cs typeface="Times New Roman" pitchFamily="18" charset="0"/>
+              </a:rPr>
+              <a:t> </a:t>
+            </a:r>
+            <a:r>
+              <a:rPr lang="es-ES" b="1" dirty="0" err="1" smtClean="0">
+                <a:latin typeface="Times New Roman" pitchFamily="18" charset="0"/>
+                <a:cs typeface="Times New Roman" pitchFamily="18" charset="0"/>
+              </a:rPr>
+              <a:t>is</a:t>
+            </a:r>
+            <a:r>
+              <a:rPr lang="es-ES" b="1" dirty="0" smtClean="0">
+                <a:latin typeface="Times New Roman" pitchFamily="18" charset="0"/>
+                <a:cs typeface="Times New Roman" pitchFamily="18" charset="0"/>
+              </a:rPr>
+              <a:t> </a:t>
+            </a:r>
+            <a:r>
+              <a:rPr lang="es-ES" b="1" dirty="0" err="1" smtClean="0">
+                <a:latin typeface="Times New Roman" pitchFamily="18" charset="0"/>
+                <a:cs typeface="Times New Roman" pitchFamily="18" charset="0"/>
+              </a:rPr>
+              <a:t>challenging</a:t>
+            </a:r>
+            <a:r>
+              <a:rPr lang="es-ES" b="1" dirty="0" smtClean="0">
+                <a:latin typeface="Times New Roman" pitchFamily="18" charset="0"/>
+                <a:cs typeface="Times New Roman" pitchFamily="18" charset="0"/>
+              </a:rPr>
+              <a:t> </a:t>
+            </a:r>
+            <a:r>
+              <a:rPr lang="es-ES" b="1" dirty="0" err="1" smtClean="0">
+                <a:latin typeface="Times New Roman" pitchFamily="18" charset="0"/>
+                <a:cs typeface="Times New Roman" pitchFamily="18" charset="0"/>
+              </a:rPr>
+              <a:t>task</a:t>
+            </a:r>
+            <a:r>
+              <a:rPr lang="es-ES" b="1" dirty="0" smtClean="0">
+                <a:latin typeface="Times New Roman" pitchFamily="18" charset="0"/>
+                <a:cs typeface="Times New Roman" pitchFamily="18" charset="0"/>
+              </a:rPr>
+              <a:t> </a:t>
+            </a:r>
+            <a:r>
+              <a:rPr lang="es-ES" b="1" dirty="0" err="1" smtClean="0">
+                <a:latin typeface="Times New Roman" pitchFamily="18" charset="0"/>
+                <a:cs typeface="Times New Roman" pitchFamily="18" charset="0"/>
+              </a:rPr>
+              <a:t>for</a:t>
+            </a:r>
+            <a:r>
+              <a:rPr lang="es-ES" b="1" dirty="0" smtClean="0">
+                <a:latin typeface="Times New Roman" pitchFamily="18" charset="0"/>
+                <a:cs typeface="Times New Roman" pitchFamily="18" charset="0"/>
+              </a:rPr>
+              <a:t> </a:t>
+            </a:r>
+            <a:r>
+              <a:rPr lang="es-ES" b="1" dirty="0" err="1" smtClean="0">
+                <a:latin typeface="Times New Roman" pitchFamily="18" charset="0"/>
+                <a:cs typeface="Times New Roman" pitchFamily="18" charset="0"/>
+              </a:rPr>
+              <a:t>us</a:t>
+            </a:r>
+            <a:r>
+              <a:rPr lang="es-ES" b="1" dirty="0" smtClean="0">
+                <a:latin typeface="Times New Roman" pitchFamily="18" charset="0"/>
+                <a:cs typeface="Times New Roman" pitchFamily="18" charset="0"/>
+              </a:rPr>
+              <a:t>. </a:t>
+            </a:r>
+            <a:endParaRPr lang="es-ES" b="1" dirty="0">
+              <a:latin typeface="Times New Roman" pitchFamily="18" charset="0"/>
+              <a:cs typeface="Times New Roman" pitchFamily="18" charset="0"/>
+            </a:endParaRPr>
+          </a:p>
+        </p:txBody>
+      </p:sp>
+      <p:grpSp>
+        <p:nvGrpSpPr>
+          <p:cNvPr id="4" name="Group 20"/>
+          <p:cNvGrpSpPr/>
+          <p:nvPr/>
+        </p:nvGrpSpPr>
+        <p:grpSpPr>
+          <a:xfrm>
+            <a:off x="304800" y="3352800"/>
+            <a:ext cx="838200" cy="612274"/>
+            <a:chOff x="0" y="48125"/>
+            <a:chExt cx="838200" cy="612274"/>
+          </a:xfrm>
+        </p:grpSpPr>
+        <p:sp>
+          <p:nvSpPr>
+            <p:cNvPr id="22" name="Chevron 21"/>
+            <p:cNvSpPr/>
+            <p:nvPr/>
+          </p:nvSpPr>
+          <p:spPr>
+            <a:xfrm>
+              <a:off x="0" y="48125"/>
+              <a:ext cx="838200" cy="612274"/>
+            </a:xfrm>
+            <a:prstGeom prst="chevron">
+              <a:avLst/>
+            </a:prstGeom>
+          </p:spPr>
+          <p:style>
+            <a:lnRef idx="2">
+              <a:schemeClr val="lt1">
+                <a:hueOff val="0"/>
+                <a:satOff val="0"/>
+                <a:lumOff val="0"/>
+                <a:alphaOff val="0"/>
+              </a:schemeClr>
+            </a:lnRef>
+            <a:fillRef idx="1">
+              <a:schemeClr val="accent1">
+                <a:hueOff val="0"/>
+                <a:satOff val="0"/>
+                <a:lumOff val="0"/>
+                <a:alphaOff val="0"/>
+              </a:schemeClr>
+            </a:fillRef>
+            <a:effectRef idx="0">
+              <a:schemeClr val="accent1">
+                <a:hueOff val="0"/>
+                <a:satOff val="0"/>
+                <a:lumOff val="0"/>
+                <a:alphaOff val="0"/>
+              </a:schemeClr>
+            </a:effectRef>
+            <a:fontRef idx="minor">
+              <a:schemeClr val="lt1"/>
+            </a:fontRef>
+          </p:style>
+        </p:sp>
+        <p:sp>
+          <p:nvSpPr>
+            <p:cNvPr id="23" name="Chevron 4"/>
+            <p:cNvSpPr/>
+            <p:nvPr/>
+          </p:nvSpPr>
+          <p:spPr>
+            <a:xfrm>
+              <a:off x="306136" y="48125"/>
+              <a:ext cx="303463" cy="612274"/>
+            </a:xfrm>
+            <a:prstGeom prst="rect">
+              <a:avLst/>
+            </a:prstGeom>
+          </p:spPr>
+          <p:style>
+            <a:lnRef idx="0">
+              <a:scrgbClr r="0" g="0" b="0"/>
+            </a:lnRef>
+            <a:fillRef idx="0">
+              <a:scrgbClr r="0" g="0" b="0"/>
+            </a:fillRef>
+            <a:effectRef idx="0">
+              <a:scrgbClr r="0" g="0" b="0"/>
+            </a:effectRef>
+            <a:fontRef idx="minor">
+              <a:schemeClr val="lt1"/>
+            </a:fontRef>
+          </p:style>
+          <p:txBody>
+            <a:bodyPr spcFirstLastPara="0" vert="horz" wrap="square" lIns="56007" tIns="18669" rIns="18669" bIns="18669" numCol="1" spcCol="1270" anchor="ctr" anchorCtr="0">
+              <a:noAutofit/>
+            </a:bodyPr>
+            <a:lstStyle/>
+            <a:p>
+              <a:pPr lvl="0" algn="ctr" defTabSz="622300">
+                <a:lnSpc>
+                  <a:spcPct val="90000"/>
+                </a:lnSpc>
+                <a:spcBef>
+                  <a:spcPct val="0"/>
+                </a:spcBef>
+                <a:spcAft>
+                  <a:spcPct val="35000"/>
+                </a:spcAft>
+              </a:pPr>
+              <a:r>
+                <a:rPr lang="en-US" sz="1400" dirty="0" smtClean="0">
+                  <a:solidFill>
+                    <a:schemeClr val="tx1"/>
+                  </a:solidFill>
+                </a:rPr>
+                <a:t>2.</a:t>
+              </a:r>
+              <a:endParaRPr lang="en-US" sz="1400" kern="1200" dirty="0">
+                <a:solidFill>
+                  <a:schemeClr val="tx1"/>
+                </a:solidFill>
+              </a:endParaRPr>
+            </a:p>
+          </p:txBody>
+        </p:sp>
+      </p:grpSp>
+      <p:sp>
+        <p:nvSpPr>
+          <p:cNvPr id="24" name="Rectangle 23"/>
+          <p:cNvSpPr/>
+          <p:nvPr/>
+        </p:nvSpPr>
+        <p:spPr>
+          <a:xfrm>
+            <a:off x="1219200" y="3429000"/>
+            <a:ext cx="5840060" cy="369332"/>
+          </a:xfrm>
+          <a:prstGeom prst="rect">
+            <a:avLst/>
+          </a:prstGeom>
+        </p:spPr>
+        <p:txBody>
+          <a:bodyPr wrap="none">
+            <a:spAutoFit/>
+          </a:bodyPr>
+          <a:lstStyle/>
+          <a:p>
+            <a:pPr lvl="0"/>
+            <a:r>
+              <a:rPr lang="es-ES" b="1" dirty="0" smtClean="0">
+                <a:latin typeface="Times New Roman" pitchFamily="18" charset="0"/>
+                <a:cs typeface="Times New Roman" pitchFamily="18" charset="0"/>
+              </a:rPr>
+              <a:t>Data </a:t>
+            </a:r>
+            <a:r>
+              <a:rPr lang="es-ES" b="1" dirty="0" err="1" smtClean="0">
+                <a:latin typeface="Times New Roman" pitchFamily="18" charset="0"/>
+                <a:cs typeface="Times New Roman" pitchFamily="18" charset="0"/>
+              </a:rPr>
+              <a:t>dictionary</a:t>
+            </a:r>
+            <a:r>
+              <a:rPr lang="es-ES" b="1" dirty="0" smtClean="0">
+                <a:latin typeface="Times New Roman" pitchFamily="18" charset="0"/>
+                <a:cs typeface="Times New Roman" pitchFamily="18" charset="0"/>
+              </a:rPr>
+              <a:t> </a:t>
+            </a:r>
+            <a:r>
+              <a:rPr lang="es-ES" b="1" dirty="0" err="1" smtClean="0">
+                <a:latin typeface="Times New Roman" pitchFamily="18" charset="0"/>
+                <a:cs typeface="Times New Roman" pitchFamily="18" charset="0"/>
+              </a:rPr>
+              <a:t>is</a:t>
+            </a:r>
+            <a:r>
+              <a:rPr lang="es-ES" b="1" dirty="0" smtClean="0">
+                <a:latin typeface="Times New Roman" pitchFamily="18" charset="0"/>
+                <a:cs typeface="Times New Roman" pitchFamily="18" charset="0"/>
+              </a:rPr>
+              <a:t> </a:t>
+            </a:r>
+            <a:r>
+              <a:rPr lang="es-ES" b="1" dirty="0" err="1" smtClean="0">
+                <a:latin typeface="Times New Roman" pitchFamily="18" charset="0"/>
+                <a:cs typeface="Times New Roman" pitchFamily="18" charset="0"/>
+              </a:rPr>
+              <a:t>complex</a:t>
+            </a:r>
+            <a:r>
+              <a:rPr lang="es-ES" b="1" dirty="0" smtClean="0">
+                <a:latin typeface="Times New Roman" pitchFamily="18" charset="0"/>
+                <a:cs typeface="Times New Roman" pitchFamily="18" charset="0"/>
+              </a:rPr>
+              <a:t> and </a:t>
+            </a:r>
+            <a:r>
+              <a:rPr lang="es-ES" b="1" dirty="0" smtClean="0">
+                <a:latin typeface="Times New Roman" pitchFamily="18" charset="0"/>
+                <a:cs typeface="Times New Roman" pitchFamily="18" charset="0"/>
+              </a:rPr>
+              <a:t>quite </a:t>
+            </a:r>
+            <a:r>
+              <a:rPr lang="es-ES" b="1" dirty="0" err="1" smtClean="0">
+                <a:latin typeface="Times New Roman" pitchFamily="18" charset="0"/>
+                <a:cs typeface="Times New Roman" pitchFamily="18" charset="0"/>
+              </a:rPr>
+              <a:t>difficult</a:t>
+            </a:r>
+            <a:r>
+              <a:rPr lang="es-ES" b="1" dirty="0" smtClean="0">
+                <a:latin typeface="Times New Roman" pitchFamily="18" charset="0"/>
+                <a:cs typeface="Times New Roman" pitchFamily="18" charset="0"/>
+              </a:rPr>
+              <a:t>  </a:t>
+            </a:r>
+            <a:r>
+              <a:rPr lang="es-ES" b="1" dirty="0" err="1" smtClean="0">
+                <a:latin typeface="Times New Roman" pitchFamily="18" charset="0"/>
+                <a:cs typeface="Times New Roman" pitchFamily="18" charset="0"/>
+              </a:rPr>
+              <a:t>to</a:t>
+            </a:r>
+            <a:r>
+              <a:rPr lang="es-ES" b="1" dirty="0" smtClean="0">
+                <a:latin typeface="Times New Roman" pitchFamily="18" charset="0"/>
+                <a:cs typeface="Times New Roman" pitchFamily="18" charset="0"/>
+              </a:rPr>
+              <a:t> </a:t>
+            </a:r>
+            <a:r>
+              <a:rPr lang="es-ES" b="1" dirty="0" err="1" smtClean="0">
+                <a:latin typeface="Times New Roman" pitchFamily="18" charset="0"/>
+                <a:cs typeface="Times New Roman" pitchFamily="18" charset="0"/>
+              </a:rPr>
+              <a:t>manage</a:t>
+            </a:r>
+            <a:r>
+              <a:rPr lang="es-ES" b="1" dirty="0" smtClean="0">
+                <a:latin typeface="Times New Roman" pitchFamily="18" charset="0"/>
+                <a:cs typeface="Times New Roman" pitchFamily="18" charset="0"/>
+              </a:rPr>
+              <a:t>.</a:t>
+            </a:r>
+            <a:endParaRPr lang="es-ES" b="1" dirty="0">
+              <a:latin typeface="Times New Roman" pitchFamily="18" charset="0"/>
+              <a:cs typeface="Times New Roman" pitchFamily="18" charset="0"/>
+            </a:endParaRPr>
+          </a:p>
+        </p:txBody>
+      </p:sp>
+      <p:sp>
+        <p:nvSpPr>
+          <p:cNvPr id="25" name="Rectangle 24"/>
+          <p:cNvSpPr/>
+          <p:nvPr/>
+        </p:nvSpPr>
+        <p:spPr>
+          <a:xfrm>
+            <a:off x="1219200" y="4431268"/>
+            <a:ext cx="5919249" cy="369332"/>
+          </a:xfrm>
+          <a:prstGeom prst="rect">
+            <a:avLst/>
+          </a:prstGeom>
+        </p:spPr>
+        <p:txBody>
+          <a:bodyPr wrap="none">
+            <a:spAutoFit/>
+          </a:bodyPr>
+          <a:lstStyle/>
+          <a:p>
+            <a:r>
+              <a:rPr lang="es-ES" b="1" dirty="0" err="1" smtClean="0">
+                <a:latin typeface="Times New Roman" pitchFamily="18" charset="0"/>
+                <a:cs typeface="Times New Roman" pitchFamily="18" charset="0"/>
+              </a:rPr>
+              <a:t>Razor</a:t>
+            </a:r>
+            <a:r>
+              <a:rPr lang="es-ES" b="1" dirty="0" smtClean="0">
+                <a:latin typeface="Times New Roman" pitchFamily="18" charset="0"/>
+                <a:cs typeface="Times New Roman" pitchFamily="18" charset="0"/>
+              </a:rPr>
+              <a:t> </a:t>
+            </a:r>
+            <a:r>
+              <a:rPr lang="es-ES" b="1" dirty="0" err="1" smtClean="0">
+                <a:latin typeface="Times New Roman" pitchFamily="18" charset="0"/>
+                <a:cs typeface="Times New Roman" pitchFamily="18" charset="0"/>
+              </a:rPr>
+              <a:t>syntax</a:t>
+            </a:r>
+            <a:r>
+              <a:rPr lang="es-ES" b="1" dirty="0" smtClean="0">
+                <a:latin typeface="Times New Roman" pitchFamily="18" charset="0"/>
+                <a:cs typeface="Times New Roman" pitchFamily="18" charset="0"/>
+              </a:rPr>
+              <a:t> </a:t>
+            </a:r>
+            <a:r>
+              <a:rPr lang="es-ES" b="1" dirty="0" err="1" smtClean="0">
+                <a:latin typeface="Times New Roman" pitchFamily="18" charset="0"/>
+                <a:cs typeface="Times New Roman" pitchFamily="18" charset="0"/>
+              </a:rPr>
+              <a:t>is</a:t>
+            </a:r>
+            <a:r>
+              <a:rPr lang="es-ES" b="1" dirty="0" smtClean="0">
+                <a:latin typeface="Times New Roman" pitchFamily="18" charset="0"/>
+                <a:cs typeface="Times New Roman" pitchFamily="18" charset="0"/>
+              </a:rPr>
+              <a:t> </a:t>
+            </a:r>
+            <a:r>
+              <a:rPr lang="es-ES" b="1" dirty="0" err="1" smtClean="0">
+                <a:latin typeface="Times New Roman" pitchFamily="18" charset="0"/>
+                <a:cs typeface="Times New Roman" pitchFamily="18" charset="0"/>
+              </a:rPr>
+              <a:t>little</a:t>
+            </a:r>
+            <a:r>
+              <a:rPr lang="es-ES" b="1" dirty="0" smtClean="0">
+                <a:latin typeface="Times New Roman" pitchFamily="18" charset="0"/>
+                <a:cs typeface="Times New Roman" pitchFamily="18" charset="0"/>
+              </a:rPr>
+              <a:t> bit </a:t>
+            </a:r>
+            <a:r>
+              <a:rPr lang="es-ES" b="1" dirty="0" err="1" smtClean="0">
+                <a:latin typeface="Times New Roman" pitchFamily="18" charset="0"/>
+                <a:cs typeface="Times New Roman" pitchFamily="18" charset="0"/>
+              </a:rPr>
+              <a:t>difficult</a:t>
+            </a:r>
+            <a:r>
+              <a:rPr lang="es-ES" b="1" dirty="0" smtClean="0">
+                <a:latin typeface="Times New Roman" pitchFamily="18" charset="0"/>
+                <a:cs typeface="Times New Roman" pitchFamily="18" charset="0"/>
+              </a:rPr>
+              <a:t> </a:t>
+            </a:r>
+            <a:r>
+              <a:rPr lang="es-ES" b="1" dirty="0" err="1" smtClean="0">
+                <a:latin typeface="Times New Roman" pitchFamily="18" charset="0"/>
+                <a:cs typeface="Times New Roman" pitchFamily="18" charset="0"/>
+              </a:rPr>
+              <a:t>to</a:t>
+            </a:r>
+            <a:r>
+              <a:rPr lang="es-ES" b="1" dirty="0" smtClean="0">
+                <a:latin typeface="Times New Roman" pitchFamily="18" charset="0"/>
+                <a:cs typeface="Times New Roman" pitchFamily="18" charset="0"/>
+              </a:rPr>
+              <a:t> </a:t>
+            </a:r>
+            <a:r>
+              <a:rPr lang="es-ES" b="1" dirty="0" err="1" smtClean="0">
+                <a:latin typeface="Times New Roman" pitchFamily="18" charset="0"/>
+                <a:cs typeface="Times New Roman" pitchFamily="18" charset="0"/>
+              </a:rPr>
+              <a:t>learn</a:t>
+            </a:r>
+            <a:r>
+              <a:rPr lang="es-ES" b="1" dirty="0" smtClean="0">
+                <a:latin typeface="Times New Roman" pitchFamily="18" charset="0"/>
+                <a:cs typeface="Times New Roman" pitchFamily="18" charset="0"/>
+              </a:rPr>
+              <a:t> and </a:t>
+            </a:r>
+            <a:r>
+              <a:rPr lang="es-ES" b="1" dirty="0" err="1" smtClean="0">
+                <a:latin typeface="Times New Roman" pitchFamily="18" charset="0"/>
+                <a:cs typeface="Times New Roman" pitchFamily="18" charset="0"/>
+              </a:rPr>
+              <a:t>understand</a:t>
+            </a:r>
+            <a:r>
+              <a:rPr lang="es-ES" b="1" dirty="0" smtClean="0">
+                <a:latin typeface="Times New Roman" pitchFamily="18" charset="0"/>
+                <a:cs typeface="Times New Roman" pitchFamily="18" charset="0"/>
+              </a:rPr>
+              <a:t>. </a:t>
+            </a:r>
+            <a:endParaRPr lang="es-ES" b="1" dirty="0">
+              <a:latin typeface="Times New Roman" pitchFamily="18" charset="0"/>
+              <a:cs typeface="Times New Roman" pitchFamily="18" charset="0"/>
+            </a:endParaRPr>
+          </a:p>
+        </p:txBody>
+      </p:sp>
+      <p:grpSp>
+        <p:nvGrpSpPr>
+          <p:cNvPr id="5" name="Group 25"/>
+          <p:cNvGrpSpPr/>
+          <p:nvPr/>
+        </p:nvGrpSpPr>
+        <p:grpSpPr>
+          <a:xfrm>
+            <a:off x="228600" y="4343400"/>
+            <a:ext cx="838200" cy="612274"/>
+            <a:chOff x="0" y="48125"/>
+            <a:chExt cx="838200" cy="612274"/>
+          </a:xfrm>
+        </p:grpSpPr>
+        <p:sp>
+          <p:nvSpPr>
+            <p:cNvPr id="27" name="Chevron 26"/>
+            <p:cNvSpPr/>
+            <p:nvPr/>
+          </p:nvSpPr>
+          <p:spPr>
+            <a:xfrm>
+              <a:off x="0" y="48125"/>
+              <a:ext cx="838200" cy="612274"/>
+            </a:xfrm>
+            <a:prstGeom prst="chevron">
+              <a:avLst/>
+            </a:prstGeom>
+          </p:spPr>
+          <p:style>
+            <a:lnRef idx="2">
+              <a:schemeClr val="lt1">
+                <a:hueOff val="0"/>
+                <a:satOff val="0"/>
+                <a:lumOff val="0"/>
+                <a:alphaOff val="0"/>
+              </a:schemeClr>
+            </a:lnRef>
+            <a:fillRef idx="1">
+              <a:schemeClr val="accent1">
+                <a:hueOff val="0"/>
+                <a:satOff val="0"/>
+                <a:lumOff val="0"/>
+                <a:alphaOff val="0"/>
+              </a:schemeClr>
+            </a:fillRef>
+            <a:effectRef idx="0">
+              <a:schemeClr val="accent1">
+                <a:hueOff val="0"/>
+                <a:satOff val="0"/>
+                <a:lumOff val="0"/>
+                <a:alphaOff val="0"/>
+              </a:schemeClr>
+            </a:effectRef>
+            <a:fontRef idx="minor">
+              <a:schemeClr val="lt1"/>
+            </a:fontRef>
+          </p:style>
+        </p:sp>
+        <p:sp>
+          <p:nvSpPr>
+            <p:cNvPr id="28" name="Chevron 4"/>
+            <p:cNvSpPr/>
+            <p:nvPr/>
+          </p:nvSpPr>
+          <p:spPr>
+            <a:xfrm>
+              <a:off x="306136" y="48125"/>
+              <a:ext cx="303463" cy="612274"/>
+            </a:xfrm>
+            <a:prstGeom prst="rect">
+              <a:avLst/>
+            </a:prstGeom>
+          </p:spPr>
+          <p:style>
+            <a:lnRef idx="0">
+              <a:scrgbClr r="0" g="0" b="0"/>
+            </a:lnRef>
+            <a:fillRef idx="0">
+              <a:scrgbClr r="0" g="0" b="0"/>
+            </a:fillRef>
+            <a:effectRef idx="0">
+              <a:scrgbClr r="0" g="0" b="0"/>
+            </a:effectRef>
+            <a:fontRef idx="minor">
+              <a:schemeClr val="lt1"/>
+            </a:fontRef>
+          </p:style>
+          <p:txBody>
+            <a:bodyPr spcFirstLastPara="0" vert="horz" wrap="square" lIns="56007" tIns="18669" rIns="18669" bIns="18669" numCol="1" spcCol="1270" anchor="ctr" anchorCtr="0">
+              <a:noAutofit/>
+            </a:bodyPr>
+            <a:lstStyle/>
+            <a:p>
+              <a:pPr lvl="0" algn="ctr" defTabSz="622300">
+                <a:lnSpc>
+                  <a:spcPct val="90000"/>
+                </a:lnSpc>
+                <a:spcBef>
+                  <a:spcPct val="0"/>
+                </a:spcBef>
+                <a:spcAft>
+                  <a:spcPct val="35000"/>
+                </a:spcAft>
+              </a:pPr>
+              <a:r>
+                <a:rPr lang="en-US" sz="1400" dirty="0" smtClean="0">
+                  <a:solidFill>
+                    <a:schemeClr val="tx1"/>
+                  </a:solidFill>
+                </a:rPr>
+                <a:t>3.</a:t>
+              </a:r>
+              <a:endParaRPr lang="en-US" sz="1400" kern="1200" dirty="0">
+                <a:solidFill>
+                  <a:schemeClr val="tx1"/>
+                </a:solidFill>
+              </a:endParaRPr>
+            </a:p>
+          </p:txBody>
+        </p:sp>
+      </p:grpSp>
+      <p:sp>
+        <p:nvSpPr>
+          <p:cNvPr id="26" name="Rectangle 25"/>
+          <p:cNvSpPr/>
+          <p:nvPr/>
+        </p:nvSpPr>
+        <p:spPr>
+          <a:xfrm>
+            <a:off x="1676400" y="304800"/>
+            <a:ext cx="4572000" cy="1446550"/>
+          </a:xfrm>
+          <a:prstGeom prst="rect">
+            <a:avLst/>
+          </a:prstGeom>
+        </p:spPr>
+        <p:txBody>
+          <a:bodyPr>
+            <a:spAutoFit/>
+          </a:bodyPr>
+          <a:lstStyle/>
+          <a:p>
+            <a:pPr algn="ctr"/>
+            <a:r>
+              <a:rPr lang="en-US" sz="4400" i="1" spc="50" dirty="0" smtClean="0">
+                <a:ln w="11430"/>
+                <a:solidFill>
+                  <a:srgbClr val="00B0F0"/>
+                </a:solidFill>
+                <a:effectLst>
+                  <a:outerShdw blurRad="38100" dist="38100" dir="2700000" algn="tl">
+                    <a:srgbClr val="000000">
+                      <a:alpha val="43137"/>
+                    </a:srgbClr>
+                  </a:outerShdw>
+                </a:effectLst>
+                <a:hlinkClick r:id="rId2" action="ppaction://hlinkfile"/>
+              </a:rPr>
+              <a:t>Challenges</a:t>
+            </a:r>
+          </a:p>
+          <a:p>
+            <a:pPr algn="ctr"/>
+            <a:r>
+              <a:rPr lang="en-US" sz="4400" b="1" i="1" spc="50" dirty="0" smtClean="0">
+                <a:ln w="11430"/>
+                <a:solidFill>
+                  <a:srgbClr val="00B0F0"/>
+                </a:solidFill>
+                <a:effectLst>
+                  <a:outerShdw blurRad="76200" dist="50800" dir="5400000" algn="tl" rotWithShape="0">
+                    <a:srgbClr val="000000">
+                      <a:alpha val="65000"/>
+                    </a:srgbClr>
+                  </a:outerShdw>
+                </a:effectLst>
+                <a:hlinkClick r:id="rId2" action="ppaction://hlinkfile"/>
+              </a:rPr>
+              <a:t> </a:t>
+            </a:r>
+            <a:endParaRPr lang="en-US" sz="4400" b="1" i="1" spc="50" dirty="0">
+              <a:ln w="11430"/>
+              <a:solidFill>
+                <a:srgbClr val="00B0F0"/>
+              </a:solidFill>
+              <a:effectLst>
+                <a:outerShdw blurRad="76200" dist="50800" dir="5400000" algn="tl" rotWithShape="0">
+                  <a:srgbClr val="000000">
+                    <a:alpha val="65000"/>
+                  </a:srgbClr>
+                </a:outerShdw>
+              </a:effectLst>
+            </a:endParaRPr>
+          </a:p>
+        </p:txBody>
+      </p:sp>
+    </p:spTree>
+  </p:cSld>
+  <p:clrMapOvr>
+    <a:masterClrMapping/>
+  </p:clrMapOvr>
+  <p:transition advTm="12000">
+    <p:wipe dir="u"/>
+  </p:transition>
+  <p:timing>
+    <p:tnLst>
+      <p:par>
+        <p:cTn id="1" dur="indefinite" restart="never" nodeType="tmRoot"/>
+      </p:par>
+    </p:tnLst>
+  </p:timing>
+</p:sld>
+</file>
+
+<file path=ppt/slides/slide2.xml><?xml version="1.0" encoding="utf-8"?>
+<p:sld xmlns:a="http://schemas.openxmlformats.org/drawingml/2006/main" xmlns:r="http://schemas.openxmlformats.org/officeDocument/2006/relationships" xmlns:p="http://schemas.openxmlformats.org/presentationml/2006/main">
+  <p:cSld>
+    <p:bg>
+      <p:bgPr>
+        <a:blipFill dpi="0" rotWithShape="0">
+          <a:blip r:embed="rId2" cstate="print"/>
+          <a:srcRect/>
+          <a:stretch>
+            <a:fillRect/>
+          </a:stretch>
+        </a:blipFill>
+        <a:effectLst/>
+      </p:bgPr>
+    </p:bg>
+    <p:spTree>
+      <p:nvGrpSpPr>
+        <p:cNvPr id="1" name=""/>
+        <p:cNvGrpSpPr/>
+        <p:nvPr/>
+      </p:nvGrpSpPr>
+      <p:grpSpPr>
+        <a:xfrm>
+          <a:off x="0" y="0"/>
+          <a:ext cx="0" cy="0"/>
+          <a:chOff x="0" y="0"/>
+          <a:chExt cx="0" cy="0"/>
+        </a:xfrm>
+      </p:grpSpPr>
+      <p:sp>
+        <p:nvSpPr>
+          <p:cNvPr id="2050" name="Rectangle 110"/>
+          <p:cNvSpPr>
+            <a:spLocks noGrp="1" noChangeArrowheads="1"/>
+          </p:cNvSpPr>
+          <p:nvPr>
+            <p:ph type="ctrTitle"/>
+          </p:nvPr>
+        </p:nvSpPr>
+        <p:spPr>
+          <a:xfrm>
+            <a:off x="2743199" y="765175"/>
+            <a:ext cx="6221413" cy="1336675"/>
+          </a:xfrm>
+          <a:noFill/>
+        </p:spPr>
+        <p:txBody>
+          <a:bodyPr/>
+          <a:lstStyle/>
+          <a:p>
+            <a:pPr eaLnBrk="1" hangingPunct="1"/>
+            <a:r>
+              <a:rPr lang="es-UY" b="1" dirty="0" err="1" smtClean="0">
+                <a:solidFill>
+                  <a:srgbClr val="000066"/>
+                </a:solidFill>
+                <a:latin typeface="Times New Roman" pitchFamily="18" charset="0"/>
+                <a:cs typeface="Times New Roman" pitchFamily="18" charset="0"/>
+              </a:rPr>
+              <a:t>Result</a:t>
+            </a:r>
+            <a:r>
+              <a:rPr lang="es-UY" b="1" dirty="0" smtClean="0">
+                <a:solidFill>
+                  <a:srgbClr val="000066"/>
+                </a:solidFill>
+                <a:latin typeface="Times New Roman" pitchFamily="18" charset="0"/>
+                <a:cs typeface="Times New Roman" pitchFamily="18" charset="0"/>
+              </a:rPr>
+              <a:t> </a:t>
+            </a:r>
+            <a:r>
+              <a:rPr lang="es-UY" b="1" dirty="0" err="1" smtClean="0">
+                <a:solidFill>
+                  <a:srgbClr val="000066"/>
+                </a:solidFill>
+                <a:latin typeface="Times New Roman" pitchFamily="18" charset="0"/>
+                <a:cs typeface="Times New Roman" pitchFamily="18" charset="0"/>
+              </a:rPr>
+              <a:t>Analysis</a:t>
+            </a:r>
+            <a:r>
+              <a:rPr lang="es-UY" b="1" dirty="0" smtClean="0">
+                <a:solidFill>
+                  <a:srgbClr val="000066"/>
+                </a:solidFill>
+                <a:latin typeface="Times New Roman" pitchFamily="18" charset="0"/>
+                <a:cs typeface="Times New Roman" pitchFamily="18" charset="0"/>
+              </a:rPr>
+              <a:t>  </a:t>
+            </a:r>
+            <a:endParaRPr lang="es-ES" b="1" dirty="0" smtClean="0">
+              <a:solidFill>
+                <a:srgbClr val="000066"/>
+              </a:solidFill>
+              <a:latin typeface="Times New Roman" pitchFamily="18" charset="0"/>
+              <a:cs typeface="Times New Roman" pitchFamily="18" charset="0"/>
+            </a:endParaRPr>
+          </a:p>
+        </p:txBody>
+      </p:sp>
+      <p:sp>
+        <p:nvSpPr>
+          <p:cNvPr id="2051" name="Rectangle 118"/>
+          <p:cNvSpPr>
+            <a:spLocks noChangeArrowheads="1"/>
+          </p:cNvSpPr>
+          <p:nvPr/>
+        </p:nvSpPr>
+        <p:spPr bwMode="auto">
+          <a:xfrm>
+            <a:off x="4953000" y="2362200"/>
+            <a:ext cx="3684588" cy="3240087"/>
+          </a:xfrm>
+          <a:prstGeom prst="rect">
+            <a:avLst/>
+          </a:prstGeom>
+          <a:noFill/>
+          <a:ln w="9525">
+            <a:noFill/>
+            <a:miter lim="800000"/>
+            <a:headEnd/>
+            <a:tailEnd/>
+          </a:ln>
+        </p:spPr>
+        <p:txBody>
+          <a:bodyPr anchor="ctr"/>
+          <a:lstStyle/>
+          <a:p>
+            <a:pPr algn="ctr"/>
+            <a:r>
+              <a:rPr lang="es-ES" sz="2400" b="1" u="sng" dirty="0" smtClean="0">
+                <a:solidFill>
+                  <a:srgbClr val="000066"/>
+                </a:solidFill>
+                <a:latin typeface="Times New Roman" pitchFamily="18" charset="0"/>
+                <a:cs typeface="Times New Roman" pitchFamily="18" charset="0"/>
+              </a:rPr>
+              <a:t/>
+            </a:r>
+            <a:br>
+              <a:rPr lang="es-ES" sz="2400" b="1" u="sng" dirty="0" smtClean="0">
+                <a:solidFill>
+                  <a:srgbClr val="000066"/>
+                </a:solidFill>
+                <a:latin typeface="Times New Roman" pitchFamily="18" charset="0"/>
+                <a:cs typeface="Times New Roman" pitchFamily="18" charset="0"/>
+              </a:rPr>
+            </a:br>
+            <a:endParaRPr lang="es-ES" b="1" dirty="0">
+              <a:solidFill>
+                <a:schemeClr val="tx2"/>
+              </a:solidFill>
+              <a:latin typeface="Times New Roman" pitchFamily="18" charset="0"/>
+              <a:cs typeface="Times New Roman" pitchFamily="18" charset="0"/>
+            </a:endParaRPr>
+          </a:p>
+          <a:p>
+            <a:pPr algn="ctr"/>
+            <a:r>
+              <a:rPr lang="es-ES" b="1" u="sng" dirty="0" err="1">
+                <a:solidFill>
+                  <a:schemeClr val="tx2"/>
+                </a:solidFill>
+                <a:latin typeface="Times New Roman" pitchFamily="18" charset="0"/>
+                <a:cs typeface="Times New Roman" pitchFamily="18" charset="0"/>
+              </a:rPr>
+              <a:t>Submitted</a:t>
+            </a:r>
+            <a:r>
+              <a:rPr lang="es-ES" b="1" u="sng" dirty="0">
+                <a:solidFill>
+                  <a:schemeClr val="tx2"/>
+                </a:solidFill>
+                <a:latin typeface="Times New Roman" pitchFamily="18" charset="0"/>
+                <a:cs typeface="Times New Roman" pitchFamily="18" charset="0"/>
+              </a:rPr>
+              <a:t> </a:t>
+            </a:r>
+            <a:r>
+              <a:rPr lang="es-ES" b="1" u="sng" dirty="0" err="1">
+                <a:solidFill>
+                  <a:schemeClr val="tx2"/>
+                </a:solidFill>
+                <a:latin typeface="Times New Roman" pitchFamily="18" charset="0"/>
+                <a:cs typeface="Times New Roman" pitchFamily="18" charset="0"/>
+              </a:rPr>
+              <a:t>By</a:t>
+            </a:r>
+            <a:r>
+              <a:rPr lang="es-ES" b="1" u="sng" dirty="0" smtClean="0">
+                <a:solidFill>
+                  <a:schemeClr val="tx2"/>
+                </a:solidFill>
+                <a:latin typeface="Times New Roman" pitchFamily="18" charset="0"/>
+                <a:cs typeface="Times New Roman" pitchFamily="18" charset="0"/>
+              </a:rPr>
+              <a:t>:-</a:t>
+            </a:r>
+          </a:p>
+          <a:p>
+            <a:pPr algn="ctr"/>
+            <a:r>
+              <a:rPr lang="es-ES" b="1" u="sng" dirty="0" err="1" smtClean="0">
+                <a:solidFill>
+                  <a:srgbClr val="C00000"/>
+                </a:solidFill>
+                <a:latin typeface="Times New Roman" pitchFamily="18" charset="0"/>
+                <a:cs typeface="Times New Roman" pitchFamily="18" charset="0"/>
+              </a:rPr>
+              <a:t>Shukla</a:t>
+            </a:r>
+            <a:r>
+              <a:rPr lang="es-ES" b="1" u="sng" dirty="0" smtClean="0">
+                <a:solidFill>
+                  <a:srgbClr val="C00000"/>
+                </a:solidFill>
+                <a:latin typeface="Times New Roman" pitchFamily="18" charset="0"/>
+                <a:cs typeface="Times New Roman" pitchFamily="18" charset="0"/>
+              </a:rPr>
+              <a:t> </a:t>
+            </a:r>
+            <a:r>
+              <a:rPr lang="es-ES" b="1" u="sng" dirty="0" err="1" smtClean="0">
+                <a:solidFill>
+                  <a:srgbClr val="C00000"/>
+                </a:solidFill>
+                <a:latin typeface="Times New Roman" pitchFamily="18" charset="0"/>
+                <a:cs typeface="Times New Roman" pitchFamily="18" charset="0"/>
+              </a:rPr>
+              <a:t>Saurabh</a:t>
+            </a:r>
+            <a:r>
+              <a:rPr lang="es-ES" b="1" u="sng" dirty="0" smtClean="0">
+                <a:solidFill>
+                  <a:srgbClr val="C00000"/>
+                </a:solidFill>
+                <a:latin typeface="Times New Roman" pitchFamily="18" charset="0"/>
+                <a:cs typeface="Times New Roman" pitchFamily="18" charset="0"/>
+              </a:rPr>
+              <a:t> (</a:t>
+            </a:r>
+            <a:r>
+              <a:rPr lang="es-ES" sz="1600" b="1" u="sng" dirty="0" smtClean="0">
+                <a:solidFill>
+                  <a:srgbClr val="C00000"/>
+                </a:solidFill>
+                <a:latin typeface="Times New Roman" pitchFamily="18" charset="0"/>
+                <a:cs typeface="Times New Roman" pitchFamily="18" charset="0"/>
+              </a:rPr>
+              <a:t>160133107026</a:t>
+            </a:r>
+            <a:r>
+              <a:rPr lang="es-ES" b="1" u="sng" dirty="0" smtClean="0">
+                <a:solidFill>
+                  <a:srgbClr val="C00000"/>
+                </a:solidFill>
+                <a:latin typeface="Times New Roman" pitchFamily="18" charset="0"/>
+                <a:cs typeface="Times New Roman" pitchFamily="18" charset="0"/>
+              </a:rPr>
+              <a:t>)</a:t>
+            </a:r>
+            <a:endParaRPr lang="es-ES" b="1" u="sng" dirty="0">
+              <a:solidFill>
+                <a:srgbClr val="C00000"/>
+              </a:solidFill>
+              <a:latin typeface="Times New Roman" pitchFamily="18" charset="0"/>
+              <a:cs typeface="Times New Roman" pitchFamily="18" charset="0"/>
+            </a:endParaRPr>
+          </a:p>
+        </p:txBody>
+      </p:sp>
+      <p:pic>
+        <p:nvPicPr>
+          <p:cNvPr id="2053" name="Picture 11" descr="LineOne.jpg"/>
+          <p:cNvPicPr>
+            <a:picLocks noChangeAspect="1"/>
+          </p:cNvPicPr>
+          <p:nvPr/>
+        </p:nvPicPr>
+        <p:blipFill>
+          <a:blip r:embed="rId3" cstate="print">
+            <a:lum bright="-20000" contrast="10000"/>
+          </a:blip>
+          <a:srcRect/>
+          <a:stretch>
+            <a:fillRect/>
+          </a:stretch>
+        </p:blipFill>
+        <p:spPr bwMode="auto">
+          <a:xfrm>
+            <a:off x="0" y="6524625"/>
+            <a:ext cx="9144000" cy="333375"/>
+          </a:xfrm>
+          <a:prstGeom prst="rect">
+            <a:avLst/>
+          </a:prstGeom>
+          <a:noFill/>
+          <a:ln w="9525">
+            <a:noFill/>
+            <a:miter lim="800000"/>
+            <a:headEnd/>
+            <a:tailEnd/>
+          </a:ln>
+        </p:spPr>
+      </p:pic>
+      <p:sp>
+        <p:nvSpPr>
+          <p:cNvPr id="7" name="Rectangle 6"/>
+          <p:cNvSpPr/>
+          <p:nvPr/>
+        </p:nvSpPr>
+        <p:spPr>
+          <a:xfrm>
+            <a:off x="-381000" y="3657600"/>
+            <a:ext cx="4572000" cy="1200329"/>
+          </a:xfrm>
+          <a:prstGeom prst="rect">
+            <a:avLst/>
+          </a:prstGeom>
+        </p:spPr>
+        <p:txBody>
+          <a:bodyPr>
+            <a:spAutoFit/>
+          </a:bodyPr>
+          <a:lstStyle/>
+          <a:p>
+            <a:pPr algn="ctr"/>
+            <a:r>
+              <a:rPr lang="es-ES" b="1" u="sng" dirty="0" smtClean="0">
+                <a:solidFill>
+                  <a:schemeClr val="tx1">
+                    <a:lumMod val="95000"/>
+                    <a:lumOff val="5000"/>
+                  </a:schemeClr>
+                </a:solidFill>
+                <a:latin typeface="Times New Roman" pitchFamily="18" charset="0"/>
+                <a:cs typeface="Times New Roman" pitchFamily="18" charset="0"/>
+              </a:rPr>
+              <a:t>Project Guide:</a:t>
+            </a:r>
+          </a:p>
+          <a:p>
+            <a:pPr algn="ctr"/>
+            <a:endParaRPr lang="es-ES" b="1" u="sng" dirty="0" smtClean="0">
+              <a:solidFill>
+                <a:srgbClr val="A40000"/>
+              </a:solidFill>
+              <a:latin typeface="Times New Roman" pitchFamily="18" charset="0"/>
+              <a:cs typeface="Times New Roman" pitchFamily="18" charset="0"/>
+            </a:endParaRPr>
+          </a:p>
+          <a:p>
+            <a:pPr algn="ctr"/>
+            <a:r>
+              <a:rPr lang="es-ES" b="1" u="sng" dirty="0" smtClean="0">
+                <a:solidFill>
+                  <a:srgbClr val="A40000"/>
+                </a:solidFill>
+                <a:latin typeface="Times New Roman" pitchFamily="18" charset="0"/>
+                <a:cs typeface="Times New Roman" pitchFamily="18" charset="0"/>
+              </a:rPr>
+              <a:t>Prof. </a:t>
+            </a:r>
+            <a:r>
+              <a:rPr lang="es-ES" b="1" u="sng" dirty="0" err="1" smtClean="0">
+                <a:solidFill>
+                  <a:srgbClr val="A40000"/>
+                </a:solidFill>
+                <a:latin typeface="Times New Roman" pitchFamily="18" charset="0"/>
+                <a:cs typeface="Times New Roman" pitchFamily="18" charset="0"/>
+              </a:rPr>
+              <a:t>Bijal</a:t>
+            </a:r>
+            <a:r>
+              <a:rPr lang="es-ES" b="1" u="sng" dirty="0" smtClean="0">
+                <a:solidFill>
+                  <a:srgbClr val="A40000"/>
+                </a:solidFill>
+                <a:latin typeface="Times New Roman" pitchFamily="18" charset="0"/>
+                <a:cs typeface="Times New Roman" pitchFamily="18" charset="0"/>
+              </a:rPr>
+              <a:t> U </a:t>
+            </a:r>
+            <a:r>
+              <a:rPr lang="es-ES" b="1" u="sng" dirty="0" err="1" smtClean="0">
+                <a:solidFill>
+                  <a:srgbClr val="A40000"/>
+                </a:solidFill>
+                <a:latin typeface="Times New Roman" pitchFamily="18" charset="0"/>
+                <a:cs typeface="Times New Roman" pitchFamily="18" charset="0"/>
+              </a:rPr>
+              <a:t>Gadhiya</a:t>
+            </a:r>
+            <a:endParaRPr lang="es-ES" b="1" u="sng" dirty="0" smtClean="0">
+              <a:solidFill>
+                <a:srgbClr val="A40000"/>
+              </a:solidFill>
+              <a:latin typeface="Times New Roman" pitchFamily="18" charset="0"/>
+              <a:cs typeface="Times New Roman" pitchFamily="18" charset="0"/>
+            </a:endParaRPr>
+          </a:p>
+          <a:p>
+            <a:pPr algn="ctr"/>
+            <a:endParaRPr lang="es-ES" b="1" u="sng" dirty="0" smtClean="0">
+              <a:solidFill>
+                <a:srgbClr val="A40000"/>
+              </a:solidFill>
+              <a:latin typeface="Times New Roman" pitchFamily="18" charset="0"/>
+              <a:cs typeface="Times New Roman" pitchFamily="18" charset="0"/>
+            </a:endParaRPr>
+          </a:p>
+        </p:txBody>
+      </p:sp>
+      <p:pic>
+        <p:nvPicPr>
+          <p:cNvPr id="8" name="image1.jpeg"/>
+          <p:cNvPicPr/>
+          <p:nvPr/>
+        </p:nvPicPr>
+        <p:blipFill>
+          <a:blip r:embed="rId4" cstate="print"/>
+          <a:stretch>
+            <a:fillRect/>
+          </a:stretch>
+        </p:blipFill>
+        <p:spPr>
+          <a:xfrm>
+            <a:off x="990600" y="533400"/>
+            <a:ext cx="1428750" cy="1428750"/>
+          </a:xfrm>
+          <a:prstGeom prst="rect">
+            <a:avLst/>
+          </a:prstGeom>
+        </p:spPr>
+      </p:pic>
+    </p:spTree>
+  </p:cSld>
+  <p:clrMapOvr>
+    <a:masterClrMapping/>
+  </p:clrMapOvr>
+  <p:transition advTm="6000">
+    <p:split/>
+  </p:transition>
+  <p:timing>
+    <p:tnLst>
+      <p:par>
+        <p:cTn id="1" dur="indefinite" restart="never" nodeType="tmRoot"/>
+      </p:par>
+    </p:tnLst>
+  </p:timing>
+</p:sld>
+</file>
+
+<file path=ppt/slides/slide20.xml><?xml version="1.0" encoding="utf-8"?>
+<p:sld xmlns:a="http://schemas.openxmlformats.org/drawingml/2006/main" xmlns:r="http://schemas.openxmlformats.org/officeDocument/2006/relationships" xmlns:p="http://schemas.openxmlformats.org/presentationml/2006/main">
+  <p:cSld>
+    <p:spTree>
+      <p:nvGrpSpPr>
+        <p:cNvPr id="1" name=""/>
+        <p:cNvGrpSpPr/>
+        <p:nvPr/>
+      </p:nvGrpSpPr>
+      <p:grpSpPr>
+        <a:xfrm>
+          <a:off x="0" y="0"/>
+          <a:ext cx="0" cy="0"/>
+          <a:chOff x="0" y="0"/>
+          <a:chExt cx="0" cy="0"/>
+        </a:xfrm>
+      </p:grpSpPr>
+      <p:sp>
+        <p:nvSpPr>
+          <p:cNvPr id="21" name="Rectangle 20"/>
+          <p:cNvSpPr/>
+          <p:nvPr/>
+        </p:nvSpPr>
+        <p:spPr>
+          <a:xfrm>
+            <a:off x="457200" y="2056686"/>
+            <a:ext cx="8305800" cy="4801314"/>
+          </a:xfrm>
+          <a:prstGeom prst="rect">
+            <a:avLst/>
+          </a:prstGeom>
+        </p:spPr>
+        <p:txBody>
+          <a:bodyPr wrap="square">
+            <a:spAutoFit/>
+          </a:bodyPr>
+          <a:lstStyle/>
+          <a:p>
+            <a:r>
+              <a:rPr lang="en-US" dirty="0" smtClean="0"/>
+              <a:t>	Software </a:t>
+            </a:r>
+            <a:r>
+              <a:rPr lang="en-US" dirty="0" smtClean="0"/>
+              <a:t>is continuously changing entity. Software should be reflected with new features whenever new requirements </a:t>
+            </a:r>
+            <a:r>
+              <a:rPr lang="en-US" dirty="0" smtClean="0"/>
+              <a:t>emerges. </a:t>
+            </a:r>
+          </a:p>
+          <a:p>
+            <a:endParaRPr lang="en-US" dirty="0" smtClean="0"/>
+          </a:p>
+          <a:p>
+            <a:r>
+              <a:rPr lang="en-US" dirty="0" smtClean="0"/>
+              <a:t>	</a:t>
+            </a:r>
+            <a:r>
+              <a:rPr lang="en-US" dirty="0" smtClean="0"/>
+              <a:t>Software </a:t>
+            </a:r>
+            <a:r>
+              <a:rPr lang="en-US" dirty="0" smtClean="0"/>
+              <a:t>evolution is one of big phase in any software’s life cycle. We have to project towards some newly emerged and previously implemented and installed into its essential </a:t>
+            </a:r>
+            <a:r>
+              <a:rPr lang="en-US" dirty="0" smtClean="0"/>
+              <a:t>environment.</a:t>
+            </a:r>
+          </a:p>
+          <a:p>
+            <a:endParaRPr lang="en-US" dirty="0" smtClean="0"/>
+          </a:p>
+          <a:p>
+            <a:r>
+              <a:rPr lang="en-US" dirty="0" smtClean="0"/>
+              <a:t> 	We have </a:t>
+            </a:r>
+            <a:r>
+              <a:rPr lang="en-US" dirty="0" smtClean="0"/>
+              <a:t>to examine newly emerging </a:t>
+            </a:r>
+            <a:r>
+              <a:rPr lang="en-US" dirty="0" smtClean="0"/>
+              <a:t>requirements , misinterpretation </a:t>
+            </a:r>
+            <a:r>
+              <a:rPr lang="en-US" dirty="0" smtClean="0"/>
+              <a:t>of older requirements, impact due to omission of some important requirements, and failure of some features. For our prepared system we are willing to provide some new features, which can help the users in prodigious way, they are as noted below</a:t>
+            </a:r>
+            <a:r>
+              <a:rPr lang="en-US" dirty="0" smtClean="0"/>
+              <a:t>.</a:t>
+            </a:r>
+          </a:p>
+          <a:p>
+            <a:endParaRPr lang="en-US" dirty="0" smtClean="0"/>
+          </a:p>
+          <a:p>
+            <a:pPr>
+              <a:buFont typeface="Wingdings" pitchFamily="2" charset="2"/>
+              <a:buChar char="Ø"/>
+            </a:pPr>
+            <a:r>
+              <a:rPr lang="en-US" dirty="0" smtClean="0"/>
+              <a:t> Better format for reports generation.</a:t>
+            </a:r>
+          </a:p>
+          <a:p>
+            <a:pPr>
+              <a:buFont typeface="Wingdings" pitchFamily="2" charset="2"/>
+              <a:buChar char="Ø"/>
+            </a:pPr>
+            <a:r>
+              <a:rPr lang="en-US" dirty="0" smtClean="0"/>
+              <a:t> Automatic </a:t>
+            </a:r>
+            <a:r>
+              <a:rPr lang="en-US" dirty="0" err="1" smtClean="0"/>
+              <a:t>Questionpaper</a:t>
+            </a:r>
+            <a:r>
+              <a:rPr lang="en-US" dirty="0" smtClean="0"/>
+              <a:t> generation on </a:t>
+            </a:r>
+            <a:r>
+              <a:rPr lang="en-US" dirty="0" err="1" smtClean="0"/>
+              <a:t>gtu</a:t>
+            </a:r>
+            <a:r>
+              <a:rPr lang="en-US" dirty="0" smtClean="0"/>
+              <a:t> admin side.</a:t>
+            </a:r>
+          </a:p>
+          <a:p>
+            <a:pPr>
+              <a:buFont typeface="Wingdings" pitchFamily="2" charset="2"/>
+              <a:buChar char="Ø"/>
+            </a:pPr>
+            <a:endParaRPr lang="en-US" dirty="0" smtClean="0"/>
+          </a:p>
+          <a:p>
+            <a:endParaRPr lang="en-US" dirty="0"/>
+          </a:p>
+        </p:txBody>
+      </p:sp>
+      <p:sp>
+        <p:nvSpPr>
+          <p:cNvPr id="26" name="Rectangle 25"/>
+          <p:cNvSpPr/>
+          <p:nvPr/>
+        </p:nvSpPr>
+        <p:spPr>
+          <a:xfrm>
+            <a:off x="304800" y="533400"/>
+            <a:ext cx="8229600" cy="1323439"/>
+          </a:xfrm>
+          <a:prstGeom prst="rect">
+            <a:avLst/>
+          </a:prstGeom>
+        </p:spPr>
+        <p:txBody>
+          <a:bodyPr wrap="square">
+            <a:spAutoFit/>
+          </a:bodyPr>
+          <a:lstStyle/>
+          <a:p>
+            <a:pPr algn="ctr"/>
+            <a:r>
+              <a:rPr lang="en-US" sz="4000" b="1" i="1" spc="50" dirty="0" smtClean="0">
+                <a:ln w="11430"/>
+                <a:solidFill>
+                  <a:srgbClr val="00B0F0"/>
+                </a:solidFill>
+                <a:effectLst>
+                  <a:outerShdw blurRad="76200" dist="50800" dir="5400000" algn="tl" rotWithShape="0">
+                    <a:srgbClr val="000000">
+                      <a:alpha val="65000"/>
+                    </a:srgbClr>
+                  </a:outerShdw>
+                </a:effectLst>
+                <a:hlinkClick r:id="rId2" action="ppaction://hlinkfile"/>
+              </a:rPr>
+              <a:t>Future Enhancement</a:t>
+            </a:r>
+          </a:p>
+          <a:p>
+            <a:pPr algn="ctr"/>
+            <a:r>
+              <a:rPr lang="en-US" sz="4000" b="1" i="1" spc="50" dirty="0" smtClean="0">
+                <a:ln w="11430"/>
+                <a:solidFill>
+                  <a:srgbClr val="00B0F0"/>
+                </a:solidFill>
+                <a:effectLst>
+                  <a:outerShdw blurRad="76200" dist="50800" dir="5400000" algn="tl" rotWithShape="0">
+                    <a:srgbClr val="000000">
+                      <a:alpha val="65000"/>
+                    </a:srgbClr>
+                  </a:outerShdw>
+                </a:effectLst>
+                <a:hlinkClick r:id="rId2" action="ppaction://hlinkfile"/>
+              </a:rPr>
+              <a:t> </a:t>
+            </a:r>
+            <a:endParaRPr lang="en-US" sz="4000" b="1" i="1" spc="50" dirty="0">
+              <a:ln w="11430"/>
+              <a:solidFill>
+                <a:srgbClr val="00B0F0"/>
+              </a:solidFill>
+              <a:effectLst>
+                <a:outerShdw blurRad="76200" dist="50800" dir="5400000" algn="tl" rotWithShape="0">
+                  <a:srgbClr val="000000">
+                    <a:alpha val="65000"/>
+                  </a:srgbClr>
+                </a:outerShdw>
+              </a:effectLst>
+            </a:endParaRPr>
+          </a:p>
+        </p:txBody>
+      </p:sp>
+    </p:spTree>
+  </p:cSld>
+  <p:clrMapOvr>
+    <a:masterClrMapping/>
+  </p:clrMapOvr>
+  <p:transition advTm="12000">
+    <p:wipe dir="u"/>
+  </p:transition>
+  <p:timing>
+    <p:tnLst>
+      <p:par>
+        <p:cTn id="1" dur="indefinite" restart="never" nodeType="tmRoot"/>
+      </p:par>
+    </p:tnLst>
+  </p:timing>
+</p:sld>
+</file>
+
+<file path=ppt/slides/slide21.xml><?xml version="1.0" encoding="utf-8"?>
 <p:sld xmlns:a="http://schemas.openxmlformats.org/drawingml/2006/main" xmlns:r="http://schemas.openxmlformats.org/officeDocument/2006/relationships" xmlns:p="http://schemas.openxmlformats.org/presentationml/2006/main">
   <p:cSld>
     <p:spTree>
@@ -10027,7 +11330,7 @@
 </p:sld>
 </file>
 
-<file path=ppt/slides/slide19.xml><?xml version="1.0" encoding="utf-8"?>
+<file path=ppt/slides/slide22.xml><?xml version="1.0" encoding="utf-8"?>
 <p:sld xmlns:a="http://schemas.openxmlformats.org/drawingml/2006/main" xmlns:r="http://schemas.openxmlformats.org/officeDocument/2006/relationships" xmlns:p="http://schemas.openxmlformats.org/presentationml/2006/main">
   <p:cSld>
     <p:spTree>
@@ -10112,616 +11415,6 @@
 </p:sld>
 </file>
 
-<file path=ppt/slides/slide2.xml><?xml version="1.0" encoding="utf-8"?>
-<p:sld xmlns:a="http://schemas.openxmlformats.org/drawingml/2006/main" xmlns:r="http://schemas.openxmlformats.org/officeDocument/2006/relationships" xmlns:p="http://schemas.openxmlformats.org/presentationml/2006/main">
-  <p:cSld>
-    <p:bg>
-      <p:bgPr>
-        <a:blipFill dpi="0" rotWithShape="0">
-          <a:blip r:embed="rId2" cstate="print"/>
-          <a:srcRect/>
-          <a:stretch>
-            <a:fillRect/>
-          </a:stretch>
-        </a:blipFill>
-        <a:effectLst/>
-      </p:bgPr>
-    </p:bg>
-    <p:spTree>
-      <p:nvGrpSpPr>
-        <p:cNvPr id="1" name=""/>
-        <p:cNvGrpSpPr/>
-        <p:nvPr/>
-      </p:nvGrpSpPr>
-      <p:grpSpPr>
-        <a:xfrm>
-          <a:off x="0" y="0"/>
-          <a:ext cx="0" cy="0"/>
-          <a:chOff x="0" y="0"/>
-          <a:chExt cx="0" cy="0"/>
-        </a:xfrm>
-      </p:grpSpPr>
-      <p:sp>
-        <p:nvSpPr>
-          <p:cNvPr id="2050" name="Rectangle 110"/>
-          <p:cNvSpPr>
-            <a:spLocks noGrp="1" noChangeArrowheads="1"/>
-          </p:cNvSpPr>
-          <p:nvPr>
-            <p:ph type="ctrTitle"/>
-          </p:nvPr>
-        </p:nvSpPr>
-        <p:spPr>
-          <a:xfrm>
-            <a:off x="2743199" y="765175"/>
-            <a:ext cx="6221413" cy="1336675"/>
-          </a:xfrm>
-          <a:noFill/>
-        </p:spPr>
-        <p:txBody>
-          <a:bodyPr/>
-          <a:lstStyle/>
-          <a:p>
-            <a:pPr eaLnBrk="1" hangingPunct="1"/>
-            <a:r>
-              <a:rPr lang="es-UY" b="1" dirty="0" err="1" smtClean="0">
-                <a:solidFill>
-                  <a:srgbClr val="000066"/>
-                </a:solidFill>
-                <a:latin typeface="Times New Roman" pitchFamily="18" charset="0"/>
-                <a:cs typeface="Times New Roman" pitchFamily="18" charset="0"/>
-              </a:rPr>
-              <a:t>Result</a:t>
-            </a:r>
-            <a:r>
-              <a:rPr lang="es-UY" b="1" dirty="0" smtClean="0">
-                <a:solidFill>
-                  <a:srgbClr val="000066"/>
-                </a:solidFill>
-                <a:latin typeface="Times New Roman" pitchFamily="18" charset="0"/>
-                <a:cs typeface="Times New Roman" pitchFamily="18" charset="0"/>
-              </a:rPr>
-              <a:t> </a:t>
-            </a:r>
-            <a:r>
-              <a:rPr lang="es-UY" b="1" dirty="0" err="1" smtClean="0">
-                <a:solidFill>
-                  <a:srgbClr val="000066"/>
-                </a:solidFill>
-                <a:latin typeface="Times New Roman" pitchFamily="18" charset="0"/>
-                <a:cs typeface="Times New Roman" pitchFamily="18" charset="0"/>
-              </a:rPr>
-              <a:t>Analysis</a:t>
-            </a:r>
-            <a:r>
-              <a:rPr lang="es-UY" b="1" dirty="0" smtClean="0">
-                <a:solidFill>
-                  <a:srgbClr val="000066"/>
-                </a:solidFill>
-                <a:latin typeface="Times New Roman" pitchFamily="18" charset="0"/>
-                <a:cs typeface="Times New Roman" pitchFamily="18" charset="0"/>
-              </a:rPr>
-              <a:t>  </a:t>
-            </a:r>
-            <a:endParaRPr lang="es-ES" b="1" dirty="0" smtClean="0">
-              <a:solidFill>
-                <a:srgbClr val="000066"/>
-              </a:solidFill>
-              <a:latin typeface="Times New Roman" pitchFamily="18" charset="0"/>
-              <a:cs typeface="Times New Roman" pitchFamily="18" charset="0"/>
-            </a:endParaRPr>
-          </a:p>
-        </p:txBody>
-      </p:sp>
-      <p:sp>
-        <p:nvSpPr>
-          <p:cNvPr id="2051" name="Rectangle 118"/>
-          <p:cNvSpPr>
-            <a:spLocks noChangeArrowheads="1"/>
-          </p:cNvSpPr>
-          <p:nvPr/>
-        </p:nvSpPr>
-        <p:spPr bwMode="auto">
-          <a:xfrm>
-            <a:off x="4953000" y="2362200"/>
-            <a:ext cx="3684588" cy="3240087"/>
-          </a:xfrm>
-          <a:prstGeom prst="rect">
-            <a:avLst/>
-          </a:prstGeom>
-          <a:noFill/>
-          <a:ln w="9525">
-            <a:noFill/>
-            <a:miter lim="800000"/>
-            <a:headEnd/>
-            <a:tailEnd/>
-          </a:ln>
-        </p:spPr>
-        <p:txBody>
-          <a:bodyPr anchor="ctr"/>
-          <a:lstStyle/>
-          <a:p>
-            <a:pPr algn="ctr"/>
-            <a:r>
-              <a:rPr lang="es-ES" sz="2400" b="1" u="sng" dirty="0" smtClean="0">
-                <a:solidFill>
-                  <a:srgbClr val="000066"/>
-                </a:solidFill>
-                <a:latin typeface="Times New Roman" pitchFamily="18" charset="0"/>
-                <a:cs typeface="Times New Roman" pitchFamily="18" charset="0"/>
-              </a:rPr>
-              <a:t/>
-            </a:r>
-            <a:br>
-              <a:rPr lang="es-ES" sz="2400" b="1" u="sng" dirty="0" smtClean="0">
-                <a:solidFill>
-                  <a:srgbClr val="000066"/>
-                </a:solidFill>
-                <a:latin typeface="Times New Roman" pitchFamily="18" charset="0"/>
-                <a:cs typeface="Times New Roman" pitchFamily="18" charset="0"/>
-              </a:rPr>
-            </a:br>
-            <a:endParaRPr lang="es-ES" b="1" dirty="0">
-              <a:solidFill>
-                <a:schemeClr val="tx2"/>
-              </a:solidFill>
-              <a:latin typeface="Times New Roman" pitchFamily="18" charset="0"/>
-              <a:cs typeface="Times New Roman" pitchFamily="18" charset="0"/>
-            </a:endParaRPr>
-          </a:p>
-          <a:p>
-            <a:pPr algn="ctr"/>
-            <a:r>
-              <a:rPr lang="es-ES" b="1" u="sng" dirty="0" err="1">
-                <a:solidFill>
-                  <a:schemeClr val="tx2"/>
-                </a:solidFill>
-                <a:latin typeface="Times New Roman" pitchFamily="18" charset="0"/>
-                <a:cs typeface="Times New Roman" pitchFamily="18" charset="0"/>
-              </a:rPr>
-              <a:t>Submitted</a:t>
-            </a:r>
-            <a:r>
-              <a:rPr lang="es-ES" b="1" u="sng" dirty="0">
-                <a:solidFill>
-                  <a:schemeClr val="tx2"/>
-                </a:solidFill>
-                <a:latin typeface="Times New Roman" pitchFamily="18" charset="0"/>
-                <a:cs typeface="Times New Roman" pitchFamily="18" charset="0"/>
-              </a:rPr>
-              <a:t> </a:t>
-            </a:r>
-            <a:r>
-              <a:rPr lang="es-ES" b="1" u="sng" dirty="0" err="1">
-                <a:solidFill>
-                  <a:schemeClr val="tx2"/>
-                </a:solidFill>
-                <a:latin typeface="Times New Roman" pitchFamily="18" charset="0"/>
-                <a:cs typeface="Times New Roman" pitchFamily="18" charset="0"/>
-              </a:rPr>
-              <a:t>By</a:t>
-            </a:r>
-            <a:r>
-              <a:rPr lang="es-ES" b="1" u="sng" dirty="0" smtClean="0">
-                <a:solidFill>
-                  <a:schemeClr val="tx2"/>
-                </a:solidFill>
-                <a:latin typeface="Times New Roman" pitchFamily="18" charset="0"/>
-                <a:cs typeface="Times New Roman" pitchFamily="18" charset="0"/>
-              </a:rPr>
-              <a:t>:-</a:t>
-            </a:r>
-          </a:p>
-          <a:p>
-            <a:pPr algn="ctr"/>
-            <a:endParaRPr lang="es-ES" b="1" u="sng" dirty="0" smtClean="0">
-              <a:solidFill>
-                <a:schemeClr val="tx2"/>
-              </a:solidFill>
-              <a:latin typeface="Times New Roman" pitchFamily="18" charset="0"/>
-              <a:cs typeface="Times New Roman" pitchFamily="18" charset="0"/>
-            </a:endParaRPr>
-          </a:p>
-          <a:p>
-            <a:pPr algn="ctr"/>
-            <a:r>
-              <a:rPr lang="es-ES" b="1" u="sng" dirty="0" err="1" smtClean="0">
-                <a:solidFill>
-                  <a:srgbClr val="C00000"/>
-                </a:solidFill>
-                <a:latin typeface="Times New Roman" pitchFamily="18" charset="0"/>
-                <a:cs typeface="Times New Roman" pitchFamily="18" charset="0"/>
-              </a:rPr>
-              <a:t>Sidharth</a:t>
-            </a:r>
-            <a:r>
-              <a:rPr lang="es-ES" b="1" u="sng" dirty="0" smtClean="0">
-                <a:solidFill>
-                  <a:srgbClr val="C00000"/>
-                </a:solidFill>
-                <a:latin typeface="Times New Roman" pitchFamily="18" charset="0"/>
-                <a:cs typeface="Times New Roman" pitchFamily="18" charset="0"/>
-              </a:rPr>
-              <a:t> </a:t>
-            </a:r>
-            <a:r>
-              <a:rPr lang="es-ES" b="1" u="sng" dirty="0" err="1" smtClean="0">
-                <a:solidFill>
-                  <a:srgbClr val="C00000"/>
-                </a:solidFill>
-                <a:latin typeface="Times New Roman" pitchFamily="18" charset="0"/>
-                <a:cs typeface="Times New Roman" pitchFamily="18" charset="0"/>
-              </a:rPr>
-              <a:t>Jaiswal</a:t>
-            </a:r>
-            <a:r>
-              <a:rPr lang="es-ES" b="1" u="sng" dirty="0" smtClean="0">
-                <a:solidFill>
-                  <a:srgbClr val="C00000"/>
-                </a:solidFill>
-                <a:latin typeface="Times New Roman" pitchFamily="18" charset="0"/>
-                <a:cs typeface="Times New Roman" pitchFamily="18" charset="0"/>
-              </a:rPr>
-              <a:t> (160133107008)</a:t>
-            </a:r>
-          </a:p>
-          <a:p>
-            <a:pPr algn="ctr"/>
-            <a:r>
-              <a:rPr lang="es-ES" b="1" u="sng" dirty="0" err="1" smtClean="0">
-                <a:solidFill>
-                  <a:srgbClr val="C00000"/>
-                </a:solidFill>
-                <a:latin typeface="Times New Roman" pitchFamily="18" charset="0"/>
-                <a:cs typeface="Times New Roman" pitchFamily="18" charset="0"/>
-              </a:rPr>
-              <a:t>Kalpana</a:t>
-            </a:r>
-            <a:r>
-              <a:rPr lang="es-ES" b="1" u="sng" dirty="0" smtClean="0">
-                <a:solidFill>
-                  <a:srgbClr val="C00000"/>
-                </a:solidFill>
-                <a:latin typeface="Times New Roman" pitchFamily="18" charset="0"/>
-                <a:cs typeface="Times New Roman" pitchFamily="18" charset="0"/>
-              </a:rPr>
-              <a:t> </a:t>
-            </a:r>
-            <a:r>
-              <a:rPr lang="es-ES" b="1" u="sng" dirty="0" err="1" smtClean="0">
-                <a:solidFill>
-                  <a:srgbClr val="C00000"/>
-                </a:solidFill>
-                <a:latin typeface="Times New Roman" pitchFamily="18" charset="0"/>
-                <a:cs typeface="Times New Roman" pitchFamily="18" charset="0"/>
-              </a:rPr>
-              <a:t>Bamaniya</a:t>
-            </a:r>
-            <a:r>
-              <a:rPr lang="es-ES" b="1" u="sng" dirty="0" smtClean="0">
-                <a:solidFill>
-                  <a:srgbClr val="C00000"/>
-                </a:solidFill>
-                <a:latin typeface="Times New Roman" pitchFamily="18" charset="0"/>
-                <a:cs typeface="Times New Roman" pitchFamily="18" charset="0"/>
-              </a:rPr>
-              <a:t>(160133107009)</a:t>
-            </a:r>
-          </a:p>
-          <a:p>
-            <a:pPr algn="ctr"/>
-            <a:r>
-              <a:rPr lang="es-ES" b="1" u="sng" dirty="0" err="1" smtClean="0">
-                <a:solidFill>
-                  <a:srgbClr val="C00000"/>
-                </a:solidFill>
-                <a:latin typeface="Times New Roman" pitchFamily="18" charset="0"/>
-                <a:cs typeface="Times New Roman" pitchFamily="18" charset="0"/>
-              </a:rPr>
-              <a:t>Shukla</a:t>
-            </a:r>
-            <a:r>
-              <a:rPr lang="es-ES" b="1" u="sng" dirty="0" smtClean="0">
-                <a:solidFill>
-                  <a:srgbClr val="C00000"/>
-                </a:solidFill>
-                <a:latin typeface="Times New Roman" pitchFamily="18" charset="0"/>
-                <a:cs typeface="Times New Roman" pitchFamily="18" charset="0"/>
-              </a:rPr>
-              <a:t> </a:t>
-            </a:r>
-            <a:r>
-              <a:rPr lang="es-ES" b="1" u="sng" dirty="0" err="1" smtClean="0">
-                <a:solidFill>
-                  <a:srgbClr val="C00000"/>
-                </a:solidFill>
-                <a:latin typeface="Times New Roman" pitchFamily="18" charset="0"/>
-                <a:cs typeface="Times New Roman" pitchFamily="18" charset="0"/>
-              </a:rPr>
-              <a:t>Saurabh</a:t>
-            </a:r>
-            <a:r>
-              <a:rPr lang="es-ES" b="1" u="sng" dirty="0" smtClean="0">
-                <a:solidFill>
-                  <a:srgbClr val="C00000"/>
-                </a:solidFill>
-                <a:latin typeface="Times New Roman" pitchFamily="18" charset="0"/>
-                <a:cs typeface="Times New Roman" pitchFamily="18" charset="0"/>
-              </a:rPr>
-              <a:t> (</a:t>
-            </a:r>
-            <a:r>
-              <a:rPr lang="es-ES" sz="1600" b="1" u="sng" dirty="0" smtClean="0">
-                <a:solidFill>
-                  <a:srgbClr val="C00000"/>
-                </a:solidFill>
-                <a:latin typeface="Times New Roman" pitchFamily="18" charset="0"/>
-                <a:cs typeface="Times New Roman" pitchFamily="18" charset="0"/>
-              </a:rPr>
-              <a:t>160133107026</a:t>
-            </a:r>
-            <a:r>
-              <a:rPr lang="es-ES" b="1" u="sng" dirty="0" smtClean="0">
-                <a:solidFill>
-                  <a:srgbClr val="C00000"/>
-                </a:solidFill>
-                <a:latin typeface="Times New Roman" pitchFamily="18" charset="0"/>
-                <a:cs typeface="Times New Roman" pitchFamily="18" charset="0"/>
-              </a:rPr>
-              <a:t>)</a:t>
-            </a:r>
-            <a:endParaRPr lang="es-ES" b="1" u="sng" dirty="0">
-              <a:solidFill>
-                <a:srgbClr val="C00000"/>
-              </a:solidFill>
-              <a:latin typeface="Times New Roman" pitchFamily="18" charset="0"/>
-              <a:cs typeface="Times New Roman" pitchFamily="18" charset="0"/>
-            </a:endParaRPr>
-          </a:p>
-          <a:p>
-            <a:pPr algn="ctr"/>
-            <a:r>
-              <a:rPr lang="es-ES" b="1" dirty="0" err="1" smtClean="0">
-                <a:solidFill>
-                  <a:srgbClr val="C00000"/>
-                </a:solidFill>
-                <a:latin typeface="Times New Roman" pitchFamily="18" charset="0"/>
-                <a:cs typeface="Times New Roman" pitchFamily="18" charset="0"/>
-              </a:rPr>
-              <a:t>Suthar</a:t>
-            </a:r>
-            <a:r>
-              <a:rPr lang="es-ES" b="1" dirty="0" smtClean="0">
-                <a:solidFill>
-                  <a:srgbClr val="C00000"/>
-                </a:solidFill>
-                <a:latin typeface="Times New Roman" pitchFamily="18" charset="0"/>
-                <a:cs typeface="Times New Roman" pitchFamily="18" charset="0"/>
-              </a:rPr>
-              <a:t> </a:t>
-            </a:r>
-            <a:r>
-              <a:rPr lang="es-ES" b="1" dirty="0" err="1" smtClean="0">
-                <a:solidFill>
-                  <a:srgbClr val="C00000"/>
-                </a:solidFill>
-                <a:latin typeface="Times New Roman" pitchFamily="18" charset="0"/>
-                <a:cs typeface="Times New Roman" pitchFamily="18" charset="0"/>
-              </a:rPr>
-              <a:t>Yash</a:t>
-            </a:r>
-            <a:r>
-              <a:rPr lang="es-ES" b="1" u="sng" dirty="0" smtClean="0">
-                <a:solidFill>
-                  <a:srgbClr val="C00000"/>
-                </a:solidFill>
-                <a:latin typeface="Times New Roman" pitchFamily="18" charset="0"/>
-                <a:cs typeface="Times New Roman" pitchFamily="18" charset="0"/>
-              </a:rPr>
-              <a:t> (</a:t>
-            </a:r>
-            <a:r>
-              <a:rPr lang="es-ES" sz="1600" b="1" u="sng" dirty="0" smtClean="0">
-                <a:solidFill>
-                  <a:srgbClr val="C00000"/>
-                </a:solidFill>
-                <a:latin typeface="Times New Roman" pitchFamily="18" charset="0"/>
-                <a:cs typeface="Times New Roman" pitchFamily="18" charset="0"/>
-              </a:rPr>
-              <a:t>160133107028</a:t>
-            </a:r>
-            <a:r>
-              <a:rPr lang="es-ES" b="1" u="sng" dirty="0" smtClean="0">
-                <a:solidFill>
-                  <a:srgbClr val="C00000"/>
-                </a:solidFill>
-                <a:latin typeface="Times New Roman" pitchFamily="18" charset="0"/>
-                <a:cs typeface="Times New Roman" pitchFamily="18" charset="0"/>
-              </a:rPr>
-              <a:t>)</a:t>
-            </a:r>
-            <a:endParaRPr lang="es-ES" b="1" dirty="0">
-              <a:solidFill>
-                <a:srgbClr val="C00000"/>
-              </a:solidFill>
-              <a:latin typeface="Times New Roman" pitchFamily="18" charset="0"/>
-              <a:cs typeface="Times New Roman" pitchFamily="18" charset="0"/>
-            </a:endParaRPr>
-          </a:p>
-        </p:txBody>
-      </p:sp>
-      <p:pic>
-        <p:nvPicPr>
-          <p:cNvPr id="2053" name="Picture 11" descr="LineOne.jpg"/>
-          <p:cNvPicPr>
-            <a:picLocks noChangeAspect="1"/>
-          </p:cNvPicPr>
-          <p:nvPr/>
-        </p:nvPicPr>
-        <p:blipFill>
-          <a:blip r:embed="rId3" cstate="print">
-            <a:lum bright="-20000" contrast="10000"/>
-          </a:blip>
-          <a:srcRect/>
-          <a:stretch>
-            <a:fillRect/>
-          </a:stretch>
-        </p:blipFill>
-        <p:spPr bwMode="auto">
-          <a:xfrm>
-            <a:off x="0" y="6524625"/>
-            <a:ext cx="9144000" cy="333375"/>
-          </a:xfrm>
-          <a:prstGeom prst="rect">
-            <a:avLst/>
-          </a:prstGeom>
-          <a:noFill/>
-          <a:ln w="9525">
-            <a:noFill/>
-            <a:miter lim="800000"/>
-            <a:headEnd/>
-            <a:tailEnd/>
-          </a:ln>
-        </p:spPr>
-      </p:pic>
-      <p:sp>
-        <p:nvSpPr>
-          <p:cNvPr id="7" name="Rectangle 6"/>
-          <p:cNvSpPr/>
-          <p:nvPr/>
-        </p:nvSpPr>
-        <p:spPr>
-          <a:xfrm>
-            <a:off x="-381000" y="3657600"/>
-            <a:ext cx="4572000" cy="1200329"/>
-          </a:xfrm>
-          <a:prstGeom prst="rect">
-            <a:avLst/>
-          </a:prstGeom>
-        </p:spPr>
-        <p:txBody>
-          <a:bodyPr>
-            <a:spAutoFit/>
-          </a:bodyPr>
-          <a:lstStyle/>
-          <a:p>
-            <a:pPr algn="ctr"/>
-            <a:r>
-              <a:rPr lang="es-ES" b="1" u="sng" dirty="0" smtClean="0">
-                <a:solidFill>
-                  <a:schemeClr val="tx1">
-                    <a:lumMod val="95000"/>
-                    <a:lumOff val="5000"/>
-                  </a:schemeClr>
-                </a:solidFill>
-                <a:latin typeface="Times New Roman" pitchFamily="18" charset="0"/>
-                <a:cs typeface="Times New Roman" pitchFamily="18" charset="0"/>
-              </a:rPr>
-              <a:t>Project Guide:</a:t>
-            </a:r>
-          </a:p>
-          <a:p>
-            <a:pPr algn="ctr"/>
-            <a:endParaRPr lang="es-ES" b="1" u="sng" dirty="0" smtClean="0">
-              <a:solidFill>
-                <a:srgbClr val="A40000"/>
-              </a:solidFill>
-              <a:latin typeface="Times New Roman" pitchFamily="18" charset="0"/>
-              <a:cs typeface="Times New Roman" pitchFamily="18" charset="0"/>
-            </a:endParaRPr>
-          </a:p>
-          <a:p>
-            <a:pPr algn="ctr"/>
-            <a:r>
-              <a:rPr lang="es-ES" b="1" u="sng" dirty="0" err="1" smtClean="0">
-                <a:solidFill>
-                  <a:srgbClr val="A40000"/>
-                </a:solidFill>
-                <a:latin typeface="Times New Roman" pitchFamily="18" charset="0"/>
-                <a:cs typeface="Times New Roman" pitchFamily="18" charset="0"/>
-              </a:rPr>
-              <a:t>Nisha</a:t>
-            </a:r>
-            <a:r>
-              <a:rPr lang="es-ES" b="1" u="sng" dirty="0" smtClean="0">
-                <a:solidFill>
-                  <a:srgbClr val="A40000"/>
-                </a:solidFill>
-                <a:latin typeface="Times New Roman" pitchFamily="18" charset="0"/>
-                <a:cs typeface="Times New Roman" pitchFamily="18" charset="0"/>
-              </a:rPr>
-              <a:t> N </a:t>
-            </a:r>
-            <a:r>
-              <a:rPr lang="es-ES" b="1" u="sng" dirty="0" err="1" smtClean="0">
-                <a:solidFill>
-                  <a:srgbClr val="A40000"/>
-                </a:solidFill>
-                <a:latin typeface="Times New Roman" pitchFamily="18" charset="0"/>
-                <a:cs typeface="Times New Roman" pitchFamily="18" charset="0"/>
-              </a:rPr>
-              <a:t>Shrivi</a:t>
-            </a:r>
-            <a:endParaRPr lang="es-ES" b="1" u="sng" dirty="0" smtClean="0">
-              <a:solidFill>
-                <a:srgbClr val="A40000"/>
-              </a:solidFill>
-              <a:latin typeface="Times New Roman" pitchFamily="18" charset="0"/>
-              <a:cs typeface="Times New Roman" pitchFamily="18" charset="0"/>
-            </a:endParaRPr>
-          </a:p>
-          <a:p>
-            <a:pPr algn="ctr"/>
-            <a:endParaRPr lang="es-ES" b="1" u="sng" dirty="0" smtClean="0">
-              <a:solidFill>
-                <a:srgbClr val="A40000"/>
-              </a:solidFill>
-              <a:latin typeface="Times New Roman" pitchFamily="18" charset="0"/>
-              <a:cs typeface="Times New Roman" pitchFamily="18" charset="0"/>
-            </a:endParaRPr>
-          </a:p>
-        </p:txBody>
-      </p:sp>
-      <p:pic>
-        <p:nvPicPr>
-          <p:cNvPr id="8" name="image1.jpeg"/>
-          <p:cNvPicPr/>
-          <p:nvPr/>
-        </p:nvPicPr>
-        <p:blipFill>
-          <a:blip r:embed="rId4" cstate="print"/>
-          <a:stretch>
-            <a:fillRect/>
-          </a:stretch>
-        </p:blipFill>
-        <p:spPr>
-          <a:xfrm>
-            <a:off x="990600" y="533400"/>
-            <a:ext cx="1428750" cy="1428750"/>
-          </a:xfrm>
-          <a:prstGeom prst="rect">
-            <a:avLst/>
-          </a:prstGeom>
-        </p:spPr>
-      </p:pic>
-    </p:spTree>
-  </p:cSld>
-  <p:clrMapOvr>
-    <a:masterClrMapping/>
-  </p:clrMapOvr>
-  <p:transition advTm="6000">
-    <p:split/>
-  </p:transition>
-  <p:timing>
-    <p:tnLst>
-      <p:par>
-        <p:cTn id="1" dur="indefinite" restart="never" nodeType="tmRoot"/>
-      </p:par>
-    </p:tnLst>
-  </p:timing>
-</p:sld>
-</file>
-
 <file path=ppt/slides/slide3.xml><?xml version="1.0" encoding="utf-8"?>
 <p:sld xmlns:a="http://schemas.openxmlformats.org/drawingml/2006/main" xmlns:r="http://schemas.openxmlformats.org/officeDocument/2006/relationships" xmlns:p="http://schemas.openxmlformats.org/presentationml/2006/main">
   <p:cSld>
@@ -10763,11 +11456,7 @@
             <a:pPr algn="ctr"/>
             <a:r>
               <a:rPr lang="en-US" sz="4400" b="1" dirty="0" smtClean="0"/>
-              <a:t>What is a </a:t>
-            </a:r>
-            <a:r>
-              <a:rPr lang="en-US" sz="4400" b="1" dirty="0" smtClean="0"/>
-              <a:t>Result </a:t>
+              <a:t>What is a Result </a:t>
             </a:r>
             <a:r>
               <a:rPr lang="en-US" sz="4400" b="1" dirty="0" err="1" smtClean="0"/>
@@ -10789,8 +11478,8 @@
         </p:nvSpPr>
         <p:spPr>
           <a:xfrm>
-            <a:off x="4860032" y="1295400"/>
-            <a:ext cx="4104456" cy="4832092"/>
+            <a:off x="4860032" y="1797308"/>
+            <a:ext cx="4104456" cy="5047536"/>
           </a:xfrm>
           <a:prstGeom prst="rect">
             <a:avLst/>
@@ -10818,15 +11507,7 @@
             </a:pPr>
             <a:r>
               <a:rPr lang="en-US" sz="1600" b="1" dirty="0" smtClean="0"/>
-              <a:t>“RESULT ANALYSIS” </a:t>
-            </a:r>
-            <a:r>
-              <a:rPr lang="en-US" sz="1600" b="1" dirty="0" smtClean="0"/>
-              <a:t>gives us idea about how the analysis of the result store in the database can be done and also how it is useful to Institute/University. The system will utilize the large result set and then by processing it will provide various reports on comparison on student’s </a:t>
-            </a:r>
-            <a:r>
-              <a:rPr lang="en-US" sz="1600" b="1" dirty="0" smtClean="0"/>
-              <a:t>result</a:t>
+              <a:t>“RESULT ANALYSIS” gives us idea about how the analysis of the result store in the database can be done and also how it is useful to Institute/University. The system will utilize the large result set and then by processing it will provide various reports on comparison on student’s result</a:t>
             </a:r>
             <a:r>
               <a:rPr lang="en-IN" b="1" dirty="0" smtClean="0"/>
@@ -10846,18 +11527,14 @@
               <a:buChar char="ü"/>
             </a:pPr>
             <a:r>
-              <a:rPr lang="en-US" sz="1400" b="1" dirty="0" smtClean="0"/>
-              <a:t>For </a:t>
-            </a:r>
-            <a:r>
-              <a:rPr lang="en-US" sz="1400" b="1" dirty="0" smtClean="0"/>
-              <a:t>Academicians, currently there is no information available to analyze the performance of department. We will generate reports based on analysis of institute result set and suggest where the department should focus on improvement on particular subject too</a:t>
-            </a:r>
-            <a:r>
-              <a:rPr lang="en-US" sz="1400" b="1" i="1" dirty="0" smtClean="0"/>
+              <a:rPr lang="en-US" sz="1600" b="1" dirty="0" smtClean="0"/>
+              <a:t>For Academicians, currently there is no information available to analyze the performance of department. We will generate reports based on analysis of institute result set and suggest where the department should focus on improvement on particular subject too</a:t>
+            </a:r>
+            <a:r>
+              <a:rPr lang="en-US" sz="1600" b="1" i="1" dirty="0" smtClean="0"/>
               <a:t>.</a:t>
             </a:r>
-            <a:endParaRPr lang="en-US" sz="1400" b="1" dirty="0" smtClean="0"/>
+            <a:endParaRPr lang="en-US" sz="1600" b="1" dirty="0" smtClean="0"/>
           </a:p>
           <a:p>
             <a:endParaRPr lang="en-US" sz="1400" b="1" dirty="0" smtClean="0">
@@ -11017,14 +11694,7 @@
                 <a:latin typeface="+mj-lt"/>
                 <a:cs typeface="Times New Roman" pitchFamily="18" charset="0"/>
               </a:rPr>
-              <a:t>Result Analysis </a:t>
-            </a:r>
-            <a:r>
-              <a:rPr lang="en-US" sz="4400" b="1" dirty="0" smtClean="0">
-                <a:latin typeface="+mj-lt"/>
-                <a:cs typeface="Times New Roman" pitchFamily="18" charset="0"/>
-              </a:rPr>
-              <a:t>Motto</a:t>
+              <a:t>Result Analysis Motto</a:t>
             </a:r>
             <a:endParaRPr lang="en-US" sz="4400" dirty="0">
               <a:latin typeface="+mj-lt"/>
@@ -11138,15 +11808,7 @@
           <a:p>
             <a:r>
               <a:rPr lang="en-US" i="1" dirty="0" smtClean="0"/>
-              <a:t>For Students currently </a:t>
-            </a:r>
-            <a:r>
-              <a:rPr lang="en-US" i="1" dirty="0" smtClean="0"/>
-              <a:t>their result is calculated, stored in the database and displayed simply on the University Portal</a:t>
-            </a:r>
-            <a:r>
-              <a:rPr lang="en-US" i="1" dirty="0" smtClean="0"/>
-              <a:t>.</a:t>
+              <a:t>For Students currently their result is calculated, stored in the database and displayed simply on the University Portal.</a:t>
             </a:r>
           </a:p>
           <a:p>
@@ -11162,15 +11824,7 @@
             </a:pPr>
             <a:r>
               <a:rPr lang="en-US" i="1" dirty="0" smtClean="0"/>
-              <a:t>The </a:t>
-            </a:r>
-            <a:r>
-              <a:rPr lang="en-US" i="1" dirty="0" smtClean="0"/>
-              <a:t>subject’s marks are represented in the form of grades and result is represented by a special value called SPI (Semester Percentage Index), CPI (Cumulative Performance Index), and CGPA (Cumulative Grade Point Average). So, here we will calculate percentage of student’s result</a:t>
-            </a:r>
-            <a:r>
-              <a:rPr lang="en-US" i="1" dirty="0" smtClean="0"/>
-              <a:t>.</a:t>
+              <a:t>The subject’s marks are represented in the form of grades and result is represented by a special value called SPI (Semester Percentage Index), CPI (Cumulative Performance Index), and CGPA (Cumulative Grade Point Average). So, here we will calculate percentage of student’s result.</a:t>
             </a:r>
           </a:p>
           <a:p>
@@ -11187,31 +11841,7 @@
             </a:pPr>
             <a:r>
               <a:rPr lang="en-US" i="1" dirty="0" smtClean="0"/>
-              <a:t> </a:t>
-            </a:r>
-            <a:r>
-              <a:rPr lang="en-US" i="1" dirty="0" smtClean="0"/>
-              <a:t>Also there is no comparison of individual student’s result with other </a:t>
-            </a:r>
-            <a:r>
-              <a:rPr lang="en-US" i="1" dirty="0" smtClean="0"/>
-              <a:t>student’s </a:t>
-            </a:r>
-            <a:r>
-              <a:rPr lang="en-US" i="1" dirty="0" smtClean="0"/>
-              <a:t>result. </a:t>
-            </a:r>
-            <a:r>
-              <a:rPr lang="en-US" i="1" dirty="0" smtClean="0"/>
-              <a:t>So </a:t>
-            </a:r>
-            <a:r>
-              <a:rPr lang="en-US" i="1" dirty="0" smtClean="0"/>
-              <a:t>here we will try to add this feature as our key feature to improve student’s performance by comparing each other’s result</a:t>
-            </a:r>
-            <a:r>
-              <a:rPr lang="en-US" i="1" dirty="0" smtClean="0"/>
-              <a:t>.</a:t>
+              <a:t> Also there is no comparison of individual student’s result with other student’s result. So here we will try to add this feature as our key feature to improve student’s performance by comparing each other’s result.</a:t>
             </a:r>
           </a:p>
           <a:p>
@@ -11228,11 +11858,7 @@
             </a:pPr>
             <a:r>
               <a:rPr lang="en-US" dirty="0" smtClean="0"/>
-              <a:t>Result Analysis </a:t>
-            </a:r>
-            <a:r>
-              <a:rPr lang="en-US" dirty="0" smtClean="0"/>
-              <a:t>refine data stored in database and generate various analysis reports</a:t>
+              <a:t>Result Analysis refine data stored in database and generate various analysis reports</a:t>
             </a:r>
             <a:r>
               <a:rPr lang="en-US" dirty="0" smtClean="0"/>
@@ -11244,20 +11870,16 @@
               <a:buFont typeface="Wingdings" pitchFamily="2" charset="2"/>
               <a:buChar char="Ø"/>
             </a:pPr>
+            <a:endParaRPr lang="en-US" dirty="0" smtClean="0"/>
+          </a:p>
+          <a:p>
+            <a:pPr>
+              <a:buFont typeface="Wingdings" pitchFamily="2" charset="2"/>
+              <a:buChar char="Ø"/>
+            </a:pPr>
             <a:r>
               <a:rPr lang="en-US" dirty="0" smtClean="0"/>
-              <a:t> To </a:t>
-            </a:r>
-            <a:r>
-              <a:rPr lang="en-US" dirty="0" smtClean="0"/>
-              <a:t>have easy access for students for any information from anywhere.</a:t>
-            </a:r>
-          </a:p>
-          <a:p>
-            <a:pPr lvl="0"/>
-            <a:r>
-              <a:rPr lang="en-US" dirty="0" smtClean="0"/>
-              <a:t>To have a reduced redundant data.</a:t>
+              <a:t> To have easy access for students for any information from anywhere.</a:t>
             </a:r>
           </a:p>
           <a:p>
@@ -11451,31 +12073,7 @@
                   <a:schemeClr val="tx1"/>
                 </a:solidFill>
               </a:rPr>
-              <a:t>Main </a:t>
-            </a:r>
-            <a:r>
-              <a:rPr lang="en-US" dirty="0" smtClean="0">
-                <a:solidFill>
-                  <a:schemeClr val="tx1"/>
-                </a:solidFill>
-              </a:rPr>
-              <a:t>modules </a:t>
-            </a:r>
-            <a:r>
-              <a:rPr lang="en-US" dirty="0" smtClean="0">
-                <a:solidFill>
-                  <a:schemeClr val="tx1"/>
-                </a:solidFill>
-              </a:rPr>
-              <a:t>of our </a:t>
-            </a:r>
-            <a:r>
-              <a:rPr lang="en-US" dirty="0" smtClean="0">
-                <a:solidFill>
-                  <a:schemeClr val="tx1"/>
-                </a:solidFill>
-              </a:rPr>
-              <a:t>system</a:t>
+              <a:t>Main modules of our system</a:t>
             </a:r>
             <a:endParaRPr lang="en-US" b="1" dirty="0" smtClean="0">
               <a:solidFill>
@@ -11513,13 +12111,7 @@
               <a:rPr lang="en-IN" sz="2400" dirty="0" smtClean="0">
                 <a:cs typeface="Times New Roman" pitchFamily="18" charset="0"/>
               </a:rPr>
-              <a:t> User Login</a:t>
-            </a:r>
-            <a:r>
-              <a:rPr lang="en-IN" sz="2400" dirty="0" smtClean="0">
-                <a:cs typeface="Times New Roman" pitchFamily="18" charset="0"/>
-              </a:rPr>
-              <a:t>.</a:t>
+              <a:t> User Login.</a:t>
             </a:r>
             <a:endParaRPr lang="en-US" sz="2400" dirty="0" smtClean="0">
               <a:cs typeface="Times New Roman" pitchFamily="18" charset="0"/>
@@ -11549,31 +12141,7 @@
               <a:rPr lang="en-US" sz="2400" dirty="0" smtClean="0">
                 <a:cs typeface="Times New Roman" pitchFamily="18" charset="0"/>
               </a:rPr>
-              <a:t>View </a:t>
-            </a:r>
-            <a:r>
-              <a:rPr lang="en-US" sz="2400" dirty="0" smtClean="0">
-                <a:cs typeface="Times New Roman" pitchFamily="18" charset="0"/>
-              </a:rPr>
-              <a:t>Result </a:t>
-            </a:r>
-            <a:r>
-              <a:rPr lang="en-US" sz="2400" dirty="0" smtClean="0">
-                <a:cs typeface="Times New Roman" pitchFamily="18" charset="0"/>
-              </a:rPr>
-              <a:t>GTU </a:t>
-            </a:r>
-            <a:r>
-              <a:rPr lang="en-US" sz="2400" dirty="0" smtClean="0">
-                <a:cs typeface="Times New Roman" pitchFamily="18" charset="0"/>
-              </a:rPr>
-              <a:t>wise</a:t>
-            </a:r>
-            <a:r>
-              <a:rPr lang="en-US" sz="2400" dirty="0" smtClean="0">
-                <a:cs typeface="Times New Roman" pitchFamily="18" charset="0"/>
-              </a:rPr>
-              <a:t>.</a:t>
+              <a:t>View Result GTU wise.</a:t>
             </a:r>
             <a:endParaRPr lang="en-IN" sz="2400" dirty="0" smtClean="0">
               <a:cs typeface="Times New Roman" pitchFamily="18" charset="0"/>
@@ -11588,17 +12156,8 @@
               <a:rPr lang="en-US" sz="2400" dirty="0" smtClean="0">
                 <a:cs typeface="Times New Roman" pitchFamily="18" charset="0"/>
               </a:rPr>
-              <a:t> </a:t>
-            </a:r>
-            <a:r>
-              <a:rPr lang="en-US" sz="2400" dirty="0" smtClean="0">
-                <a:cs typeface="Times New Roman" pitchFamily="18" charset="0"/>
-              </a:rPr>
-              <a:t>View Result College wise.</a:t>
-            </a:r>
-            <a:endParaRPr lang="en-US" sz="2400" dirty="0" smtClean="0">
-              <a:cs typeface="Times New Roman" pitchFamily="18" charset="0"/>
-            </a:endParaRPr>
+              <a:t> View Result College wise.</a:t>
+            </a:r>
           </a:p>
           <a:p>
             <a:pPr eaLnBrk="1" hangingPunct="1">
@@ -11611,9 +12170,6 @@
               </a:rPr>
               <a:t> Filter Result Branch wise.</a:t>
             </a:r>
-            <a:endParaRPr lang="en-US" sz="2400" dirty="0" smtClean="0">
-              <a:cs typeface="Times New Roman" pitchFamily="18" charset="0"/>
-            </a:endParaRPr>
           </a:p>
           <a:p>
             <a:pPr eaLnBrk="1" hangingPunct="1">
@@ -11626,9 +12182,6 @@
               </a:rPr>
               <a:t>View all students details. </a:t>
             </a:r>
-            <a:endParaRPr lang="en-US" sz="2400" dirty="0" smtClean="0">
-              <a:cs typeface="Times New Roman" pitchFamily="18" charset="0"/>
-            </a:endParaRPr>
           </a:p>
           <a:p>
             <a:pPr eaLnBrk="1" hangingPunct="1">
@@ -11639,17 +12192,8 @@
               <a:rPr lang="en-US" sz="2400" dirty="0" smtClean="0">
                 <a:cs typeface="Times New Roman" pitchFamily="18" charset="0"/>
               </a:rPr>
-              <a:t>View </a:t>
-            </a:r>
-            <a:r>
-              <a:rPr lang="en-US" sz="2400" dirty="0" smtClean="0">
-                <a:cs typeface="Times New Roman" pitchFamily="18" charset="0"/>
-              </a:rPr>
-              <a:t>student backlog details.</a:t>
-            </a:r>
-            <a:endParaRPr lang="en-US" sz="2400" dirty="0" smtClean="0">
-              <a:cs typeface="Times New Roman" pitchFamily="18" charset="0"/>
-            </a:endParaRPr>
+              <a:t>View student backlog details.</a:t>
+            </a:r>
           </a:p>
           <a:p>
             <a:pPr>
@@ -11662,9 +12206,6 @@
               </a:rPr>
               <a:t>View student marks details.</a:t>
             </a:r>
-            <a:endParaRPr lang="en-US" sz="2400" dirty="0" smtClean="0">
-              <a:cs typeface="Times New Roman" pitchFamily="18" charset="0"/>
-            </a:endParaRPr>
           </a:p>
           <a:p>
             <a:pPr>
@@ -11677,9 +12218,6 @@
               </a:rPr>
               <a:t>Faculty feedback facility.</a:t>
             </a:r>
-            <a:endParaRPr lang="en-US" sz="2400" dirty="0" smtClean="0">
-              <a:cs typeface="Times New Roman" pitchFamily="18" charset="0"/>
-            </a:endParaRPr>
           </a:p>
           <a:p>
             <a:pPr>
@@ -11797,42 +12335,65 @@
       </p:grpSpPr>
       <p:sp>
         <p:nvSpPr>
-          <p:cNvPr id="2" name="Title 1"/>
+          <p:cNvPr id="9218" name="Title 1"/>
           <p:cNvSpPr>
             <a:spLocks noGrp="1"/>
           </p:cNvSpPr>
           <p:nvPr>
-            <p:ph type="ctrTitle"/>
+            <p:ph type="title"/>
           </p:nvPr>
         </p:nvSpPr>
-        <p:spPr>
-          <a:xfrm>
-            <a:off x="684213" y="260350"/>
-            <a:ext cx="7772400" cy="1584325"/>
-          </a:xfrm>
-        </p:spPr>
+        <p:spPr/>
         <p:txBody>
           <a:bodyPr/>
           <a:lstStyle/>
           <a:p>
-            <a:pPr>
+            <a:pPr eaLnBrk="1" hangingPunct="1">
               <a:defRPr/>
             </a:pPr>
             <a:r>
-              <a:rPr lang="en-US" sz="5400" dirty="0" smtClean="0">
-                <a:latin typeface="+mn-lt"/>
+              <a:rPr lang="en-US" sz="3200" b="1" dirty="0" smtClean="0">
+                <a:solidFill>
+                  <a:schemeClr val="tx1"/>
+                </a:solidFill>
               </a:rPr>
-              <a:t> </a:t>
-            </a:r>
-            <a:endParaRPr lang="en-US" sz="5400" dirty="0">
-              <a:latin typeface="+mn-lt"/>
+              <a:t>Use Case Diagram </a:t>
+            </a:r>
+            <a:r>
+              <a:rPr lang="en-US" sz="3200" b="1" dirty="0" smtClean="0">
+                <a:solidFill>
+                  <a:schemeClr val="tx1"/>
+                </a:solidFill>
+              </a:rPr>
+              <a:t>of “</a:t>
+            </a:r>
+            <a:r>
+              <a:rPr lang="en-US" sz="3200" b="1" dirty="0" err="1" smtClean="0">
+                <a:solidFill>
+                  <a:schemeClr val="tx1"/>
+                </a:solidFill>
+              </a:rPr>
+              <a:t>ResultAnalysis</a:t>
+            </a:r>
+            <a:r>
+              <a:rPr lang="en-US" sz="3200" b="1" dirty="0" smtClean="0">
+                <a:solidFill>
+                  <a:schemeClr val="tx1"/>
+                </a:solidFill>
+              </a:rPr>
+              <a:t>”</a:t>
+            </a:r>
+            <a:endParaRPr lang="en-US" sz="3200" b="1" dirty="0" smtClean="0">
+              <a:solidFill>
+                <a:schemeClr val="tx1"/>
+              </a:solidFill>
             </a:endParaRPr>
           </a:p>
         </p:txBody>
       </p:sp>
       <p:pic>
         <p:nvPicPr>
-          <p:cNvPr id="20483" name="Picture 2" descr="LineOne.jpg"/>
+          <p:cNvPr id="12292" name="Picture 3" descr="LineOne.jpg"/>
           <p:cNvPicPr>
             <a:picLocks noChangeAspect="1"/>
           </p:cNvPicPr>
@@ -11864,14 +12425,129 @@
       </p:pic>
       <p:pic>
         <p:nvPicPr>
-          <p:cNvPr id="20484" name="Picture 3" descr="7580395-logo-dynamic-arrow-with-diagram.jpg"/>
+          <p:cNvPr id="7" name="image43.jpeg"/>
+          <p:cNvPicPr/>
+          <p:nvPr/>
+        </p:nvPicPr>
+        <p:blipFill>
+          <a:blip r:embed="rId3" cstate="print"/>
+          <a:stretch>
+            <a:fillRect/>
+          </a:stretch>
+        </p:blipFill>
+        <p:spPr>
+          <a:xfrm>
+            <a:off x="1066800" y="1371600"/>
+            <a:ext cx="6553200" cy="5181600"/>
+          </a:xfrm>
+          <a:prstGeom prst="rect">
+            <a:avLst/>
+          </a:prstGeom>
+        </p:spPr>
+      </p:pic>
+    </p:spTree>
+  </p:cSld>
+  <p:clrMapOvr>
+    <a:masterClrMapping/>
+  </p:clrMapOvr>
+  <p:transition advTm="5000">
+    <p:pull dir="u"/>
+  </p:transition>
+  <p:timing>
+    <p:tnLst>
+      <p:par>
+        <p:cTn id="1" dur="indefinite" restart="never" nodeType="tmRoot"/>
+      </p:par>
+    </p:tnLst>
+  </p:timing>
+</p:sld>
+</file>
+
+<file path=ppt/slides/slide8.xml><?xml version="1.0" encoding="utf-8"?>
+<p:sld xmlns:a="http://schemas.openxmlformats.org/drawingml/2006/main" xmlns:r="http://schemas.openxmlformats.org/officeDocument/2006/relationships" xmlns:p="http://schemas.openxmlformats.org/presentationml/2006/main">
+  <p:cSld>
+    <p:spTree>
+      <p:nvGrpSpPr>
+        <p:cNvPr id="1" name=""/>
+        <p:cNvGrpSpPr/>
+        <p:nvPr/>
+      </p:nvGrpSpPr>
+      <p:grpSpPr>
+        <a:xfrm>
+          <a:off x="0" y="0"/>
+          <a:ext cx="0" cy="0"/>
+          <a:chOff x="0" y="0"/>
+          <a:chExt cx="0" cy="0"/>
+        </a:xfrm>
+      </p:grpSpPr>
+      <p:sp>
+        <p:nvSpPr>
+          <p:cNvPr id="9218" name="Title 1"/>
+          <p:cNvSpPr>
+            <a:spLocks noGrp="1"/>
+          </p:cNvSpPr>
+          <p:nvPr>
+            <p:ph type="title"/>
+          </p:nvPr>
+        </p:nvSpPr>
+        <p:spPr/>
+        <p:txBody>
+          <a:bodyPr/>
+          <a:lstStyle/>
+          <a:p>
+            <a:pPr eaLnBrk="1" hangingPunct="1">
+              <a:defRPr/>
+            </a:pPr>
+            <a:r>
+              <a:rPr lang="en-US" sz="3200" b="1" dirty="0" smtClean="0">
+                <a:solidFill>
+                  <a:schemeClr val="tx1"/>
+                </a:solidFill>
+              </a:rPr>
+              <a:t>Sequence Diagram </a:t>
+            </a:r>
+            <a:r>
+              <a:rPr lang="en-US" sz="3200" b="1" dirty="0" smtClean="0">
+                <a:solidFill>
+                  <a:schemeClr val="tx1"/>
+                </a:solidFill>
+              </a:rPr>
+              <a:t>of “</a:t>
+            </a:r>
+            <a:r>
+              <a:rPr lang="en-US" sz="3200" b="1" dirty="0" err="1" smtClean="0">
+                <a:solidFill>
+                  <a:schemeClr val="tx1"/>
+                </a:solidFill>
+              </a:rPr>
+              <a:t>ResultAnalysis</a:t>
+            </a:r>
+            <a:r>
+              <a:rPr lang="en-US" sz="3200" b="1" dirty="0" smtClean="0">
+                <a:solidFill>
+                  <a:schemeClr val="tx1"/>
+                </a:solidFill>
+              </a:rPr>
+              <a:t>”</a:t>
+            </a:r>
+            <a:endParaRPr lang="en-US" sz="3200" b="1" dirty="0" smtClean="0">
+              <a:solidFill>
+                <a:schemeClr val="tx1"/>
+              </a:solidFill>
+            </a:endParaRPr>
+          </a:p>
+        </p:txBody>
+      </p:sp>
+      <p:pic>
+        <p:nvPicPr>
+          <p:cNvPr id="12292" name="Picture 3" descr="LineOne.jpg"/>
           <p:cNvPicPr>
             <a:picLocks noChangeAspect="1"/>
           </p:cNvPicPr>
           <p:nvPr/>
         </p:nvPicPr>
         <p:blipFill>
-          <a:blip r:embed="rId3" cstate="print"/>
+          <a:blip r:embed="rId2" cstate="print"/>
           <a:srcRect/>
           <a:stretch>
             <a:fillRect/>
@@ -11879,8 +12555,8 @@
         </p:blipFill>
         <p:spPr bwMode="auto">
           <a:xfrm>
-            <a:off x="0" y="0"/>
-            <a:ext cx="9144000" cy="6858000"/>
+            <a:off x="0" y="6581775"/>
+            <a:ext cx="9144000" cy="276225"/>
           </a:xfrm>
           <a:prstGeom prst="rect">
             <a:avLst/>
@@ -11894,61 +12570,35 @@
           </a:ln>
         </p:spPr>
       </p:pic>
-      <p:sp>
-        <p:nvSpPr>
-          <p:cNvPr id="20485" name="Rectangle 4"/>
-          <p:cNvSpPr>
-            <a:spLocks noChangeArrowheads="1"/>
-          </p:cNvSpPr>
+      <p:pic>
+        <p:nvPicPr>
+          <p:cNvPr id="5" name="image45.jpeg"/>
+          <p:cNvPicPr/>
           <p:nvPr/>
-        </p:nvSpPr>
-        <p:spPr bwMode="auto">
+        </p:nvPicPr>
+        <p:blipFill>
+          <a:blip r:embed="rId3" cstate="print"/>
+          <a:stretch>
+            <a:fillRect/>
+          </a:stretch>
+        </p:blipFill>
+        <p:spPr>
           <a:xfrm>
-            <a:off x="1066800" y="2590800"/>
-            <a:ext cx="4824413" cy="1016000"/>
+            <a:off x="152400" y="1905000"/>
+            <a:ext cx="8839200" cy="4553431"/>
           </a:xfrm>
           <a:prstGeom prst="rect">
             <a:avLst/>
           </a:prstGeom>
-          <a:noFill/>
-          <a:ln w="9525">
-            <a:noFill/>
-            <a:miter lim="800000"/>
-            <a:headEnd/>
-            <a:tailEnd/>
-          </a:ln>
         </p:spPr>
-        <p:txBody>
-          <a:bodyPr>
-            <a:spAutoFit/>
-          </a:bodyPr>
-          <a:lstStyle/>
-          <a:p>
-            <a:pPr algn="ctr"/>
-            <a:r>
-              <a:rPr lang="en-US" sz="6000" b="1" dirty="0" smtClean="0">
-                <a:solidFill>
-                  <a:srgbClr val="FF0000"/>
-                </a:solidFill>
-                <a:hlinkClick r:id="rId4" action="ppaction://hlinkfile"/>
-              </a:rPr>
-              <a:t>Diagram</a:t>
-            </a:r>
-            <a:endParaRPr lang="en-US" sz="6000" b="1" dirty="0">
-              <a:solidFill>
-                <a:srgbClr val="FF0000"/>
-              </a:solidFill>
-            </a:endParaRPr>
-          </a:p>
-        </p:txBody>
-      </p:sp>
+      </p:pic>
     </p:spTree>
   </p:cSld>
   <p:clrMapOvr>
     <a:masterClrMapping/>
   </p:clrMapOvr>
-  <p:transition advTm="7000">
-    <p:wipe dir="u"/>
+  <p:transition advTm="5000">
+    <p:pull dir="u"/>
   </p:transition>
   <p:timing>
     <p:tnLst>
@@ -11960,7 +12610,7 @@
 </p:sld>
 </file>
 
-<file path=ppt/slides/slide8.xml><?xml version="1.0" encoding="utf-8"?>
+<file path=ppt/slides/slide9.xml><?xml version="1.0" encoding="utf-8"?>
 <p:sld xmlns:a="http://schemas.openxmlformats.org/drawingml/2006/main" xmlns:r="http://schemas.openxmlformats.org/officeDocument/2006/relationships" xmlns:p="http://schemas.openxmlformats.org/presentationml/2006/main">
   <p:cSld>
     <p:spTree>
@@ -12385,242 +13035,6 @@
                       </p:childTnLst>
                     </p:cTn>
                   </p:par>
-                  <p:par>
-                    <p:cTn id="11" fill="hold">
-                      <p:stCondLst>
-                        <p:cond delay="indefinite"/>
-                      </p:stCondLst>
-                      <p:childTnLst>
-                        <p:par>
-                          <p:cTn id="12" fill="hold">
-                            <p:stCondLst>
-                              <p:cond delay="0"/>
-                            </p:stCondLst>
-                            <p:childTnLst>
-                              <p:par>
-                                <p:cTn id="13" presetID="45" presetClass="entr" presetSubtype="0" fill="hold" nodeType="clickEffect">
-                                  <p:stCondLst>
-                                    <p:cond delay="0"/>
-                                  </p:stCondLst>
-                                  <p:iterate type="lt">
-                                    <p:tmPct val="10000"/>
-                                  </p:iterate>
-                                  <p:childTnLst>
-                                    <p:set>
-                                      <p:cBhvr>
-                                        <p:cTn id="14" dur="1" fill="hold">
-                                          <p:stCondLst>
-                                            <p:cond delay="0"/>
-                                          </p:stCondLst>
-                                        </p:cTn>
-                                        <p:tgtEl>
-                                          <p:spTgt spid="22530">
-                                            <p:txEl>
-                                              <p:pRg st="0" end="0"/>
-                                            </p:txEl>
-                                          </p:spTgt>
-                                        </p:tgtEl>
-                                        <p:attrNameLst>
-                                          <p:attrName>style.visibility</p:attrName>
-                                        </p:attrNameLst>
-                                      </p:cBhvr>
-                                      <p:to>
-                                        <p:strVal val="visible"/>
-                                      </p:to>
-                                    </p:set>
-                                    <p:animEffect transition="in" filter="fade">
-                                      <p:cBhvr>
-                                        <p:cTn id="15" dur="2000"/>
-                                        <p:tgtEl>
-                                          <p:spTgt spid="22530">
-                                            <p:txEl>
-                                              <p:pRg st="0" end="0"/>
-                                            </p:txEl>
-                                          </p:spTgt>
-                                        </p:tgtEl>
-                                      </p:cBhvr>
-                                    </p:animEffect>
-                                    <p:anim calcmode="lin" valueType="num">
-                                      <p:cBhvr>
-                                        <p:cTn id="16" dur="2000" fill="hold"/>
-                                        <p:tgtEl>
-                                          <p:spTgt spid="22530">
-                                            <p:txEl>
-                                              <p:pRg st="0" end="0"/>
-                                            </p:txEl>
-                                          </p:spTgt>
-                                        </p:tgtEl>
-                                        <p:attrNameLst>
-                                          <p:attrName>ppt_w</p:attrName>
-                                        </p:attrNameLst>
-                                      </p:cBhvr>
-                                      <p:tavLst>
-                                        <p:tav tm="0" fmla="#ppt_w*sin(2.5*pi*$)">
-                                          <p:val>
-                                            <p:fltVal val="0"/>
-                                          </p:val>
-                                        </p:tav>
-                                        <p:tav tm="100000">
-                                          <p:val>
-                                            <p:fltVal val="1"/>
-                                          </p:val>
-                                        </p:tav>
-                                      </p:tavLst>
-                                    </p:anim>
-                                    <p:anim calcmode="lin" valueType="num">
-                                      <p:cBhvr>
-                                        <p:cTn id="17" dur="2000" fill="hold"/>
-                                        <p:tgtEl>
-                                          <p:spTgt spid="22530">
-                                            <p:txEl>
-                                              <p:pRg st="0" end="0"/>
-                                            </p:txEl>
-                                          </p:spTgt>
-                                        </p:tgtEl>
-                                        <p:attrNameLst>
-                                          <p:attrName>ppt_h</p:attrName>
-                                        </p:attrNameLst>
-                                      </p:cBhvr>
-                                      <p:tavLst>
-                                        <p:tav tm="0">
-                                          <p:val>
-                                            <p:strVal val="#ppt_h"/>
-                                          </p:val>
-                                        </p:tav>
-                                        <p:tav tm="100000">
-                                          <p:val>
-                                            <p:strVal val="#ppt_h"/>
-                                          </p:val>
-                                        </p:tav>
-                                      </p:tavLst>
-                                    </p:anim>
-                                  </p:childTnLst>
-                                </p:cTn>
-                              </p:par>
-                            </p:childTnLst>
-                          </p:cTn>
-                        </p:par>
-                      </p:childTnLst>
-                    </p:cTn>
-                  </p:par>
-                  <p:par>
-                    <p:cTn id="18" fill="hold">
-                      <p:stCondLst>
-                        <p:cond delay="indefinite"/>
-                      </p:stCondLst>
-                      <p:childTnLst>
-                        <p:par>
-                          <p:cTn id="19" fill="hold">
-                            <p:stCondLst>
-                              <p:cond delay="0"/>
-                            </p:stCondLst>
-                            <p:childTnLst>
-                              <p:par>
-                                <p:cTn id="20" presetID="55" presetClass="entr" presetSubtype="0" fill="hold" nodeType="clickEffect">
-                                  <p:stCondLst>
-                                    <p:cond delay="0"/>
-                                  </p:stCondLst>
-                                  <p:iterate type="lt">
-                                    <p:tmPct val="0"/>
-                                  </p:iterate>
-                                  <p:childTnLst>
-                                    <p:set>
-                                      <p:cBhvr>
-                                        <p:cTn id="21" dur="1" fill="hold">
-                                          <p:stCondLst>
-                                            <p:cond delay="0"/>
-                                          </p:stCondLst>
-                                        </p:cTn>
-                                        <p:tgtEl>
-                                          <p:spTgt spid="22530">
-                                            <p:txEl>
-                                              <p:pRg st="0" end="0"/>
-                                            </p:txEl>
-                                          </p:spTgt>
-                                        </p:tgtEl>
-                                        <p:attrNameLst>
-                                          <p:attrName>style.visibility</p:attrName>
-                                        </p:attrNameLst>
-                                      </p:cBhvr>
-                                      <p:to>
-                                        <p:strVal val="visible"/>
-                                      </p:to>
-                                    </p:set>
-                                    <p:anim calcmode="lin" valueType="num">
-                                      <p:cBhvr>
-                                        <p:cTn id="22" dur="1000" fill="hold"/>
-                                        <p:tgtEl>
-                                          <p:spTgt spid="22530">
-                                            <p:txEl>
-                                              <p:pRg st="0" end="0"/>
-                                            </p:txEl>
-                                          </p:spTgt>
-                                        </p:tgtEl>
-                                        <p:attrNameLst>
-                                          <p:attrName>ppt_w</p:attrName>
-                                        </p:attrNameLst>
-                                      </p:cBhvr>
-                                      <p:tavLst>
-                                        <p:tav tm="0">
-                                          <p:val>
-                                            <p:strVal val="#ppt_w*0.70"/>
-                                          </p:val>
-                                        </p:tav>
-                                        <p:tav tm="100000">
-                                          <p:val>
-                                            <p:strVal val="#ppt_w"/>
-                                          </p:val>
-                                        </p:tav>
-                                      </p:tavLst>
-                                    </p:anim>
-                                    <p:anim calcmode="lin" valueType="num">
-                                      <p:cBhvr>
-                                        <p:cTn id="23" dur="1000" fill="hold"/>
-                                        <p:tgtEl>
-                                          <p:spTgt spid="22530">
-                                            <p:txEl>
-                                              <p:pRg st="0" end="0"/>
-                                            </p:txEl>
-                                          </p:spTgt>
-                                        </p:tgtEl>
-                                        <p:attrNameLst>
-                                          <p:attrName>ppt_h</p:attrName>
-                                        </p:attrNameLst>
-                                      </p:cBhvr>
-                                      <p:tavLst>
-                                        <p:tav tm="0">
-                                          <p:val>
-                                            <p:strVal val="#ppt_h"/>
-                                          </p:val>
-                                        </p:tav>
-                                        <p:tav tm="100000">
-                                          <p:val>
-                                            <p:strVal val="#ppt_h"/>
-                                          </p:val>
-                                        </p:tav>
-                                      </p:tavLst>
-                                    </p:anim>
-                                    <p:animEffect transition="in" filter="fade">
-                                      <p:cBhvr>
-                                        <p:cTn id="24" dur="1000"/>
-                                        <p:tgtEl>
-                                          <p:spTgt spid="22530">
-                                            <p:txEl>
-                                              <p:pRg st="0" end="0"/>
-                                            </p:txEl>
-                                          </p:spTgt>
-                                        </p:tgtEl>
-                                      </p:cBhvr>
-                                    </p:animEffect>
-                                  </p:childTnLst>
-                                </p:cTn>
-                              </p:par>
-                            </p:childTnLst>
-                          </p:cTn>
-                        </p:par>
-                      </p:childTnLst>
-                    </p:cTn>
-                  </p:par>
                 </p:childTnLst>
               </p:cTn>
               <p:prevCondLst>
@@ -12640,315 +13054,6 @@
             </p:seq>
           </p:childTnLst>
         </p:cTn>
-      </p:par>
-    </p:tnLst>
-  </p:timing>
-</p:sld>
-</file>
-
-<file path=ppt/slides/slide9.xml><?xml version="1.0" encoding="utf-8"?>
-<p:sld xmlns:a="http://schemas.openxmlformats.org/drawingml/2006/main" xmlns:r="http://schemas.openxmlformats.org/officeDocument/2006/relationships" xmlns:p="http://schemas.openxmlformats.org/presentationml/2006/main">
-  <p:cSld>
-    <p:spTree>
-      <p:nvGrpSpPr>
-        <p:cNvPr id="1" name=""/>
-        <p:cNvGrpSpPr/>
-        <p:nvPr/>
-      </p:nvGrpSpPr>
-      <p:grpSpPr>
-        <a:xfrm>
-          <a:off x="0" y="0"/>
-          <a:ext cx="0" cy="0"/>
-          <a:chOff x="0" y="0"/>
-          <a:chExt cx="0" cy="0"/>
-        </a:xfrm>
-      </p:grpSpPr>
-      <p:sp>
-        <p:nvSpPr>
-          <p:cNvPr id="2" name="Rectangle 1"/>
-          <p:cNvSpPr/>
-          <p:nvPr/>
-        </p:nvSpPr>
-        <p:spPr>
-          <a:xfrm>
-            <a:off x="0" y="381000"/>
-            <a:ext cx="9144000" cy="1446550"/>
-          </a:xfrm>
-          <a:prstGeom prst="rect">
-            <a:avLst/>
-          </a:prstGeom>
-          <a:noFill/>
-        </p:spPr>
-        <p:txBody>
-          <a:bodyPr wrap="square" lIns="91440" tIns="45720" rIns="91440" bIns="45720">
-            <a:spAutoFit/>
-            <a:scene3d>
-              <a:camera prst="orthographicFront"/>
-              <a:lightRig rig="soft" dir="tl">
-                <a:rot lat="0" lon="0" rev="0"/>
-              </a:lightRig>
-            </a:scene3d>
-            <a:sp3d contourW="25400" prstMaterial="matte">
-              <a:bevelT w="25400" h="55880" prst="artDeco"/>
-              <a:contourClr>
-                <a:schemeClr val="accent2">
-                  <a:tint val="20000"/>
-                </a:schemeClr>
-              </a:contourClr>
-            </a:sp3d>
-          </a:bodyPr>
-          <a:lstStyle/>
-          <a:p>
-            <a:pPr algn="ctr"/>
-            <a:r>
-              <a:rPr lang="en-US" sz="4400" b="1" i="1" spc="50" dirty="0" err="1" smtClean="0">
-                <a:ln w="11430"/>
-                <a:solidFill>
-                  <a:srgbClr val="00B0F0"/>
-                </a:solidFill>
-                <a:effectLst>
-                  <a:outerShdw blurRad="76200" dist="50800" dir="5400000" algn="tl" rotWithShape="0">
-                    <a:srgbClr val="000000">
-                      <a:alpha val="65000"/>
-                    </a:srgbClr>
-                  </a:outerShdw>
-                </a:effectLst>
-                <a:hlinkClick r:id="rId2" action="ppaction://hlinkfile"/>
-              </a:rPr>
-              <a:t>Glimps</a:t>
-            </a:r>
-            <a:r>
-              <a:rPr lang="en-US" sz="4400" b="1" i="1" spc="50" dirty="0" smtClean="0">
-                <a:ln w="11430"/>
-                <a:solidFill>
-                  <a:srgbClr val="00B0F0"/>
-                </a:solidFill>
-                <a:effectLst>
-                  <a:outerShdw blurRad="76200" dist="50800" dir="5400000" algn="tl" rotWithShape="0">
-                    <a:srgbClr val="000000">
-                      <a:alpha val="65000"/>
-                    </a:srgbClr>
-                  </a:outerShdw>
-                </a:effectLst>
-                <a:hlinkClick r:id="rId2" action="ppaction://hlinkfile"/>
-              </a:rPr>
-              <a:t> of “Result Analysis”</a:t>
-            </a:r>
-            <a:endParaRPr lang="en-US" sz="4400" b="1" i="1" spc="50" dirty="0" smtClean="0">
-              <a:ln w="11430"/>
-              <a:solidFill>
-                <a:srgbClr val="00B0F0"/>
-              </a:solidFill>
-              <a:effectLst>
-                <a:outerShdw blurRad="76200" dist="50800" dir="5400000" algn="tl" rotWithShape="0">
-                  <a:srgbClr val="000000">
-                    <a:alpha val="65000"/>
-                  </a:srgbClr>
-                </a:outerShdw>
-              </a:effectLst>
-              <a:hlinkClick r:id="rId2" action="ppaction://hlinkfile"/>
-            </a:endParaRPr>
-          </a:p>
-          <a:p>
-            <a:pPr algn="ctr"/>
-            <a:r>
-              <a:rPr lang="en-US" sz="4400" b="1" i="1" spc="50" dirty="0" smtClean="0">
-                <a:ln w="11430"/>
-                <a:solidFill>
-                  <a:srgbClr val="00B0F0"/>
-                </a:solidFill>
-                <a:effectLst>
-                  <a:outerShdw blurRad="76200" dist="50800" dir="5400000" algn="tl" rotWithShape="0">
-                    <a:srgbClr val="000000">
-                      <a:alpha val="65000"/>
-                    </a:srgbClr>
-                  </a:outerShdw>
-                </a:effectLst>
-                <a:hlinkClick r:id="rId2" action="ppaction://hlinkfile"/>
-              </a:rPr>
-              <a:t> </a:t>
-            </a:r>
-            <a:endParaRPr lang="en-US" sz="4400" b="1" i="1" cap="none" spc="50" dirty="0">
-              <a:ln w="11430"/>
-              <a:solidFill>
-                <a:srgbClr val="00B0F0"/>
-              </a:solidFill>
-              <a:effectLst>
-                <a:outerShdw blurRad="76200" dist="50800" dir="5400000" algn="tl" rotWithShape="0">
-                  <a:srgbClr val="000000">
-                    <a:alpha val="65000"/>
-                  </a:srgbClr>
-                </a:outerShdw>
-              </a:effectLst>
-            </a:endParaRPr>
-          </a:p>
-        </p:txBody>
-      </p:sp>
-      <p:sp>
-        <p:nvSpPr>
-          <p:cNvPr id="3" name="Rectangle 2"/>
-          <p:cNvSpPr/>
-          <p:nvPr/>
-        </p:nvSpPr>
-        <p:spPr>
-          <a:xfrm>
-            <a:off x="152400" y="1981200"/>
-            <a:ext cx="1266693" cy="400110"/>
-          </a:xfrm>
-          <a:prstGeom prst="rect">
-            <a:avLst/>
-          </a:prstGeom>
-          <a:noFill/>
-        </p:spPr>
-        <p:txBody>
-          <a:bodyPr wrap="none" lIns="91440" tIns="45720" rIns="91440" bIns="45720">
-            <a:spAutoFit/>
-          </a:bodyPr>
-          <a:lstStyle/>
-          <a:p>
-            <a:pPr algn="ctr"/>
-            <a:r>
-              <a:rPr lang="en-US" sz="2000" b="1" dirty="0" smtClean="0">
-                <a:ln w="1905"/>
-                <a:gradFill>
-                  <a:gsLst>
-                    <a:gs pos="0">
-                      <a:schemeClr val="accent6">
-                        <a:shade val="20000"/>
-                        <a:satMod val="200000"/>
-                      </a:schemeClr>
-                    </a:gs>
-                    <a:gs pos="78000">
-                      <a:schemeClr val="accent6">
-                        <a:tint val="90000"/>
-                        <a:shade val="89000"/>
-                        <a:satMod val="220000"/>
-                      </a:schemeClr>
-                    </a:gs>
-                    <a:gs pos="100000">
-                      <a:schemeClr val="accent6">
-                        <a:tint val="12000"/>
-                        <a:satMod val="255000"/>
-                      </a:schemeClr>
-                    </a:gs>
-                  </a:gsLst>
-                  <a:lin ang="5400000"/>
-                </a:gradFill>
-                <a:effectLst>
-                  <a:innerShdw blurRad="69850" dist="43180" dir="5400000">
-                    <a:srgbClr val="000000">
-                      <a:alpha val="65000"/>
-                    </a:srgbClr>
-                  </a:innerShdw>
-                </a:effectLst>
-              </a:rPr>
-              <a:t>(</a:t>
-            </a:r>
-            <a:r>
-              <a:rPr lang="en-US" sz="2000" b="1" dirty="0" smtClean="0">
-                <a:ln w="1905"/>
-                <a:gradFill>
-                  <a:gsLst>
-                    <a:gs pos="0">
-                      <a:schemeClr val="accent6">
-                        <a:shade val="20000"/>
-                        <a:satMod val="200000"/>
-                      </a:schemeClr>
-                    </a:gs>
-                    <a:gs pos="78000">
-                      <a:schemeClr val="accent6">
-                        <a:tint val="90000"/>
-                        <a:shade val="89000"/>
-                        <a:satMod val="220000"/>
-                      </a:schemeClr>
-                    </a:gs>
-                    <a:gs pos="100000">
-                      <a:schemeClr val="accent6">
-                        <a:tint val="12000"/>
-                        <a:satMod val="255000"/>
-                      </a:schemeClr>
-                    </a:gs>
-                  </a:gsLst>
-                  <a:lin ang="5400000"/>
-                </a:gradFill>
-                <a:effectLst>
-                  <a:innerShdw blurRad="69850" dist="43180" dir="5400000">
-                    <a:srgbClr val="000000">
-                      <a:alpha val="65000"/>
-                    </a:srgbClr>
-                  </a:innerShdw>
-                </a:effectLst>
-              </a:rPr>
-              <a:t>1) Login</a:t>
-            </a:r>
-            <a:endParaRPr lang="en-US" sz="2000" b="0" cap="none" spc="0" dirty="0">
-              <a:ln w="18415" cmpd="sng">
-                <a:solidFill>
-                  <a:srgbClr val="FFFFFF"/>
-                </a:solidFill>
-                <a:prstDash val="solid"/>
-              </a:ln>
-              <a:solidFill>
-                <a:srgbClr val="FFFFFF"/>
-              </a:solidFill>
-              <a:effectLst>
-                <a:outerShdw blurRad="63500" dir="3600000" algn="tl" rotWithShape="0">
-                  <a:srgbClr val="000000">
-                    <a:alpha val="70000"/>
-                  </a:srgbClr>
-                </a:outerShdw>
-              </a:effectLst>
-            </a:endParaRPr>
-          </a:p>
-        </p:txBody>
-      </p:sp>
-      <p:pic>
-        <p:nvPicPr>
-          <p:cNvPr id="2050" name="Picture 2" descr="C:\Users\LENOVO\Desktop\Resultanalysis Screenshot'\Login.JPG"/>
-          <p:cNvPicPr>
-            <a:picLocks noChangeAspect="1" noChangeArrowheads="1"/>
-          </p:cNvPicPr>
-          <p:nvPr/>
-        </p:nvPicPr>
-        <p:blipFill>
-          <a:blip r:embed="rId3"/>
-          <a:srcRect/>
-          <a:stretch>
-            <a:fillRect/>
-          </a:stretch>
-        </p:blipFill>
-        <p:spPr bwMode="auto">
-          <a:xfrm>
-            <a:off x="304800" y="2590800"/>
-            <a:ext cx="8457907" cy="3429000"/>
-          </a:xfrm>
-          <a:prstGeom prst="rect">
-            <a:avLst/>
-          </a:prstGeom>
-          <a:ln>
-            <a:noFill/>
-          </a:ln>
-          <a:effectLst>
-            <a:outerShdw blurRad="292100" dist="139700" dir="2700000" algn="tl" rotWithShape="0">
-              <a:srgbClr val="333333">
-                <a:alpha val="65000"/>
-              </a:srgbClr>
-            </a:outerShdw>
-          </a:effectLst>
-        </p:spPr>
-      </p:pic>
-    </p:spTree>
-  </p:cSld>
-  <p:clrMapOvr>
-    <a:masterClrMapping/>
-  </p:clrMapOvr>
-  <p:transition advTm="9000">
-    <p:wipe dir="u"/>
-  </p:transition>
-  <p:timing>
-    <p:tnLst>
-      <p:par>
-        <p:cTn id="1" dur="indefinite" restart="never" nodeType="tmRoot"/>
       </p:par>
     </p:tnLst>
   </p:timing>
